--- a/Slides/ML_4_Evaluation and tuning.pptx
+++ b/Slides/ML_4_Evaluation and tuning.pptx
@@ -29,6 +29,12 @@
     <p:sldId id="279" r:id="rId23"/>
     <p:sldId id="280" r:id="rId24"/>
     <p:sldId id="274" r:id="rId25"/>
+    <p:sldId id="281" r:id="rId26"/>
+    <p:sldId id="282" r:id="rId27"/>
+    <p:sldId id="283" r:id="rId28"/>
+    <p:sldId id="284" r:id="rId29"/>
+    <p:sldId id="285" r:id="rId30"/>
+    <p:sldId id="286" r:id="rId31"/>
   </p:sldIdLst>
   <p:sldSz cx="12192000" cy="6858000"/>
   <p:notesSz cx="6858000" cy="9144000"/>
@@ -127,6 +133,11 @@
       </a:defRPr>
     </a:lvl9pPr>
   </p:defaultTextStyle>
+  <p:extLst>
+    <p:ext uri="{EFAFB233-063F-42B5-8137-9DF3F51BA10A}">
+      <p15:sldGuideLst xmlns:p15="http://schemas.microsoft.com/office/powerpoint/2012/main"/>
+    </p:ext>
+  </p:extLst>
 </p:presentation>
 </file>
 
@@ -187,7 +198,7 @@
           <a:noFill/>
           <a:extLst>
             <a:ext uri="{909E8E84-426E-40dd-AFC4-6F175D3DCCD1}">
-              <a14:hiddenFill xmlns:a14="http://schemas.microsoft.com/office/drawing/2010/main" xmlns="">
+              <a14:hiddenFill xmlns="" xmlns:a14="http://schemas.microsoft.com/office/drawing/2010/main">
                 <a:solidFill>
                   <a:srgbClr val="FFFFFF"/>
                 </a:solidFill>
@@ -246,7 +257,7 @@
             </a:ln>
             <a:extLst>
               <a:ext uri="{91240B29-F687-4f45-9708-019B960494DF}">
-                <a14:hiddenLine xmlns:a14="http://schemas.microsoft.com/office/drawing/2010/main" xmlns="" w="9525">
+                <a14:hiddenLine xmlns="" xmlns:a14="http://schemas.microsoft.com/office/drawing/2010/main" w="9525">
                   <a:solidFill>
                     <a:srgbClr val="000000"/>
                   </a:solidFill>
@@ -336,7 +347,7 @@
             </a:ln>
             <a:extLst>
               <a:ext uri="{91240B29-F687-4f45-9708-019B960494DF}">
-                <a14:hiddenLine xmlns:a14="http://schemas.microsoft.com/office/drawing/2010/main" xmlns="" w="9525">
+                <a14:hiddenLine xmlns="" xmlns:a14="http://schemas.microsoft.com/office/drawing/2010/main" w="9525">
                   <a:solidFill>
                     <a:srgbClr val="000000"/>
                   </a:solidFill>
@@ -426,7 +437,7 @@
             </a:ln>
             <a:extLst>
               <a:ext uri="{91240B29-F687-4f45-9708-019B960494DF}">
-                <a14:hiddenLine xmlns:a14="http://schemas.microsoft.com/office/drawing/2010/main" xmlns="" w="9525">
+                <a14:hiddenLine xmlns="" xmlns:a14="http://schemas.microsoft.com/office/drawing/2010/main" w="9525">
                   <a:solidFill>
                     <a:srgbClr val="000000"/>
                   </a:solidFill>
@@ -460,7 +471,7 @@
             </a:ln>
             <a:extLst>
               <a:ext uri="{91240B29-F687-4f45-9708-019B960494DF}">
-                <a14:hiddenLine xmlns:a14="http://schemas.microsoft.com/office/drawing/2010/main" xmlns="" w="9525">
+                <a14:hiddenLine xmlns="" xmlns:a14="http://schemas.microsoft.com/office/drawing/2010/main" w="9525">
                   <a:solidFill>
                     <a:srgbClr val="000000"/>
                   </a:solidFill>
@@ -550,7 +561,7 @@
             </a:ln>
             <a:extLst>
               <a:ext uri="{91240B29-F687-4f45-9708-019B960494DF}">
-                <a14:hiddenLine xmlns:a14="http://schemas.microsoft.com/office/drawing/2010/main" xmlns="" w="9525">
+                <a14:hiddenLine xmlns="" xmlns:a14="http://schemas.microsoft.com/office/drawing/2010/main" w="9525">
                   <a:solidFill>
                     <a:srgbClr val="000000"/>
                   </a:solidFill>
@@ -612,7 +623,7 @@
             </a:ln>
             <a:extLst>
               <a:ext uri="{91240B29-F687-4f45-9708-019B960494DF}">
-                <a14:hiddenLine xmlns:a14="http://schemas.microsoft.com/office/drawing/2010/main" xmlns="" w="9525">
+                <a14:hiddenLine xmlns="" xmlns:a14="http://schemas.microsoft.com/office/drawing/2010/main" w="9525">
                   <a:solidFill>
                     <a:srgbClr val="000000"/>
                   </a:solidFill>
@@ -674,7 +685,7 @@
             </a:ln>
             <a:extLst>
               <a:ext uri="{91240B29-F687-4f45-9708-019B960494DF}">
-                <a14:hiddenLine xmlns:a14="http://schemas.microsoft.com/office/drawing/2010/main" xmlns="" w="9525">
+                <a14:hiddenLine xmlns="" xmlns:a14="http://schemas.microsoft.com/office/drawing/2010/main" w="9525">
                   <a:solidFill>
                     <a:srgbClr val="000000"/>
                   </a:solidFill>
@@ -764,7 +775,7 @@
             </a:ln>
             <a:extLst>
               <a:ext uri="{91240B29-F687-4f45-9708-019B960494DF}">
-                <a14:hiddenLine xmlns:a14="http://schemas.microsoft.com/office/drawing/2010/main" xmlns="" w="9525">
+                <a14:hiddenLine xmlns="" xmlns:a14="http://schemas.microsoft.com/office/drawing/2010/main" w="9525">
                   <a:solidFill>
                     <a:srgbClr val="000000"/>
                   </a:solidFill>
@@ -826,7 +837,7 @@
             </a:ln>
             <a:extLst>
               <a:ext uri="{91240B29-F687-4f45-9708-019B960494DF}">
-                <a14:hiddenLine xmlns:a14="http://schemas.microsoft.com/office/drawing/2010/main" xmlns="" w="9525">
+                <a14:hiddenLine xmlns="" xmlns:a14="http://schemas.microsoft.com/office/drawing/2010/main" w="9525">
                   <a:solidFill>
                     <a:srgbClr val="000000"/>
                   </a:solidFill>
@@ -888,7 +899,7 @@
             </a:ln>
             <a:extLst>
               <a:ext uri="{91240B29-F687-4f45-9708-019B960494DF}">
-                <a14:hiddenLine xmlns:a14="http://schemas.microsoft.com/office/drawing/2010/main" xmlns="" w="9525">
+                <a14:hiddenLine xmlns="" xmlns:a14="http://schemas.microsoft.com/office/drawing/2010/main" w="9525">
                   <a:solidFill>
                     <a:srgbClr val="000000"/>
                   </a:solidFill>
@@ -978,7 +989,7 @@
             </a:ln>
             <a:extLst>
               <a:ext uri="{91240B29-F687-4f45-9708-019B960494DF}">
-                <a14:hiddenLine xmlns:a14="http://schemas.microsoft.com/office/drawing/2010/main" xmlns="" w="9525">
+                <a14:hiddenLine xmlns="" xmlns:a14="http://schemas.microsoft.com/office/drawing/2010/main" w="9525">
                   <a:solidFill>
                     <a:srgbClr val="000000"/>
                   </a:solidFill>
@@ -1068,7 +1079,7 @@
             </a:ln>
             <a:extLst>
               <a:ext uri="{91240B29-F687-4f45-9708-019B960494DF}">
-                <a14:hiddenLine xmlns:a14="http://schemas.microsoft.com/office/drawing/2010/main" xmlns="" w="9525">
+                <a14:hiddenLine xmlns="" xmlns:a14="http://schemas.microsoft.com/office/drawing/2010/main" w="9525">
                   <a:solidFill>
                     <a:srgbClr val="000000"/>
                   </a:solidFill>
@@ -1130,7 +1141,7 @@
             </a:ln>
             <a:extLst>
               <a:ext uri="{91240B29-F687-4f45-9708-019B960494DF}">
-                <a14:hiddenLine xmlns:a14="http://schemas.microsoft.com/office/drawing/2010/main" xmlns="" w="9525">
+                <a14:hiddenLine xmlns="" xmlns:a14="http://schemas.microsoft.com/office/drawing/2010/main" w="9525">
                   <a:solidFill>
                     <a:srgbClr val="000000"/>
                   </a:solidFill>
@@ -1240,7 +1251,7 @@
             </a:ln>
             <a:extLst>
               <a:ext uri="{91240B29-F687-4f45-9708-019B960494DF}">
-                <a14:hiddenLine xmlns:a14="http://schemas.microsoft.com/office/drawing/2010/main" xmlns="" w="9525">
+                <a14:hiddenLine xmlns="" xmlns:a14="http://schemas.microsoft.com/office/drawing/2010/main" w="9525">
                   <a:solidFill>
                     <a:srgbClr val="000000"/>
                   </a:solidFill>
@@ -1302,7 +1313,7 @@
             </a:ln>
             <a:extLst>
               <a:ext uri="{91240B29-F687-4f45-9708-019B960494DF}">
-                <a14:hiddenLine xmlns:a14="http://schemas.microsoft.com/office/drawing/2010/main" xmlns="" w="9525">
+                <a14:hiddenLine xmlns="" xmlns:a14="http://schemas.microsoft.com/office/drawing/2010/main" w="9525">
                   <a:solidFill>
                     <a:srgbClr val="000000"/>
                   </a:solidFill>
@@ -1392,7 +1403,7 @@
             </a:ln>
             <a:extLst>
               <a:ext uri="{91240B29-F687-4f45-9708-019B960494DF}">
-                <a14:hiddenLine xmlns:a14="http://schemas.microsoft.com/office/drawing/2010/main" xmlns="" w="9525">
+                <a14:hiddenLine xmlns="" xmlns:a14="http://schemas.microsoft.com/office/drawing/2010/main" w="9525">
                   <a:solidFill>
                     <a:srgbClr val="000000"/>
                   </a:solidFill>
@@ -1482,7 +1493,7 @@
             </a:ln>
             <a:extLst>
               <a:ext uri="{91240B29-F687-4f45-9708-019B960494DF}">
-                <a14:hiddenLine xmlns:a14="http://schemas.microsoft.com/office/drawing/2010/main" xmlns="" w="9525">
+                <a14:hiddenLine xmlns="" xmlns:a14="http://schemas.microsoft.com/office/drawing/2010/main" w="9525">
                   <a:solidFill>
                     <a:srgbClr val="000000"/>
                   </a:solidFill>
@@ -1544,7 +1555,7 @@
             </a:ln>
             <a:extLst>
               <a:ext uri="{91240B29-F687-4f45-9708-019B960494DF}">
-                <a14:hiddenLine xmlns:a14="http://schemas.microsoft.com/office/drawing/2010/main" xmlns="" w="9525">
+                <a14:hiddenLine xmlns="" xmlns:a14="http://schemas.microsoft.com/office/drawing/2010/main" w="9525">
                   <a:solidFill>
                     <a:srgbClr val="000000"/>
                   </a:solidFill>
@@ -1634,7 +1645,7 @@
             </a:ln>
             <a:extLst>
               <a:ext uri="{91240B29-F687-4f45-9708-019B960494DF}">
-                <a14:hiddenLine xmlns:a14="http://schemas.microsoft.com/office/drawing/2010/main" xmlns="" w="9525">
+                <a14:hiddenLine xmlns="" xmlns:a14="http://schemas.microsoft.com/office/drawing/2010/main" w="9525">
                   <a:solidFill>
                     <a:srgbClr val="000000"/>
                   </a:solidFill>
@@ -1724,7 +1735,7 @@
             </a:ln>
             <a:extLst>
               <a:ext uri="{91240B29-F687-4f45-9708-019B960494DF}">
-                <a14:hiddenLine xmlns:a14="http://schemas.microsoft.com/office/drawing/2010/main" xmlns="" w="9525">
+                <a14:hiddenLine xmlns="" xmlns:a14="http://schemas.microsoft.com/office/drawing/2010/main" w="9525">
                   <a:solidFill>
                     <a:srgbClr val="000000"/>
                   </a:solidFill>
@@ -1780,7 +1791,7 @@
             </a:ln>
             <a:extLst>
               <a:ext uri="{91240B29-F687-4f45-9708-019B960494DF}">
-                <a14:hiddenLine xmlns:a14="http://schemas.microsoft.com/office/drawing/2010/main" xmlns="" w="9525">
+                <a14:hiddenLine xmlns="" xmlns:a14="http://schemas.microsoft.com/office/drawing/2010/main" w="9525">
                   <a:solidFill>
                     <a:srgbClr val="000000"/>
                   </a:solidFill>
@@ -1870,7 +1881,7 @@
             </a:ln>
             <a:extLst>
               <a:ext uri="{91240B29-F687-4f45-9708-019B960494DF}">
-                <a14:hiddenLine xmlns:a14="http://schemas.microsoft.com/office/drawing/2010/main" xmlns="" w="9525">
+                <a14:hiddenLine xmlns="" xmlns:a14="http://schemas.microsoft.com/office/drawing/2010/main" w="9525">
                   <a:solidFill>
                     <a:srgbClr val="000000"/>
                   </a:solidFill>
@@ -1926,7 +1937,7 @@
             </a:ln>
             <a:extLst>
               <a:ext uri="{91240B29-F687-4f45-9708-019B960494DF}">
-                <a14:hiddenLine xmlns:a14="http://schemas.microsoft.com/office/drawing/2010/main" xmlns="" w="9525">
+                <a14:hiddenLine xmlns="" xmlns:a14="http://schemas.microsoft.com/office/drawing/2010/main" w="9525">
                   <a:solidFill>
                     <a:srgbClr val="000000"/>
                   </a:solidFill>
@@ -2016,7 +2027,7 @@
             </a:ln>
             <a:extLst>
               <a:ext uri="{91240B29-F687-4f45-9708-019B960494DF}">
-                <a14:hiddenLine xmlns:a14="http://schemas.microsoft.com/office/drawing/2010/main" xmlns="" w="9525">
+                <a14:hiddenLine xmlns="" xmlns:a14="http://schemas.microsoft.com/office/drawing/2010/main" w="9525">
                   <a:solidFill>
                     <a:srgbClr val="000000"/>
                   </a:solidFill>
@@ -2084,7 +2095,7 @@
             </a:ln>
             <a:extLst>
               <a:ext uri="{91240B29-F687-4f45-9708-019B960494DF}">
-                <a14:hiddenLine xmlns:a14="http://schemas.microsoft.com/office/drawing/2010/main" xmlns="" w="9525">
+                <a14:hiddenLine xmlns="" xmlns:a14="http://schemas.microsoft.com/office/drawing/2010/main" w="9525">
                   <a:solidFill>
                     <a:srgbClr val="000000"/>
                   </a:solidFill>
@@ -2174,7 +2185,7 @@
             </a:ln>
             <a:extLst>
               <a:ext uri="{91240B29-F687-4f45-9708-019B960494DF}">
-                <a14:hiddenLine xmlns:a14="http://schemas.microsoft.com/office/drawing/2010/main" xmlns="" w="9525">
+                <a14:hiddenLine xmlns="" xmlns:a14="http://schemas.microsoft.com/office/drawing/2010/main" w="9525">
                   <a:solidFill>
                     <a:srgbClr val="000000"/>
                   </a:solidFill>
@@ -2242,7 +2253,7 @@
             </a:ln>
             <a:extLst>
               <a:ext uri="{91240B29-F687-4f45-9708-019B960494DF}">
-                <a14:hiddenLine xmlns:a14="http://schemas.microsoft.com/office/drawing/2010/main" xmlns="" w="9525">
+                <a14:hiddenLine xmlns="" xmlns:a14="http://schemas.microsoft.com/office/drawing/2010/main" w="9525">
                   <a:solidFill>
                     <a:srgbClr val="000000"/>
                   </a:solidFill>
@@ -2332,7 +2343,7 @@
             </a:ln>
             <a:extLst>
               <a:ext uri="{91240B29-F687-4f45-9708-019B960494DF}">
-                <a14:hiddenLine xmlns:a14="http://schemas.microsoft.com/office/drawing/2010/main" xmlns="" w="9525">
+                <a14:hiddenLine xmlns="" xmlns:a14="http://schemas.microsoft.com/office/drawing/2010/main" w="9525">
                   <a:solidFill>
                     <a:srgbClr val="000000"/>
                   </a:solidFill>
@@ -2366,7 +2377,7 @@
             </a:ln>
             <a:extLst>
               <a:ext uri="{91240B29-F687-4f45-9708-019B960494DF}">
-                <a14:hiddenLine xmlns:a14="http://schemas.microsoft.com/office/drawing/2010/main" xmlns="" w="9525">
+                <a14:hiddenLine xmlns="" xmlns:a14="http://schemas.microsoft.com/office/drawing/2010/main" w="9525">
                   <a:solidFill>
                     <a:srgbClr val="000000"/>
                   </a:solidFill>
@@ -2456,7 +2467,7 @@
             </a:ln>
             <a:extLst>
               <a:ext uri="{91240B29-F687-4f45-9708-019B960494DF}">
-                <a14:hiddenLine xmlns:a14="http://schemas.microsoft.com/office/drawing/2010/main" xmlns="" w="9525">
+                <a14:hiddenLine xmlns="" xmlns:a14="http://schemas.microsoft.com/office/drawing/2010/main" w="9525">
                   <a:solidFill>
                     <a:srgbClr val="000000"/>
                   </a:solidFill>
@@ -2518,7 +2529,7 @@
             </a:ln>
             <a:extLst>
               <a:ext uri="{91240B29-F687-4f45-9708-019B960494DF}">
-                <a14:hiddenLine xmlns:a14="http://schemas.microsoft.com/office/drawing/2010/main" xmlns="" w="9525">
+                <a14:hiddenLine xmlns="" xmlns:a14="http://schemas.microsoft.com/office/drawing/2010/main" w="9525">
                   <a:solidFill>
                     <a:srgbClr val="000000"/>
                   </a:solidFill>
@@ -2580,7 +2591,7 @@
             </a:ln>
             <a:extLst>
               <a:ext uri="{91240B29-F687-4f45-9708-019B960494DF}">
-                <a14:hiddenLine xmlns:a14="http://schemas.microsoft.com/office/drawing/2010/main" xmlns="" w="9525">
+                <a14:hiddenLine xmlns="" xmlns:a14="http://schemas.microsoft.com/office/drawing/2010/main" w="9525">
                   <a:solidFill>
                     <a:srgbClr val="000000"/>
                   </a:solidFill>
@@ -2670,7 +2681,7 @@
             </a:ln>
             <a:extLst>
               <a:ext uri="{91240B29-F687-4f45-9708-019B960494DF}">
-                <a14:hiddenLine xmlns:a14="http://schemas.microsoft.com/office/drawing/2010/main" xmlns="" w="9525">
+                <a14:hiddenLine xmlns="" xmlns:a14="http://schemas.microsoft.com/office/drawing/2010/main" w="9525">
                   <a:solidFill>
                     <a:srgbClr val="000000"/>
                   </a:solidFill>
@@ -2738,7 +2749,7 @@
             </a:ln>
             <a:extLst>
               <a:ext uri="{91240B29-F687-4f45-9708-019B960494DF}">
-                <a14:hiddenLine xmlns:a14="http://schemas.microsoft.com/office/drawing/2010/main" xmlns="" w="9525">
+                <a14:hiddenLine xmlns="" xmlns:a14="http://schemas.microsoft.com/office/drawing/2010/main" w="9525">
                   <a:solidFill>
                     <a:srgbClr val="000000"/>
                   </a:solidFill>
@@ -2800,7 +2811,7 @@
             </a:ln>
             <a:extLst>
               <a:ext uri="{91240B29-F687-4f45-9708-019B960494DF}">
-                <a14:hiddenLine xmlns:a14="http://schemas.microsoft.com/office/drawing/2010/main" xmlns="" w="9525">
+                <a14:hiddenLine xmlns="" xmlns:a14="http://schemas.microsoft.com/office/drawing/2010/main" w="9525">
                   <a:solidFill>
                     <a:srgbClr val="000000"/>
                   </a:solidFill>
@@ -2890,7 +2901,7 @@
             </a:ln>
             <a:extLst>
               <a:ext uri="{91240B29-F687-4f45-9708-019B960494DF}">
-                <a14:hiddenLine xmlns:a14="http://schemas.microsoft.com/office/drawing/2010/main" xmlns="" w="9525">
+                <a14:hiddenLine xmlns="" xmlns:a14="http://schemas.microsoft.com/office/drawing/2010/main" w="9525">
                   <a:solidFill>
                     <a:srgbClr val="000000"/>
                   </a:solidFill>
@@ -2952,7 +2963,7 @@
             </a:ln>
             <a:extLst>
               <a:ext uri="{91240B29-F687-4f45-9708-019B960494DF}">
-                <a14:hiddenLine xmlns:a14="http://schemas.microsoft.com/office/drawing/2010/main" xmlns="" w="9525">
+                <a14:hiddenLine xmlns="" xmlns:a14="http://schemas.microsoft.com/office/drawing/2010/main" w="9525">
                   <a:solidFill>
                     <a:srgbClr val="000000"/>
                   </a:solidFill>
@@ -3042,7 +3053,7 @@
             </a:ln>
             <a:extLst>
               <a:ext uri="{91240B29-F687-4f45-9708-019B960494DF}">
-                <a14:hiddenLine xmlns:a14="http://schemas.microsoft.com/office/drawing/2010/main" xmlns="" w="9525">
+                <a14:hiddenLine xmlns="" xmlns:a14="http://schemas.microsoft.com/office/drawing/2010/main" w="9525">
                   <a:solidFill>
                     <a:srgbClr val="000000"/>
                   </a:solidFill>
@@ -3104,7 +3115,7 @@
             </a:ln>
             <a:extLst>
               <a:ext uri="{91240B29-F687-4f45-9708-019B960494DF}">
-                <a14:hiddenLine xmlns:a14="http://schemas.microsoft.com/office/drawing/2010/main" xmlns="" w="9525">
+                <a14:hiddenLine xmlns="" xmlns:a14="http://schemas.microsoft.com/office/drawing/2010/main" w="9525">
                   <a:solidFill>
                     <a:srgbClr val="000000"/>
                   </a:solidFill>
@@ -3194,7 +3205,7 @@
             </a:ln>
             <a:extLst>
               <a:ext uri="{91240B29-F687-4f45-9708-019B960494DF}">
-                <a14:hiddenLine xmlns:a14="http://schemas.microsoft.com/office/drawing/2010/main" xmlns="" w="9525">
+                <a14:hiddenLine xmlns="" xmlns:a14="http://schemas.microsoft.com/office/drawing/2010/main" w="9525">
                   <a:solidFill>
                     <a:srgbClr val="000000"/>
                   </a:solidFill>
@@ -3228,7 +3239,7 @@
             </a:ln>
             <a:extLst>
               <a:ext uri="{91240B29-F687-4f45-9708-019B960494DF}">
-                <a14:hiddenLine xmlns:a14="http://schemas.microsoft.com/office/drawing/2010/main" xmlns="" w="9525">
+                <a14:hiddenLine xmlns="" xmlns:a14="http://schemas.microsoft.com/office/drawing/2010/main" w="9525">
                   <a:solidFill>
                     <a:srgbClr val="000000"/>
                   </a:solidFill>
@@ -3293,7 +3304,7 @@
             </a:ln>
             <a:extLst>
               <a:ext uri="{91240B29-F687-4f45-9708-019B960494DF}">
-                <a14:hiddenLine xmlns:a14="http://schemas.microsoft.com/office/drawing/2010/main" xmlns="" w="9525">
+                <a14:hiddenLine xmlns="" xmlns:a14="http://schemas.microsoft.com/office/drawing/2010/main" w="9525">
                   <a:solidFill>
                     <a:srgbClr val="000000"/>
                   </a:solidFill>
@@ -3383,7 +3394,7 @@
             </a:ln>
             <a:extLst>
               <a:ext uri="{91240B29-F687-4f45-9708-019B960494DF}">
-                <a14:hiddenLine xmlns:a14="http://schemas.microsoft.com/office/drawing/2010/main" xmlns="" w="9525">
+                <a14:hiddenLine xmlns="" xmlns:a14="http://schemas.microsoft.com/office/drawing/2010/main" w="9525">
                   <a:solidFill>
                     <a:srgbClr val="000000"/>
                   </a:solidFill>
@@ -3445,7 +3456,7 @@
             </a:ln>
             <a:extLst>
               <a:ext uri="{91240B29-F687-4f45-9708-019B960494DF}">
-                <a14:hiddenLine xmlns:a14="http://schemas.microsoft.com/office/drawing/2010/main" xmlns="" w="9525">
+                <a14:hiddenLine xmlns="" xmlns:a14="http://schemas.microsoft.com/office/drawing/2010/main" w="9525">
                   <a:solidFill>
                     <a:srgbClr val="000000"/>
                   </a:solidFill>
@@ -3535,7 +3546,7 @@
             </a:ln>
             <a:extLst>
               <a:ext uri="{91240B29-F687-4f45-9708-019B960494DF}">
-                <a14:hiddenLine xmlns:a14="http://schemas.microsoft.com/office/drawing/2010/main" xmlns="" w="9525">
+                <a14:hiddenLine xmlns="" xmlns:a14="http://schemas.microsoft.com/office/drawing/2010/main" w="9525">
                   <a:solidFill>
                     <a:srgbClr val="000000"/>
                   </a:solidFill>
@@ -3625,7 +3636,7 @@
             </a:ln>
             <a:extLst>
               <a:ext uri="{91240B29-F687-4f45-9708-019B960494DF}">
-                <a14:hiddenLine xmlns:a14="http://schemas.microsoft.com/office/drawing/2010/main" xmlns="" w="9525">
+                <a14:hiddenLine xmlns="" xmlns:a14="http://schemas.microsoft.com/office/drawing/2010/main" w="9525">
                   <a:solidFill>
                     <a:srgbClr val="000000"/>
                   </a:solidFill>
@@ -3690,7 +3701,7 @@
             </a:ln>
             <a:extLst>
               <a:ext uri="{91240B29-F687-4f45-9708-019B960494DF}">
-                <a14:hiddenLine xmlns:a14="http://schemas.microsoft.com/office/drawing/2010/main" xmlns="" w="9525">
+                <a14:hiddenLine xmlns="" xmlns:a14="http://schemas.microsoft.com/office/drawing/2010/main" w="9525">
                   <a:solidFill>
                     <a:srgbClr val="000000"/>
                   </a:solidFill>
@@ -3752,7 +3763,7 @@
             </a:ln>
             <a:extLst>
               <a:ext uri="{91240B29-F687-4f45-9708-019B960494DF}">
-                <a14:hiddenLine xmlns:a14="http://schemas.microsoft.com/office/drawing/2010/main" xmlns="" w="9525">
+                <a14:hiddenLine xmlns="" xmlns:a14="http://schemas.microsoft.com/office/drawing/2010/main" w="9525">
                   <a:solidFill>
                     <a:srgbClr val="000000"/>
                   </a:solidFill>
@@ -3842,7 +3853,7 @@
             </a:ln>
             <a:extLst>
               <a:ext uri="{91240B29-F687-4f45-9708-019B960494DF}">
-                <a14:hiddenLine xmlns:a14="http://schemas.microsoft.com/office/drawing/2010/main" xmlns="" w="9525">
+                <a14:hiddenLine xmlns="" xmlns:a14="http://schemas.microsoft.com/office/drawing/2010/main" w="9525">
                   <a:solidFill>
                     <a:srgbClr val="000000"/>
                   </a:solidFill>
@@ -3932,7 +3943,7 @@
             </a:ln>
             <a:extLst>
               <a:ext uri="{91240B29-F687-4f45-9708-019B960494DF}">
-                <a14:hiddenLine xmlns:a14="http://schemas.microsoft.com/office/drawing/2010/main" xmlns="" w="9525">
+                <a14:hiddenLine xmlns="" xmlns:a14="http://schemas.microsoft.com/office/drawing/2010/main" w="9525">
                   <a:solidFill>
                     <a:srgbClr val="000000"/>
                   </a:solidFill>
@@ -3994,7 +4005,7 @@
             </a:ln>
             <a:extLst>
               <a:ext uri="{91240B29-F687-4f45-9708-019B960494DF}">
-                <a14:hiddenLine xmlns:a14="http://schemas.microsoft.com/office/drawing/2010/main" xmlns="" w="9525">
+                <a14:hiddenLine xmlns="" xmlns:a14="http://schemas.microsoft.com/office/drawing/2010/main" w="9525">
                   <a:solidFill>
                     <a:srgbClr val="000000"/>
                   </a:solidFill>
@@ -4114,7 +4125,7 @@
             </a:ln>
             <a:extLst>
               <a:ext uri="{91240B29-F687-4f45-9708-019B960494DF}">
-                <a14:hiddenLine xmlns:a14="http://schemas.microsoft.com/office/drawing/2010/main" xmlns="" w="9525">
+                <a14:hiddenLine xmlns="" xmlns:a14="http://schemas.microsoft.com/office/drawing/2010/main" w="9525">
                   <a:solidFill>
                     <a:srgbClr val="000000"/>
                   </a:solidFill>
@@ -4182,7 +4193,7 @@
             </a:ln>
             <a:extLst>
               <a:ext uri="{91240B29-F687-4f45-9708-019B960494DF}">
-                <a14:hiddenLine xmlns:a14="http://schemas.microsoft.com/office/drawing/2010/main" xmlns="" w="9525">
+                <a14:hiddenLine xmlns="" xmlns:a14="http://schemas.microsoft.com/office/drawing/2010/main" w="9525">
                   <a:solidFill>
                     <a:srgbClr val="000000"/>
                   </a:solidFill>
@@ -4272,7 +4283,7 @@
             </a:ln>
             <a:extLst>
               <a:ext uri="{91240B29-F687-4f45-9708-019B960494DF}">
-                <a14:hiddenLine xmlns:a14="http://schemas.microsoft.com/office/drawing/2010/main" xmlns="" w="9525">
+                <a14:hiddenLine xmlns="" xmlns:a14="http://schemas.microsoft.com/office/drawing/2010/main" w="9525">
                   <a:solidFill>
                     <a:srgbClr val="000000"/>
                   </a:solidFill>
@@ -4412,7 +4423,7 @@
           <a:p>
             <a:fld id="{60FC5542-1E1E-4CE1-9640-EAA0C029F56D}" type="datetimeFigureOut">
               <a:rPr lang="en-US" smtClean="0"/>
-              <a:t>8/8/2020</a:t>
+              <a:t>8/9/2020</a:t>
             </a:fld>
             <a:endParaRPr lang="en-US"/>
           </a:p>
@@ -4679,7 +4690,7 @@
           <a:p>
             <a:fld id="{60FC5542-1E1E-4CE1-9640-EAA0C029F56D}" type="datetimeFigureOut">
               <a:rPr lang="en-US" smtClean="0"/>
-              <a:t>8/8/2020</a:t>
+              <a:t>8/9/2020</a:t>
             </a:fld>
             <a:endParaRPr lang="en-US"/>
           </a:p>
@@ -4875,7 +4886,7 @@
           <a:p>
             <a:fld id="{60FC5542-1E1E-4CE1-9640-EAA0C029F56D}" type="datetimeFigureOut">
               <a:rPr lang="en-US" smtClean="0"/>
-              <a:t>8/8/2020</a:t>
+              <a:t>8/9/2020</a:t>
             </a:fld>
             <a:endParaRPr lang="en-US"/>
           </a:p>
@@ -5138,7 +5149,7 @@
           <a:p>
             <a:fld id="{60FC5542-1E1E-4CE1-9640-EAA0C029F56D}" type="datetimeFigureOut">
               <a:rPr lang="en-US" smtClean="0"/>
-              <a:t>8/8/2020</a:t>
+              <a:t>8/9/2020</a:t>
             </a:fld>
             <a:endParaRPr lang="en-US"/>
           </a:p>
@@ -5572,7 +5583,7 @@
           <a:p>
             <a:fld id="{60FC5542-1E1E-4CE1-9640-EAA0C029F56D}" type="datetimeFigureOut">
               <a:rPr lang="en-US" smtClean="0"/>
-              <a:t>8/8/2020</a:t>
+              <a:t>8/9/2020</a:t>
             </a:fld>
             <a:endParaRPr lang="en-US"/>
           </a:p>
@@ -6118,7 +6129,7 @@
           <a:p>
             <a:fld id="{60FC5542-1E1E-4CE1-9640-EAA0C029F56D}" type="datetimeFigureOut">
               <a:rPr lang="en-US" smtClean="0"/>
-              <a:t>8/8/2020</a:t>
+              <a:t>8/9/2020</a:t>
             </a:fld>
             <a:endParaRPr lang="en-US"/>
           </a:p>
@@ -6838,7 +6849,7 @@
           <a:p>
             <a:fld id="{60FC5542-1E1E-4CE1-9640-EAA0C029F56D}" type="datetimeFigureOut">
               <a:rPr lang="en-US" smtClean="0"/>
-              <a:t>8/8/2020</a:t>
+              <a:t>8/9/2020</a:t>
             </a:fld>
             <a:endParaRPr lang="en-US"/>
           </a:p>
@@ -7008,7 +7019,7 @@
           <a:p>
             <a:fld id="{60FC5542-1E1E-4CE1-9640-EAA0C029F56D}" type="datetimeFigureOut">
               <a:rPr lang="en-US" smtClean="0"/>
-              <a:t>8/8/2020</a:t>
+              <a:t>8/9/2020</a:t>
             </a:fld>
             <a:endParaRPr lang="en-US"/>
           </a:p>
@@ -7188,7 +7199,7 @@
           <a:p>
             <a:fld id="{60FC5542-1E1E-4CE1-9640-EAA0C029F56D}" type="datetimeFigureOut">
               <a:rPr lang="en-US" smtClean="0"/>
-              <a:t>8/8/2020</a:t>
+              <a:t>8/9/2020</a:t>
             </a:fld>
             <a:endParaRPr lang="en-US"/>
           </a:p>
@@ -7358,7 +7369,7 @@
           <a:p>
             <a:fld id="{60FC5542-1E1E-4CE1-9640-EAA0C029F56D}" type="datetimeFigureOut">
               <a:rPr lang="en-US" smtClean="0"/>
-              <a:t>8/8/2020</a:t>
+              <a:t>8/9/2020</a:t>
             </a:fld>
             <a:endParaRPr lang="en-US"/>
           </a:p>
@@ -7608,7 +7619,7 @@
           <a:p>
             <a:fld id="{60FC5542-1E1E-4CE1-9640-EAA0C029F56D}" type="datetimeFigureOut">
               <a:rPr lang="en-US" smtClean="0"/>
-              <a:t>8/8/2020</a:t>
+              <a:t>8/9/2020</a:t>
             </a:fld>
             <a:endParaRPr lang="en-US"/>
           </a:p>
@@ -7840,7 +7851,7 @@
           <a:p>
             <a:fld id="{60FC5542-1E1E-4CE1-9640-EAA0C029F56D}" type="datetimeFigureOut">
               <a:rPr lang="en-US" smtClean="0"/>
-              <a:t>8/8/2020</a:t>
+              <a:t>8/9/2020</a:t>
             </a:fld>
             <a:endParaRPr lang="en-US"/>
           </a:p>
@@ -8221,7 +8232,7 @@
           <a:p>
             <a:fld id="{60FC5542-1E1E-4CE1-9640-EAA0C029F56D}" type="datetimeFigureOut">
               <a:rPr lang="en-US" smtClean="0"/>
-              <a:t>8/8/2020</a:t>
+              <a:t>8/9/2020</a:t>
             </a:fld>
             <a:endParaRPr lang="en-US"/>
           </a:p>
@@ -8339,7 +8350,7 @@
           <a:p>
             <a:fld id="{60FC5542-1E1E-4CE1-9640-EAA0C029F56D}" type="datetimeFigureOut">
               <a:rPr lang="en-US" smtClean="0"/>
-              <a:t>8/8/2020</a:t>
+              <a:t>8/9/2020</a:t>
             </a:fld>
             <a:endParaRPr lang="en-US"/>
           </a:p>
@@ -8434,7 +8445,7 @@
           <a:p>
             <a:fld id="{60FC5542-1E1E-4CE1-9640-EAA0C029F56D}" type="datetimeFigureOut">
               <a:rPr lang="en-US" smtClean="0"/>
-              <a:t>8/8/2020</a:t>
+              <a:t>8/9/2020</a:t>
             </a:fld>
             <a:endParaRPr lang="en-US"/>
           </a:p>
@@ -8683,7 +8694,7 @@
           <a:p>
             <a:fld id="{60FC5542-1E1E-4CE1-9640-EAA0C029F56D}" type="datetimeFigureOut">
               <a:rPr lang="en-US" smtClean="0"/>
-              <a:t>8/8/2020</a:t>
+              <a:t>8/9/2020</a:t>
             </a:fld>
             <a:endParaRPr lang="en-US"/>
           </a:p>
@@ -8963,7 +8974,7 @@
           <a:p>
             <a:fld id="{60FC5542-1E1E-4CE1-9640-EAA0C029F56D}" type="datetimeFigureOut">
               <a:rPr lang="en-US" smtClean="0"/>
-              <a:t>8/8/2020</a:t>
+              <a:t>8/9/2020</a:t>
             </a:fld>
             <a:endParaRPr lang="en-US"/>
           </a:p>
@@ -9086,7 +9097,7 @@
           <a:noFill/>
           <a:extLst>
             <a:ext uri="{909E8E84-426E-40dd-AFC4-6F175D3DCCD1}">
-              <a14:hiddenFill xmlns:a14="http://schemas.microsoft.com/office/drawing/2010/main" xmlns="">
+              <a14:hiddenFill xmlns="" xmlns:a14="http://schemas.microsoft.com/office/drawing/2010/main">
                 <a:solidFill>
                   <a:srgbClr val="FFFFFF"/>
                 </a:solidFill>
@@ -9160,7 +9171,7 @@
               </a:ln>
               <a:extLst>
                 <a:ext uri="{91240B29-F687-4f45-9708-019B960494DF}">
-                  <a14:hiddenLine xmlns:a14="http://schemas.microsoft.com/office/drawing/2010/main" xmlns="" w="9525">
+                  <a14:hiddenLine xmlns="" xmlns:a14="http://schemas.microsoft.com/office/drawing/2010/main" w="9525">
                     <a:solidFill>
                       <a:srgbClr val="000000"/>
                     </a:solidFill>
@@ -9250,7 +9261,7 @@
               </a:ln>
               <a:extLst>
                 <a:ext uri="{91240B29-F687-4f45-9708-019B960494DF}">
-                  <a14:hiddenLine xmlns:a14="http://schemas.microsoft.com/office/drawing/2010/main" xmlns="" w="9525">
+                  <a14:hiddenLine xmlns="" xmlns:a14="http://schemas.microsoft.com/office/drawing/2010/main" w="9525">
                     <a:solidFill>
                       <a:srgbClr val="000000"/>
                     </a:solidFill>
@@ -9340,7 +9351,7 @@
               </a:ln>
               <a:extLst>
                 <a:ext uri="{91240B29-F687-4f45-9708-019B960494DF}">
-                  <a14:hiddenLine xmlns:a14="http://schemas.microsoft.com/office/drawing/2010/main" xmlns="" w="9525">
+                  <a14:hiddenLine xmlns="" xmlns:a14="http://schemas.microsoft.com/office/drawing/2010/main" w="9525">
                     <a:solidFill>
                       <a:srgbClr val="000000"/>
                     </a:solidFill>
@@ -9402,7 +9413,7 @@
               </a:ln>
               <a:extLst>
                 <a:ext uri="{91240B29-F687-4f45-9708-019B960494DF}">
-                  <a14:hiddenLine xmlns:a14="http://schemas.microsoft.com/office/drawing/2010/main" xmlns="" w="9525">
+                  <a14:hiddenLine xmlns="" xmlns:a14="http://schemas.microsoft.com/office/drawing/2010/main" w="9525">
                     <a:solidFill>
                       <a:srgbClr val="000000"/>
                     </a:solidFill>
@@ -9492,7 +9503,7 @@
               </a:ln>
               <a:extLst>
                 <a:ext uri="{91240B29-F687-4f45-9708-019B960494DF}">
-                  <a14:hiddenLine xmlns:a14="http://schemas.microsoft.com/office/drawing/2010/main" xmlns="" w="9525">
+                  <a14:hiddenLine xmlns="" xmlns:a14="http://schemas.microsoft.com/office/drawing/2010/main" w="9525">
                     <a:solidFill>
                       <a:srgbClr val="000000"/>
                     </a:solidFill>
@@ -9554,7 +9565,7 @@
               </a:ln>
               <a:extLst>
                 <a:ext uri="{91240B29-F687-4f45-9708-019B960494DF}">
-                  <a14:hiddenLine xmlns:a14="http://schemas.microsoft.com/office/drawing/2010/main" xmlns="" w="9525">
+                  <a14:hiddenLine xmlns="" xmlns:a14="http://schemas.microsoft.com/office/drawing/2010/main" w="9525">
                     <a:solidFill>
                       <a:srgbClr val="000000"/>
                     </a:solidFill>
@@ -9616,7 +9627,7 @@
               </a:ln>
               <a:extLst>
                 <a:ext uri="{91240B29-F687-4f45-9708-019B960494DF}">
-                  <a14:hiddenLine xmlns:a14="http://schemas.microsoft.com/office/drawing/2010/main" xmlns="" w="9525">
+                  <a14:hiddenLine xmlns="" xmlns:a14="http://schemas.microsoft.com/office/drawing/2010/main" w="9525">
                     <a:solidFill>
                       <a:srgbClr val="000000"/>
                     </a:solidFill>
@@ -9706,7 +9717,7 @@
               </a:ln>
               <a:extLst>
                 <a:ext uri="{91240B29-F687-4f45-9708-019B960494DF}">
-                  <a14:hiddenLine xmlns:a14="http://schemas.microsoft.com/office/drawing/2010/main" xmlns="" w="9525">
+                  <a14:hiddenLine xmlns="" xmlns:a14="http://schemas.microsoft.com/office/drawing/2010/main" w="9525">
                     <a:solidFill>
                       <a:srgbClr val="000000"/>
                     </a:solidFill>
@@ -9796,7 +9807,7 @@
               </a:ln>
               <a:extLst>
                 <a:ext uri="{91240B29-F687-4f45-9708-019B960494DF}">
-                  <a14:hiddenLine xmlns:a14="http://schemas.microsoft.com/office/drawing/2010/main" xmlns="" w="9525">
+                  <a14:hiddenLine xmlns="" xmlns:a14="http://schemas.microsoft.com/office/drawing/2010/main" w="9525">
                     <a:solidFill>
                       <a:srgbClr val="000000"/>
                     </a:solidFill>
@@ -9858,7 +9869,7 @@
               </a:ln>
               <a:extLst>
                 <a:ext uri="{91240B29-F687-4f45-9708-019B960494DF}">
-                  <a14:hiddenLine xmlns:a14="http://schemas.microsoft.com/office/drawing/2010/main" xmlns="" w="9525">
+                  <a14:hiddenLine xmlns="" xmlns:a14="http://schemas.microsoft.com/office/drawing/2010/main" w="9525">
                     <a:solidFill>
                       <a:srgbClr val="000000"/>
                     </a:solidFill>
@@ -9968,7 +9979,7 @@
               </a:ln>
               <a:extLst>
                 <a:ext uri="{91240B29-F687-4f45-9708-019B960494DF}">
-                  <a14:hiddenLine xmlns:a14="http://schemas.microsoft.com/office/drawing/2010/main" xmlns="" w="9525">
+                  <a14:hiddenLine xmlns="" xmlns:a14="http://schemas.microsoft.com/office/drawing/2010/main" w="9525">
                     <a:solidFill>
                       <a:srgbClr val="000000"/>
                     </a:solidFill>
@@ -10052,7 +10063,7 @@
               </a:ln>
               <a:extLst>
                 <a:ext uri="{91240B29-F687-4f45-9708-019B960494DF}">
-                  <a14:hiddenLine xmlns:a14="http://schemas.microsoft.com/office/drawing/2010/main" xmlns="" w="9525">
+                  <a14:hiddenLine xmlns="" xmlns:a14="http://schemas.microsoft.com/office/drawing/2010/main" w="9525">
                     <a:solidFill>
                       <a:srgbClr val="000000"/>
                     </a:solidFill>
@@ -10114,7 +10125,7 @@
               </a:ln>
               <a:extLst>
                 <a:ext uri="{91240B29-F687-4f45-9708-019B960494DF}">
-                  <a14:hiddenLine xmlns:a14="http://schemas.microsoft.com/office/drawing/2010/main" xmlns="" w="9525">
+                  <a14:hiddenLine xmlns="" xmlns:a14="http://schemas.microsoft.com/office/drawing/2010/main" w="9525">
                     <a:solidFill>
                       <a:srgbClr val="000000"/>
                     </a:solidFill>
@@ -10176,7 +10187,7 @@
               </a:ln>
               <a:extLst>
                 <a:ext uri="{91240B29-F687-4f45-9708-019B960494DF}">
-                  <a14:hiddenLine xmlns:a14="http://schemas.microsoft.com/office/drawing/2010/main" xmlns="" w="9525">
+                  <a14:hiddenLine xmlns="" xmlns:a14="http://schemas.microsoft.com/office/drawing/2010/main" w="9525">
                     <a:solidFill>
                       <a:srgbClr val="000000"/>
                     </a:solidFill>
@@ -10266,7 +10277,7 @@
               </a:ln>
               <a:extLst>
                 <a:ext uri="{91240B29-F687-4f45-9708-019B960494DF}">
-                  <a14:hiddenLine xmlns:a14="http://schemas.microsoft.com/office/drawing/2010/main" xmlns="" w="9525">
+                  <a14:hiddenLine xmlns="" xmlns:a14="http://schemas.microsoft.com/office/drawing/2010/main" w="9525">
                     <a:solidFill>
                       <a:srgbClr val="000000"/>
                     </a:solidFill>
@@ -10300,7 +10311,7 @@
               </a:ln>
               <a:extLst>
                 <a:ext uri="{91240B29-F687-4f45-9708-019B960494DF}">
-                  <a14:hiddenLine xmlns:a14="http://schemas.microsoft.com/office/drawing/2010/main" xmlns="" w="9525">
+                  <a14:hiddenLine xmlns="" xmlns:a14="http://schemas.microsoft.com/office/drawing/2010/main" w="9525">
                     <a:solidFill>
                       <a:srgbClr val="000000"/>
                     </a:solidFill>
@@ -10365,7 +10376,7 @@
               </a:ln>
               <a:extLst>
                 <a:ext uri="{91240B29-F687-4f45-9708-019B960494DF}">
-                  <a14:hiddenLine xmlns:a14="http://schemas.microsoft.com/office/drawing/2010/main" xmlns="" w="9525">
+                  <a14:hiddenLine xmlns="" xmlns:a14="http://schemas.microsoft.com/office/drawing/2010/main" w="9525">
                     <a:solidFill>
                       <a:srgbClr val="000000"/>
                     </a:solidFill>
@@ -10455,7 +10466,7 @@
               </a:ln>
               <a:extLst>
                 <a:ext uri="{91240B29-F687-4f45-9708-019B960494DF}">
-                  <a14:hiddenLine xmlns:a14="http://schemas.microsoft.com/office/drawing/2010/main" xmlns="" w="9525">
+                  <a14:hiddenLine xmlns="" xmlns:a14="http://schemas.microsoft.com/office/drawing/2010/main" w="9525">
                     <a:solidFill>
                       <a:srgbClr val="000000"/>
                     </a:solidFill>
@@ -10517,7 +10528,7 @@
               </a:ln>
               <a:extLst>
                 <a:ext uri="{91240B29-F687-4f45-9708-019B960494DF}">
-                  <a14:hiddenLine xmlns:a14="http://schemas.microsoft.com/office/drawing/2010/main" xmlns="" w="9525">
+                  <a14:hiddenLine xmlns="" xmlns:a14="http://schemas.microsoft.com/office/drawing/2010/main" w="9525">
                     <a:solidFill>
                       <a:srgbClr val="000000"/>
                     </a:solidFill>
@@ -10607,7 +10618,7 @@
               </a:ln>
               <a:extLst>
                 <a:ext uri="{91240B29-F687-4f45-9708-019B960494DF}">
-                  <a14:hiddenLine xmlns:a14="http://schemas.microsoft.com/office/drawing/2010/main" xmlns="" w="9525">
+                  <a14:hiddenLine xmlns="" xmlns:a14="http://schemas.microsoft.com/office/drawing/2010/main" w="9525">
                     <a:solidFill>
                       <a:srgbClr val="000000"/>
                     </a:solidFill>
@@ -10672,7 +10683,7 @@
               </a:ln>
               <a:extLst>
                 <a:ext uri="{91240B29-F687-4f45-9708-019B960494DF}">
-                  <a14:hiddenLine xmlns:a14="http://schemas.microsoft.com/office/drawing/2010/main" xmlns="" w="9525">
+                  <a14:hiddenLine xmlns="" xmlns:a14="http://schemas.microsoft.com/office/drawing/2010/main" w="9525">
                     <a:solidFill>
                       <a:srgbClr val="000000"/>
                     </a:solidFill>
@@ -10734,7 +10745,7 @@
               </a:ln>
               <a:extLst>
                 <a:ext uri="{91240B29-F687-4f45-9708-019B960494DF}">
-                  <a14:hiddenLine xmlns:a14="http://schemas.microsoft.com/office/drawing/2010/main" xmlns="" w="9525">
+                  <a14:hiddenLine xmlns="" xmlns:a14="http://schemas.microsoft.com/office/drawing/2010/main" w="9525">
                     <a:solidFill>
                       <a:srgbClr val="000000"/>
                     </a:solidFill>
@@ -10824,7 +10835,7 @@
               </a:ln>
               <a:extLst>
                 <a:ext uri="{91240B29-F687-4f45-9708-019B960494DF}">
-                  <a14:hiddenLine xmlns:a14="http://schemas.microsoft.com/office/drawing/2010/main" xmlns="" w="9525">
+                  <a14:hiddenLine xmlns="" xmlns:a14="http://schemas.microsoft.com/office/drawing/2010/main" w="9525">
                     <a:solidFill>
                       <a:srgbClr val="000000"/>
                     </a:solidFill>
@@ -10914,7 +10925,7 @@
               </a:ln>
               <a:extLst>
                 <a:ext uri="{91240B29-F687-4f45-9708-019B960494DF}">
-                  <a14:hiddenLine xmlns:a14="http://schemas.microsoft.com/office/drawing/2010/main" xmlns="" w="9525">
+                  <a14:hiddenLine xmlns="" xmlns:a14="http://schemas.microsoft.com/office/drawing/2010/main" w="9525">
                     <a:solidFill>
                       <a:srgbClr val="000000"/>
                     </a:solidFill>
@@ -10979,7 +10990,7 @@
               </a:ln>
               <a:extLst>
                 <a:ext uri="{91240B29-F687-4f45-9708-019B960494DF}">
-                  <a14:hiddenLine xmlns:a14="http://schemas.microsoft.com/office/drawing/2010/main" xmlns="" w="9525">
+                  <a14:hiddenLine xmlns="" xmlns:a14="http://schemas.microsoft.com/office/drawing/2010/main" w="9525">
                     <a:solidFill>
                       <a:srgbClr val="000000"/>
                     </a:solidFill>
@@ -11099,7 +11110,7 @@
               </a:ln>
               <a:extLst>
                 <a:ext uri="{91240B29-F687-4f45-9708-019B960494DF}">
-                  <a14:hiddenLine xmlns:a14="http://schemas.microsoft.com/office/drawing/2010/main" xmlns="" w="9525">
+                  <a14:hiddenLine xmlns="" xmlns:a14="http://schemas.microsoft.com/office/drawing/2010/main" w="9525">
                     <a:solidFill>
                       <a:srgbClr val="000000"/>
                     </a:solidFill>
@@ -11180,7 +11191,7 @@
               </a:ln>
               <a:extLst>
                 <a:ext uri="{91240B29-F687-4f45-9708-019B960494DF}">
-                  <a14:hiddenLine xmlns:a14="http://schemas.microsoft.com/office/drawing/2010/main" xmlns="" w="9525">
+                  <a14:hiddenLine xmlns="" xmlns:a14="http://schemas.microsoft.com/office/drawing/2010/main" w="9525">
                     <a:solidFill>
                       <a:srgbClr val="000000"/>
                     </a:solidFill>
@@ -11295,7 +11306,7 @@
               </a:ln>
               <a:extLst>
                 <a:ext uri="{91240B29-F687-4f45-9708-019B960494DF}">
-                  <a14:hiddenLine xmlns:a14="http://schemas.microsoft.com/office/drawing/2010/main" xmlns="" w="9525">
+                  <a14:hiddenLine xmlns="" xmlns:a14="http://schemas.microsoft.com/office/drawing/2010/main" w="9525">
                     <a:solidFill>
                       <a:srgbClr val="000000"/>
                     </a:solidFill>
@@ -11385,7 +11396,7 @@
               </a:ln>
               <a:extLst>
                 <a:ext uri="{91240B29-F687-4f45-9708-019B960494DF}">
-                  <a14:hiddenLine xmlns:a14="http://schemas.microsoft.com/office/drawing/2010/main" xmlns="" w="9525">
+                  <a14:hiddenLine xmlns="" xmlns:a14="http://schemas.microsoft.com/office/drawing/2010/main" w="9525">
                     <a:solidFill>
                       <a:srgbClr val="000000"/>
                     </a:solidFill>
@@ -11450,7 +11461,7 @@
               </a:ln>
               <a:extLst>
                 <a:ext uri="{91240B29-F687-4f45-9708-019B960494DF}">
-                  <a14:hiddenLine xmlns:a14="http://schemas.microsoft.com/office/drawing/2010/main" xmlns="" w="9525">
+                  <a14:hiddenLine xmlns="" xmlns:a14="http://schemas.microsoft.com/office/drawing/2010/main" w="9525">
                     <a:solidFill>
                       <a:srgbClr val="000000"/>
                     </a:solidFill>
@@ -11540,7 +11551,7 @@
               </a:ln>
               <a:extLst>
                 <a:ext uri="{91240B29-F687-4f45-9708-019B960494DF}">
-                  <a14:hiddenLine xmlns:a14="http://schemas.microsoft.com/office/drawing/2010/main" xmlns="" w="9525">
+                  <a14:hiddenLine xmlns="" xmlns:a14="http://schemas.microsoft.com/office/drawing/2010/main" w="9525">
                     <a:solidFill>
                       <a:srgbClr val="000000"/>
                     </a:solidFill>
@@ -11608,7 +11619,7 @@
               </a:ln>
               <a:extLst>
                 <a:ext uri="{91240B29-F687-4f45-9708-019B960494DF}">
-                  <a14:hiddenLine xmlns:a14="http://schemas.microsoft.com/office/drawing/2010/main" xmlns="" w="9525">
+                  <a14:hiddenLine xmlns="" xmlns:a14="http://schemas.microsoft.com/office/drawing/2010/main" w="9525">
                     <a:solidFill>
                       <a:srgbClr val="000000"/>
                     </a:solidFill>
@@ -11698,7 +11709,7 @@
               </a:ln>
               <a:extLst>
                 <a:ext uri="{91240B29-F687-4f45-9708-019B960494DF}">
-                  <a14:hiddenLine xmlns:a14="http://schemas.microsoft.com/office/drawing/2010/main" xmlns="" w="9525">
+                  <a14:hiddenLine xmlns="" xmlns:a14="http://schemas.microsoft.com/office/drawing/2010/main" w="9525">
                     <a:solidFill>
                       <a:srgbClr val="000000"/>
                     </a:solidFill>
@@ -11766,7 +11777,7 @@
               </a:ln>
               <a:extLst>
                 <a:ext uri="{91240B29-F687-4f45-9708-019B960494DF}">
-                  <a14:hiddenLine xmlns:a14="http://schemas.microsoft.com/office/drawing/2010/main" xmlns="" w="9525">
+                  <a14:hiddenLine xmlns="" xmlns:a14="http://schemas.microsoft.com/office/drawing/2010/main" w="9525">
                     <a:solidFill>
                       <a:srgbClr val="000000"/>
                     </a:solidFill>
@@ -11856,7 +11867,7 @@
               </a:ln>
               <a:extLst>
                 <a:ext uri="{91240B29-F687-4f45-9708-019B960494DF}">
-                  <a14:hiddenLine xmlns:a14="http://schemas.microsoft.com/office/drawing/2010/main" xmlns="" w="9525">
+                  <a14:hiddenLine xmlns="" xmlns:a14="http://schemas.microsoft.com/office/drawing/2010/main" w="9525">
                     <a:solidFill>
                       <a:srgbClr val="000000"/>
                     </a:solidFill>
@@ -11890,7 +11901,7 @@
               </a:ln>
               <a:extLst>
                 <a:ext uri="{91240B29-F687-4f45-9708-019B960494DF}">
-                  <a14:hiddenLine xmlns:a14="http://schemas.microsoft.com/office/drawing/2010/main" xmlns="" w="9525">
+                  <a14:hiddenLine xmlns="" xmlns:a14="http://schemas.microsoft.com/office/drawing/2010/main" w="9525">
                     <a:solidFill>
                       <a:srgbClr val="000000"/>
                     </a:solidFill>
@@ -12030,7 +12041,7 @@
           <a:p>
             <a:fld id="{60FC5542-1E1E-4CE1-9640-EAA0C029F56D}" type="datetimeFigureOut">
               <a:rPr lang="en-US" smtClean="0"/>
-              <a:t>8/8/2020</a:t>
+              <a:t>8/9/2020</a:t>
             </a:fld>
             <a:endParaRPr lang="en-US"/>
           </a:p>
@@ -14163,16 +14174,4090 @@
           </a:p>
         </p:txBody>
       </p:sp>
+      <p:grpSp>
+        <p:nvGrpSpPr>
+          <p:cNvPr id="3" name="Group 2"/>
+          <p:cNvGrpSpPr/>
+          <p:nvPr/>
+        </p:nvGrpSpPr>
+        <p:grpSpPr>
+          <a:xfrm>
+            <a:off x="2788397" y="2298256"/>
+            <a:ext cx="7750761" cy="4191524"/>
+            <a:chOff x="2788397" y="2298256"/>
+            <a:chExt cx="7750761" cy="4191524"/>
+          </a:xfrm>
+        </p:grpSpPr>
+        <p:cxnSp>
+          <p:nvCxnSpPr>
+            <p:cNvPr id="4" name="Straight Arrow Connector 3"/>
+            <p:cNvCxnSpPr/>
+            <p:nvPr/>
+          </p:nvCxnSpPr>
+          <p:spPr>
+            <a:xfrm flipV="1">
+              <a:off x="3246120" y="2298256"/>
+              <a:ext cx="0" cy="3822192"/>
+            </a:xfrm>
+            <a:prstGeom prst="straightConnector1">
+              <a:avLst/>
+            </a:prstGeom>
+            <a:ln w="38100">
+              <a:solidFill>
+                <a:schemeClr val="bg1"/>
+              </a:solidFill>
+              <a:tailEnd type="triangle"/>
+            </a:ln>
+          </p:spPr>
+          <p:style>
+            <a:lnRef idx="1">
+              <a:schemeClr val="accent1"/>
+            </a:lnRef>
+            <a:fillRef idx="0">
+              <a:schemeClr val="accent1"/>
+            </a:fillRef>
+            <a:effectRef idx="0">
+              <a:schemeClr val="accent1"/>
+            </a:effectRef>
+            <a:fontRef idx="minor">
+              <a:schemeClr val="tx1"/>
+            </a:fontRef>
+          </p:style>
+        </p:cxnSp>
+        <p:cxnSp>
+          <p:nvCxnSpPr>
+            <p:cNvPr id="5" name="Straight Arrow Connector 4"/>
+            <p:cNvCxnSpPr/>
+            <p:nvPr/>
+          </p:nvCxnSpPr>
+          <p:spPr>
+            <a:xfrm>
+              <a:off x="3069336" y="5907088"/>
+              <a:ext cx="5946648" cy="0"/>
+            </a:xfrm>
+            <a:prstGeom prst="straightConnector1">
+              <a:avLst/>
+            </a:prstGeom>
+            <a:ln w="38100">
+              <a:solidFill>
+                <a:schemeClr val="bg1"/>
+              </a:solidFill>
+              <a:tailEnd type="triangle"/>
+            </a:ln>
+          </p:spPr>
+          <p:style>
+            <a:lnRef idx="1">
+              <a:schemeClr val="accent1"/>
+            </a:lnRef>
+            <a:fillRef idx="0">
+              <a:schemeClr val="accent1"/>
+            </a:fillRef>
+            <a:effectRef idx="0">
+              <a:schemeClr val="accent1"/>
+            </a:effectRef>
+            <a:fontRef idx="minor">
+              <a:schemeClr val="tx1"/>
+            </a:fontRef>
+          </p:style>
+        </p:cxnSp>
+        <p:sp>
+          <p:nvSpPr>
+            <p:cNvPr id="6" name="TextBox 5"/>
+            <p:cNvSpPr txBox="1"/>
+            <p:nvPr/>
+          </p:nvSpPr>
+          <p:spPr>
+            <a:xfrm rot="16200000">
+              <a:off x="2631463" y="3786556"/>
+              <a:ext cx="683200" cy="369332"/>
+            </a:xfrm>
+            <a:prstGeom prst="rect">
+              <a:avLst/>
+            </a:prstGeom>
+            <a:noFill/>
+          </p:spPr>
+          <p:txBody>
+            <a:bodyPr wrap="none" rtlCol="0">
+              <a:spAutoFit/>
+            </a:bodyPr>
+            <a:lstStyle/>
+            <a:p>
+              <a:r>
+                <a:rPr lang="en-US" dirty="0" smtClean="0"/>
+                <a:t>Loss</a:t>
+              </a:r>
+              <a:endParaRPr lang="en-US" dirty="0"/>
+            </a:p>
+          </p:txBody>
+        </p:sp>
+        <p:sp>
+          <p:nvSpPr>
+            <p:cNvPr id="8" name="TextBox 7"/>
+            <p:cNvSpPr txBox="1"/>
+            <p:nvPr/>
+          </p:nvSpPr>
+          <p:spPr>
+            <a:xfrm>
+              <a:off x="9015984" y="5401299"/>
+              <a:ext cx="1523174" cy="369332"/>
+            </a:xfrm>
+            <a:prstGeom prst="rect">
+              <a:avLst/>
+            </a:prstGeom>
+            <a:noFill/>
+          </p:spPr>
+          <p:txBody>
+            <a:bodyPr wrap="none" rtlCol="0">
+              <a:spAutoFit/>
+            </a:bodyPr>
+            <a:lstStyle/>
+            <a:p>
+              <a:r>
+                <a:rPr lang="en-US" dirty="0" smtClean="0"/>
+                <a:t>Training set</a:t>
+              </a:r>
+              <a:endParaRPr lang="en-US" dirty="0"/>
+            </a:p>
+          </p:txBody>
+        </p:sp>
+        <p:sp>
+          <p:nvSpPr>
+            <p:cNvPr id="10" name="TextBox 9"/>
+            <p:cNvSpPr txBox="1"/>
+            <p:nvPr/>
+          </p:nvSpPr>
+          <p:spPr>
+            <a:xfrm>
+              <a:off x="7040880" y="3645088"/>
+              <a:ext cx="1685077" cy="369332"/>
+            </a:xfrm>
+            <a:prstGeom prst="rect">
+              <a:avLst/>
+            </a:prstGeom>
+            <a:noFill/>
+          </p:spPr>
+          <p:txBody>
+            <a:bodyPr wrap="none" rtlCol="0">
+              <a:spAutoFit/>
+            </a:bodyPr>
+            <a:lstStyle/>
+            <a:p>
+              <a:r>
+                <a:rPr lang="en-US" dirty="0" smtClean="0"/>
+                <a:t>validation set</a:t>
+              </a:r>
+              <a:endParaRPr lang="en-US" dirty="0"/>
+            </a:p>
+          </p:txBody>
+        </p:sp>
+        <p:sp>
+          <p:nvSpPr>
+            <p:cNvPr id="13" name="TextBox 12"/>
+            <p:cNvSpPr txBox="1"/>
+            <p:nvPr/>
+          </p:nvSpPr>
+          <p:spPr>
+            <a:xfrm>
+              <a:off x="5421336" y="6120448"/>
+              <a:ext cx="1242648" cy="369332"/>
+            </a:xfrm>
+            <a:prstGeom prst="rect">
+              <a:avLst/>
+            </a:prstGeom>
+            <a:noFill/>
+          </p:spPr>
+          <p:txBody>
+            <a:bodyPr wrap="none" rtlCol="0">
+              <a:spAutoFit/>
+            </a:bodyPr>
+            <a:lstStyle/>
+            <a:p>
+              <a:r>
+                <a:rPr lang="en-US" dirty="0" smtClean="0"/>
+                <a:t>Iterations</a:t>
+              </a:r>
+              <a:endParaRPr lang="en-US" dirty="0"/>
+            </a:p>
+          </p:txBody>
+        </p:sp>
+        <p:sp>
+          <p:nvSpPr>
+            <p:cNvPr id="14" name="Freeform 13"/>
+            <p:cNvSpPr/>
+            <p:nvPr/>
+          </p:nvSpPr>
+          <p:spPr>
+            <a:xfrm>
+              <a:off x="3264408" y="2898648"/>
+              <a:ext cx="5586984" cy="2735525"/>
+            </a:xfrm>
+            <a:custGeom>
+              <a:avLst/>
+              <a:gdLst>
+                <a:gd name="connsiteX0" fmla="*/ 0 w 5586984"/>
+                <a:gd name="connsiteY0" fmla="*/ 0 h 2735525"/>
+                <a:gd name="connsiteX1" fmla="*/ 384048 w 5586984"/>
+                <a:gd name="connsiteY1" fmla="*/ 1152144 h 2735525"/>
+                <a:gd name="connsiteX2" fmla="*/ 713232 w 5586984"/>
+                <a:gd name="connsiteY2" fmla="*/ 1600200 h 2735525"/>
+                <a:gd name="connsiteX3" fmla="*/ 1417320 w 5586984"/>
+                <a:gd name="connsiteY3" fmla="*/ 2039112 h 2735525"/>
+                <a:gd name="connsiteX4" fmla="*/ 2788920 w 5586984"/>
+                <a:gd name="connsiteY4" fmla="*/ 2596896 h 2735525"/>
+                <a:gd name="connsiteX5" fmla="*/ 3767328 w 5586984"/>
+                <a:gd name="connsiteY5" fmla="*/ 2688336 h 2735525"/>
+                <a:gd name="connsiteX6" fmla="*/ 5129784 w 5586984"/>
+                <a:gd name="connsiteY6" fmla="*/ 2734056 h 2735525"/>
+                <a:gd name="connsiteX7" fmla="*/ 5586984 w 5586984"/>
+                <a:gd name="connsiteY7" fmla="*/ 2715768 h 2735525"/>
+              </a:gdLst>
+              <a:ahLst/>
+              <a:cxnLst>
+                <a:cxn ang="0">
+                  <a:pos x="connsiteX0" y="connsiteY0"/>
+                </a:cxn>
+                <a:cxn ang="0">
+                  <a:pos x="connsiteX1" y="connsiteY1"/>
+                </a:cxn>
+                <a:cxn ang="0">
+                  <a:pos x="connsiteX2" y="connsiteY2"/>
+                </a:cxn>
+                <a:cxn ang="0">
+                  <a:pos x="connsiteX3" y="connsiteY3"/>
+                </a:cxn>
+                <a:cxn ang="0">
+                  <a:pos x="connsiteX4" y="connsiteY4"/>
+                </a:cxn>
+                <a:cxn ang="0">
+                  <a:pos x="connsiteX5" y="connsiteY5"/>
+                </a:cxn>
+                <a:cxn ang="0">
+                  <a:pos x="connsiteX6" y="connsiteY6"/>
+                </a:cxn>
+                <a:cxn ang="0">
+                  <a:pos x="connsiteX7" y="connsiteY7"/>
+                </a:cxn>
+              </a:cxnLst>
+              <a:rect l="l" t="t" r="r" b="b"/>
+              <a:pathLst>
+                <a:path w="5586984" h="2735525">
+                  <a:moveTo>
+                    <a:pt x="0" y="0"/>
+                  </a:moveTo>
+                  <a:cubicBezTo>
+                    <a:pt x="132588" y="442722"/>
+                    <a:pt x="265176" y="885444"/>
+                    <a:pt x="384048" y="1152144"/>
+                  </a:cubicBezTo>
+                  <a:cubicBezTo>
+                    <a:pt x="502920" y="1418844"/>
+                    <a:pt x="541020" y="1452372"/>
+                    <a:pt x="713232" y="1600200"/>
+                  </a:cubicBezTo>
+                  <a:cubicBezTo>
+                    <a:pt x="885444" y="1748028"/>
+                    <a:pt x="1071372" y="1872996"/>
+                    <a:pt x="1417320" y="2039112"/>
+                  </a:cubicBezTo>
+                  <a:cubicBezTo>
+                    <a:pt x="1763268" y="2205228"/>
+                    <a:pt x="2397252" y="2488692"/>
+                    <a:pt x="2788920" y="2596896"/>
+                  </a:cubicBezTo>
+                  <a:cubicBezTo>
+                    <a:pt x="3180588" y="2705100"/>
+                    <a:pt x="3377184" y="2665476"/>
+                    <a:pt x="3767328" y="2688336"/>
+                  </a:cubicBezTo>
+                  <a:cubicBezTo>
+                    <a:pt x="4157472" y="2711196"/>
+                    <a:pt x="4826508" y="2729484"/>
+                    <a:pt x="5129784" y="2734056"/>
+                  </a:cubicBezTo>
+                  <a:cubicBezTo>
+                    <a:pt x="5433060" y="2738628"/>
+                    <a:pt x="5468112" y="2732532"/>
+                    <a:pt x="5586984" y="2715768"/>
+                  </a:cubicBezTo>
+                </a:path>
+              </a:pathLst>
+            </a:custGeom>
+            <a:noFill/>
+            <a:ln w="38100">
+              <a:solidFill>
+                <a:srgbClr val="00B0F0"/>
+              </a:solidFill>
+            </a:ln>
+          </p:spPr>
+          <p:style>
+            <a:lnRef idx="2">
+              <a:schemeClr val="accent1">
+                <a:shade val="50000"/>
+              </a:schemeClr>
+            </a:lnRef>
+            <a:fillRef idx="1">
+              <a:schemeClr val="accent1"/>
+            </a:fillRef>
+            <a:effectRef idx="0">
+              <a:schemeClr val="accent1"/>
+            </a:effectRef>
+            <a:fontRef idx="minor">
+              <a:schemeClr val="lt1"/>
+            </a:fontRef>
+          </p:style>
+          <p:txBody>
+            <a:bodyPr rtlCol="0" anchor="ctr"/>
+            <a:lstStyle/>
+            <a:p>
+              <a:pPr algn="ctr"/>
+              <a:endParaRPr lang="en-US"/>
+            </a:p>
+          </p:txBody>
+        </p:sp>
+        <p:sp>
+          <p:nvSpPr>
+            <p:cNvPr id="16" name="Freeform 15"/>
+            <p:cNvSpPr/>
+            <p:nvPr/>
+          </p:nvSpPr>
+          <p:spPr>
+            <a:xfrm>
+              <a:off x="3273552" y="2743200"/>
+              <a:ext cx="5660136" cy="2158228"/>
+            </a:xfrm>
+            <a:custGeom>
+              <a:avLst/>
+              <a:gdLst>
+                <a:gd name="connsiteX0" fmla="*/ 0 w 5660136"/>
+                <a:gd name="connsiteY0" fmla="*/ 0 h 2158228"/>
+                <a:gd name="connsiteX1" fmla="*/ 283464 w 5660136"/>
+                <a:gd name="connsiteY1" fmla="*/ 813816 h 2158228"/>
+                <a:gd name="connsiteX2" fmla="*/ 448056 w 5660136"/>
+                <a:gd name="connsiteY2" fmla="*/ 1143000 h 2158228"/>
+                <a:gd name="connsiteX3" fmla="*/ 685800 w 5660136"/>
+                <a:gd name="connsiteY3" fmla="*/ 1490472 h 2158228"/>
+                <a:gd name="connsiteX4" fmla="*/ 1024128 w 5660136"/>
+                <a:gd name="connsiteY4" fmla="*/ 1673352 h 2158228"/>
+                <a:gd name="connsiteX5" fmla="*/ 1563624 w 5660136"/>
+                <a:gd name="connsiteY5" fmla="*/ 1965960 h 2158228"/>
+                <a:gd name="connsiteX6" fmla="*/ 2331720 w 5660136"/>
+                <a:gd name="connsiteY6" fmla="*/ 2103120 h 2158228"/>
+                <a:gd name="connsiteX7" fmla="*/ 2871216 w 5660136"/>
+                <a:gd name="connsiteY7" fmla="*/ 2157984 h 2158228"/>
+                <a:gd name="connsiteX8" fmla="*/ 3849624 w 5660136"/>
+                <a:gd name="connsiteY8" fmla="*/ 2084832 h 2158228"/>
+                <a:gd name="connsiteX9" fmla="*/ 4736592 w 5660136"/>
+                <a:gd name="connsiteY9" fmla="*/ 1856232 h 2158228"/>
+                <a:gd name="connsiteX10" fmla="*/ 5660136 w 5660136"/>
+                <a:gd name="connsiteY10" fmla="*/ 950976 h 2158228"/>
+              </a:gdLst>
+              <a:ahLst/>
+              <a:cxnLst>
+                <a:cxn ang="0">
+                  <a:pos x="connsiteX0" y="connsiteY0"/>
+                </a:cxn>
+                <a:cxn ang="0">
+                  <a:pos x="connsiteX1" y="connsiteY1"/>
+                </a:cxn>
+                <a:cxn ang="0">
+                  <a:pos x="connsiteX2" y="connsiteY2"/>
+                </a:cxn>
+                <a:cxn ang="0">
+                  <a:pos x="connsiteX3" y="connsiteY3"/>
+                </a:cxn>
+                <a:cxn ang="0">
+                  <a:pos x="connsiteX4" y="connsiteY4"/>
+                </a:cxn>
+                <a:cxn ang="0">
+                  <a:pos x="connsiteX5" y="connsiteY5"/>
+                </a:cxn>
+                <a:cxn ang="0">
+                  <a:pos x="connsiteX6" y="connsiteY6"/>
+                </a:cxn>
+                <a:cxn ang="0">
+                  <a:pos x="connsiteX7" y="connsiteY7"/>
+                </a:cxn>
+                <a:cxn ang="0">
+                  <a:pos x="connsiteX8" y="connsiteY8"/>
+                </a:cxn>
+                <a:cxn ang="0">
+                  <a:pos x="connsiteX9" y="connsiteY9"/>
+                </a:cxn>
+                <a:cxn ang="0">
+                  <a:pos x="connsiteX10" y="connsiteY10"/>
+                </a:cxn>
+              </a:cxnLst>
+              <a:rect l="l" t="t" r="r" b="b"/>
+              <a:pathLst>
+                <a:path w="5660136" h="2158228">
+                  <a:moveTo>
+                    <a:pt x="0" y="0"/>
+                  </a:moveTo>
+                  <a:cubicBezTo>
+                    <a:pt x="104394" y="311658"/>
+                    <a:pt x="208788" y="623316"/>
+                    <a:pt x="283464" y="813816"/>
+                  </a:cubicBezTo>
+                  <a:cubicBezTo>
+                    <a:pt x="358140" y="1004316"/>
+                    <a:pt x="381000" y="1030224"/>
+                    <a:pt x="448056" y="1143000"/>
+                  </a:cubicBezTo>
+                  <a:cubicBezTo>
+                    <a:pt x="515112" y="1255776"/>
+                    <a:pt x="589788" y="1402080"/>
+                    <a:pt x="685800" y="1490472"/>
+                  </a:cubicBezTo>
+                  <a:cubicBezTo>
+                    <a:pt x="781812" y="1578864"/>
+                    <a:pt x="1024128" y="1673352"/>
+                    <a:pt x="1024128" y="1673352"/>
+                  </a:cubicBezTo>
+                  <a:cubicBezTo>
+                    <a:pt x="1170432" y="1752600"/>
+                    <a:pt x="1345692" y="1894332"/>
+                    <a:pt x="1563624" y="1965960"/>
+                  </a:cubicBezTo>
+                  <a:cubicBezTo>
+                    <a:pt x="1781556" y="2037588"/>
+                    <a:pt x="2113788" y="2071116"/>
+                    <a:pt x="2331720" y="2103120"/>
+                  </a:cubicBezTo>
+                  <a:cubicBezTo>
+                    <a:pt x="2549652" y="2135124"/>
+                    <a:pt x="2618232" y="2161032"/>
+                    <a:pt x="2871216" y="2157984"/>
+                  </a:cubicBezTo>
+                  <a:cubicBezTo>
+                    <a:pt x="3124200" y="2154936"/>
+                    <a:pt x="3538728" y="2135124"/>
+                    <a:pt x="3849624" y="2084832"/>
+                  </a:cubicBezTo>
+                  <a:cubicBezTo>
+                    <a:pt x="4160520" y="2034540"/>
+                    <a:pt x="4434840" y="2045208"/>
+                    <a:pt x="4736592" y="1856232"/>
+                  </a:cubicBezTo>
+                  <a:cubicBezTo>
+                    <a:pt x="5038344" y="1667256"/>
+                    <a:pt x="5349240" y="1309116"/>
+                    <a:pt x="5660136" y="950976"/>
+                  </a:cubicBezTo>
+                </a:path>
+              </a:pathLst>
+            </a:custGeom>
+            <a:noFill/>
+            <a:ln w="38100">
+              <a:solidFill>
+                <a:schemeClr val="accent5"/>
+              </a:solidFill>
+            </a:ln>
+          </p:spPr>
+          <p:style>
+            <a:lnRef idx="2">
+              <a:schemeClr val="accent1">
+                <a:shade val="50000"/>
+              </a:schemeClr>
+            </a:lnRef>
+            <a:fillRef idx="1">
+              <a:schemeClr val="accent1"/>
+            </a:fillRef>
+            <a:effectRef idx="0">
+              <a:schemeClr val="accent1"/>
+            </a:effectRef>
+            <a:fontRef idx="minor">
+              <a:schemeClr val="lt1"/>
+            </a:fontRef>
+          </p:style>
+          <p:txBody>
+            <a:bodyPr rtlCol="0" anchor="ctr"/>
+            <a:lstStyle/>
+            <a:p>
+              <a:pPr algn="ctr"/>
+              <a:endParaRPr lang="en-US"/>
+            </a:p>
+          </p:txBody>
+        </p:sp>
+      </p:grpSp>
+    </p:spTree>
+    <p:extLst>
+      <p:ext uri="{BB962C8B-B14F-4D97-AF65-F5344CB8AC3E}">
+        <p14:creationId xmlns:p14="http://schemas.microsoft.com/office/powerpoint/2010/main" val="2525026600"/>
+      </p:ext>
+    </p:extLst>
+  </p:cSld>
+  <p:clrMapOvr>
+    <a:masterClrMapping/>
+  </p:clrMapOvr>
+  <p:timing>
+    <p:tnLst>
+      <p:par>
+        <p:cTn id="1" dur="indefinite" restart="never" nodeType="tmRoot"/>
+      </p:par>
+    </p:tnLst>
+  </p:timing>
+</p:sld>
+</file>
+
+<file path=ppt/slides/slide15.xml><?xml version="1.0" encoding="utf-8"?>
+<p:sld xmlns:a="http://schemas.openxmlformats.org/drawingml/2006/main" xmlns:r="http://schemas.openxmlformats.org/officeDocument/2006/relationships" xmlns:p="http://schemas.openxmlformats.org/presentationml/2006/main">
+  <p:cSld>
+    <p:spTree>
+      <p:nvGrpSpPr>
+        <p:cNvPr id="1" name=""/>
+        <p:cNvGrpSpPr/>
+        <p:nvPr/>
+      </p:nvGrpSpPr>
+      <p:grpSpPr>
+        <a:xfrm>
+          <a:off x="0" y="0"/>
+          <a:ext cx="0" cy="0"/>
+          <a:chOff x="0" y="0"/>
+          <a:chExt cx="0" cy="0"/>
+        </a:xfrm>
+      </p:grpSpPr>
+      <p:sp>
+        <p:nvSpPr>
+          <p:cNvPr id="2" name="Title 1"/>
+          <p:cNvSpPr>
+            <a:spLocks noGrp="1"/>
+          </p:cNvSpPr>
+          <p:nvPr>
+            <p:ph type="title"/>
+          </p:nvPr>
+        </p:nvSpPr>
+        <p:spPr/>
+        <p:txBody>
+          <a:bodyPr/>
+          <a:lstStyle/>
+          <a:p>
+            <a:r>
+              <a:rPr lang="en-US" dirty="0" smtClean="0"/>
+              <a:t>Handling underfitting</a:t>
+            </a:r>
+            <a:endParaRPr lang="en-US" dirty="0"/>
+          </a:p>
+        </p:txBody>
+      </p:sp>
+      <p:sp>
+        <p:nvSpPr>
+          <p:cNvPr id="3" name="Content Placeholder 2"/>
+          <p:cNvSpPr>
+            <a:spLocks noGrp="1"/>
+          </p:cNvSpPr>
+          <p:nvPr>
+            <p:ph idx="1"/>
+          </p:nvPr>
+        </p:nvSpPr>
+        <p:spPr/>
+        <p:txBody>
+          <a:bodyPr>
+            <a:normAutofit fontScale="92500" lnSpcReduction="20000"/>
+          </a:bodyPr>
+          <a:lstStyle/>
+          <a:p>
+            <a:r>
+              <a:rPr lang="en-US" dirty="0" smtClean="0"/>
+              <a:t>Increase model capacity</a:t>
+            </a:r>
+          </a:p>
+          <a:p>
+            <a:pPr lvl="1"/>
+            <a:r>
+              <a:rPr lang="en-US" dirty="0" smtClean="0"/>
+              <a:t>Add polynomial features</a:t>
+            </a:r>
+          </a:p>
+          <a:p>
+            <a:r>
+              <a:rPr lang="en-US" dirty="0" smtClean="0"/>
+              <a:t>Increase features</a:t>
+            </a:r>
+          </a:p>
+          <a:p>
+            <a:pPr lvl="1"/>
+            <a:r>
+              <a:rPr lang="en-US" dirty="0"/>
+              <a:t>Get more </a:t>
+            </a:r>
+            <a:r>
+              <a:rPr lang="en-US" dirty="0" smtClean="0"/>
+              <a:t>features</a:t>
+            </a:r>
+          </a:p>
+          <a:p>
+            <a:pPr lvl="1"/>
+            <a:r>
+              <a:rPr lang="en-US" dirty="0" smtClean="0"/>
+              <a:t>Use feature extraction</a:t>
+            </a:r>
+          </a:p>
+          <a:p>
+            <a:r>
+              <a:rPr lang="en-US" dirty="0" smtClean="0"/>
+              <a:t>Reduce regularization</a:t>
+            </a:r>
+          </a:p>
+          <a:p>
+            <a:r>
+              <a:rPr lang="en-US" dirty="0" smtClean="0"/>
+              <a:t>Use more powerful models</a:t>
+            </a:r>
+          </a:p>
+          <a:p>
+            <a:r>
+              <a:rPr lang="en-US" dirty="0" smtClean="0"/>
+              <a:t>…</a:t>
+            </a:r>
+            <a:endParaRPr lang="en-US" dirty="0"/>
+          </a:p>
+        </p:txBody>
+      </p:sp>
+    </p:spTree>
+    <p:extLst>
+      <p:ext uri="{BB962C8B-B14F-4D97-AF65-F5344CB8AC3E}">
+        <p14:creationId xmlns:p14="http://schemas.microsoft.com/office/powerpoint/2010/main" val="519712043"/>
+      </p:ext>
+    </p:extLst>
+  </p:cSld>
+  <p:clrMapOvr>
+    <a:masterClrMapping/>
+  </p:clrMapOvr>
+  <p:timing>
+    <p:tnLst>
+      <p:par>
+        <p:cTn id="1" dur="indefinite" restart="never" nodeType="tmRoot"/>
+      </p:par>
+    </p:tnLst>
+  </p:timing>
+</p:sld>
+</file>
+
+<file path=ppt/slides/slide16.xml><?xml version="1.0" encoding="utf-8"?>
+<p:sld xmlns:a="http://schemas.openxmlformats.org/drawingml/2006/main" xmlns:r="http://schemas.openxmlformats.org/officeDocument/2006/relationships" xmlns:p="http://schemas.openxmlformats.org/presentationml/2006/main">
+  <p:cSld>
+    <p:spTree>
+      <p:nvGrpSpPr>
+        <p:cNvPr id="1" name=""/>
+        <p:cNvGrpSpPr/>
+        <p:nvPr/>
+      </p:nvGrpSpPr>
+      <p:grpSpPr>
+        <a:xfrm>
+          <a:off x="0" y="0"/>
+          <a:ext cx="0" cy="0"/>
+          <a:chOff x="0" y="0"/>
+          <a:chExt cx="0" cy="0"/>
+        </a:xfrm>
+      </p:grpSpPr>
+      <p:sp>
+        <p:nvSpPr>
+          <p:cNvPr id="2" name="Title 1"/>
+          <p:cNvSpPr>
+            <a:spLocks noGrp="1"/>
+          </p:cNvSpPr>
+          <p:nvPr>
+            <p:ph type="title"/>
+          </p:nvPr>
+        </p:nvSpPr>
+        <p:spPr/>
+        <p:txBody>
+          <a:bodyPr/>
+          <a:lstStyle/>
+          <a:p>
+            <a:r>
+              <a:rPr lang="en-US" dirty="0"/>
+              <a:t>Handling </a:t>
+            </a:r>
+            <a:r>
+              <a:rPr lang="en-US" dirty="0" smtClean="0"/>
+              <a:t>overfitting</a:t>
+            </a:r>
+            <a:endParaRPr lang="en-US" dirty="0"/>
+          </a:p>
+        </p:txBody>
+      </p:sp>
+      <p:sp>
+        <p:nvSpPr>
+          <p:cNvPr id="3" name="Content Placeholder 2"/>
+          <p:cNvSpPr>
+            <a:spLocks noGrp="1"/>
+          </p:cNvSpPr>
+          <p:nvPr>
+            <p:ph idx="1"/>
+          </p:nvPr>
+        </p:nvSpPr>
+        <p:spPr/>
+        <p:txBody>
+          <a:bodyPr>
+            <a:normAutofit fontScale="92500" lnSpcReduction="20000"/>
+          </a:bodyPr>
+          <a:lstStyle/>
+          <a:p>
+            <a:r>
+              <a:rPr lang="en-US" dirty="0" smtClean="0"/>
+              <a:t>Reduce model capacity</a:t>
+            </a:r>
+          </a:p>
+          <a:p>
+            <a:pPr lvl="1"/>
+            <a:r>
+              <a:rPr lang="en-US" dirty="0" smtClean="0"/>
+              <a:t>Reduce parameters</a:t>
+            </a:r>
+            <a:endParaRPr lang="en-US" dirty="0"/>
+          </a:p>
+          <a:p>
+            <a:pPr lvl="1"/>
+            <a:r>
+              <a:rPr lang="en-US" dirty="0" smtClean="0"/>
+              <a:t>Reduce polynomial degree</a:t>
+            </a:r>
+          </a:p>
+          <a:p>
+            <a:pPr lvl="1"/>
+            <a:r>
+              <a:rPr lang="en-US" dirty="0" smtClean="0"/>
+              <a:t>Remove some features</a:t>
+            </a:r>
+          </a:p>
+          <a:p>
+            <a:r>
+              <a:rPr lang="en-US" dirty="0" smtClean="0"/>
+              <a:t>Apply regularization</a:t>
+            </a:r>
+          </a:p>
+          <a:p>
+            <a:r>
+              <a:rPr lang="en-US" dirty="0" smtClean="0"/>
+              <a:t>Increase data size</a:t>
+            </a:r>
+          </a:p>
+          <a:p>
+            <a:r>
+              <a:rPr lang="en-US" dirty="0" smtClean="0"/>
+              <a:t>Early stopping</a:t>
+            </a:r>
+          </a:p>
+          <a:p>
+            <a:r>
+              <a:rPr lang="en-US" dirty="0" smtClean="0"/>
+              <a:t>…</a:t>
+            </a:r>
+          </a:p>
+          <a:p>
+            <a:endParaRPr lang="en-US" dirty="0"/>
+          </a:p>
+        </p:txBody>
+      </p:sp>
+    </p:spTree>
+    <p:extLst>
+      <p:ext uri="{BB962C8B-B14F-4D97-AF65-F5344CB8AC3E}">
+        <p14:creationId xmlns:p14="http://schemas.microsoft.com/office/powerpoint/2010/main" val="2273437771"/>
+      </p:ext>
+    </p:extLst>
+  </p:cSld>
+  <p:clrMapOvr>
+    <a:masterClrMapping/>
+  </p:clrMapOvr>
+  <p:timing>
+    <p:tnLst>
+      <p:par>
+        <p:cTn id="1" dur="indefinite" restart="never" nodeType="tmRoot"/>
+      </p:par>
+    </p:tnLst>
+  </p:timing>
+</p:sld>
+</file>
+
+<file path=ppt/slides/slide17.xml><?xml version="1.0" encoding="utf-8"?>
+<p:sld xmlns:a="http://schemas.openxmlformats.org/drawingml/2006/main" xmlns:r="http://schemas.openxmlformats.org/officeDocument/2006/relationships" xmlns:p="http://schemas.openxmlformats.org/presentationml/2006/main">
+  <p:cSld>
+    <p:spTree>
+      <p:nvGrpSpPr>
+        <p:cNvPr id="1" name=""/>
+        <p:cNvGrpSpPr/>
+        <p:nvPr/>
+      </p:nvGrpSpPr>
+      <p:grpSpPr>
+        <a:xfrm>
+          <a:off x="0" y="0"/>
+          <a:ext cx="0" cy="0"/>
+          <a:chOff x="0" y="0"/>
+          <a:chExt cx="0" cy="0"/>
+        </a:xfrm>
+      </p:grpSpPr>
+      <p:sp>
+        <p:nvSpPr>
+          <p:cNvPr id="2" name="Title 1"/>
+          <p:cNvSpPr>
+            <a:spLocks noGrp="1"/>
+          </p:cNvSpPr>
+          <p:nvPr>
+            <p:ph type="title"/>
+          </p:nvPr>
+        </p:nvSpPr>
+        <p:spPr/>
+        <p:txBody>
+          <a:bodyPr/>
+          <a:lstStyle/>
+          <a:p>
+            <a:r>
+              <a:rPr lang="en-US" dirty="0" smtClean="0"/>
+              <a:t>Performance measures</a:t>
+            </a:r>
+            <a:endParaRPr lang="en-US" dirty="0"/>
+          </a:p>
+        </p:txBody>
+      </p:sp>
+      <p:sp>
+        <p:nvSpPr>
+          <p:cNvPr id="3" name="Content Placeholder 2"/>
+          <p:cNvSpPr>
+            <a:spLocks noGrp="1"/>
+          </p:cNvSpPr>
+          <p:nvPr>
+            <p:ph idx="1"/>
+          </p:nvPr>
+        </p:nvSpPr>
+        <p:spPr/>
+        <p:txBody>
+          <a:bodyPr/>
+          <a:lstStyle/>
+          <a:p>
+            <a:r>
+              <a:rPr lang="en-US" dirty="0" smtClean="0"/>
+              <a:t>Accuracy</a:t>
+            </a:r>
+          </a:p>
+          <a:p>
+            <a:r>
+              <a:rPr lang="en-US" dirty="0" smtClean="0"/>
+              <a:t>Confusion matrix</a:t>
+            </a:r>
+          </a:p>
+          <a:p>
+            <a:r>
+              <a:rPr lang="en-US" dirty="0" smtClean="0"/>
+              <a:t>Precision</a:t>
+            </a:r>
+          </a:p>
+          <a:p>
+            <a:r>
+              <a:rPr lang="en-US" dirty="0" smtClean="0"/>
+              <a:t>Recall</a:t>
+            </a:r>
+          </a:p>
+          <a:p>
+            <a:r>
+              <a:rPr lang="en-US" dirty="0" smtClean="0"/>
+              <a:t>F1-score</a:t>
+            </a:r>
+          </a:p>
+          <a:p>
+            <a:r>
+              <a:rPr lang="en-US" dirty="0" smtClean="0"/>
+              <a:t>ROC-AUC</a:t>
+            </a:r>
+          </a:p>
+        </p:txBody>
+      </p:sp>
+    </p:spTree>
+    <p:extLst>
+      <p:ext uri="{BB962C8B-B14F-4D97-AF65-F5344CB8AC3E}">
+        <p14:creationId xmlns:p14="http://schemas.microsoft.com/office/powerpoint/2010/main" val="1874866718"/>
+      </p:ext>
+    </p:extLst>
+  </p:cSld>
+  <p:clrMapOvr>
+    <a:masterClrMapping/>
+  </p:clrMapOvr>
+  <p:timing>
+    <p:tnLst>
+      <p:par>
+        <p:cTn id="1" dur="indefinite" restart="never" nodeType="tmRoot"/>
+      </p:par>
+    </p:tnLst>
+  </p:timing>
+</p:sld>
+</file>
+
+<file path=ppt/slides/slide18.xml><?xml version="1.0" encoding="utf-8"?>
+<p:sld xmlns:a="http://schemas.openxmlformats.org/drawingml/2006/main" xmlns:r="http://schemas.openxmlformats.org/officeDocument/2006/relationships" xmlns:p="http://schemas.openxmlformats.org/presentationml/2006/main">
+  <p:cSld>
+    <p:spTree>
+      <p:nvGrpSpPr>
+        <p:cNvPr id="1" name=""/>
+        <p:cNvGrpSpPr/>
+        <p:nvPr/>
+      </p:nvGrpSpPr>
+      <p:grpSpPr>
+        <a:xfrm>
+          <a:off x="0" y="0"/>
+          <a:ext cx="0" cy="0"/>
+          <a:chOff x="0" y="0"/>
+          <a:chExt cx="0" cy="0"/>
+        </a:xfrm>
+      </p:grpSpPr>
+      <p:sp>
+        <p:nvSpPr>
+          <p:cNvPr id="2" name="Title 1"/>
+          <p:cNvSpPr>
+            <a:spLocks noGrp="1"/>
+          </p:cNvSpPr>
+          <p:nvPr>
+            <p:ph type="title"/>
+          </p:nvPr>
+        </p:nvSpPr>
+        <p:spPr/>
+        <p:txBody>
+          <a:bodyPr/>
+          <a:lstStyle/>
+          <a:p>
+            <a:r>
+              <a:rPr lang="en-US" dirty="0"/>
+              <a:t>Performance </a:t>
+            </a:r>
+            <a:r>
+              <a:rPr lang="en-US" dirty="0" smtClean="0"/>
+              <a:t>measures (</a:t>
+            </a:r>
+            <a:r>
+              <a:rPr lang="en-US" dirty="0" err="1" smtClean="0"/>
+              <a:t>acc</a:t>
+            </a:r>
+            <a:r>
+              <a:rPr lang="en-US" dirty="0" smtClean="0"/>
+              <a:t>)</a:t>
+            </a:r>
+            <a:endParaRPr lang="en-US" dirty="0"/>
+          </a:p>
+        </p:txBody>
+      </p:sp>
+      <p:pic>
+        <p:nvPicPr>
+          <p:cNvPr id="4098" name="Picture 2" descr="https://encrypted-tbn0.gstatic.com/images?q=tbn:ANd9GcSQfPbmJv8_pgPlOHZfYft_flnv6SHqaeENOA1nEaEGL6MhJASR&amp;s"/>
+          <p:cNvPicPr>
+            <a:picLocks noChangeAspect="1" noChangeArrowheads="1"/>
+          </p:cNvPicPr>
+          <p:nvPr/>
+        </p:nvPicPr>
+        <p:blipFill>
+          <a:blip r:embed="rId2">
+            <a:extLst>
+              <a:ext uri="{28A0092B-C50C-407E-A947-70E740481C1C}">
+                <a14:useLocalDpi xmlns:a14="http://schemas.microsoft.com/office/drawing/2010/main" val="0"/>
+              </a:ext>
+            </a:extLst>
+          </a:blip>
+          <a:srcRect/>
+          <a:stretch>
+            <a:fillRect/>
+          </a:stretch>
+        </p:blipFill>
+        <p:spPr bwMode="auto">
+          <a:xfrm>
+            <a:off x="1700911" y="2033080"/>
+            <a:ext cx="8476361" cy="3067854"/>
+          </a:xfrm>
+          <a:prstGeom prst="rect">
+            <a:avLst/>
+          </a:prstGeom>
+          <a:noFill/>
+          <a:extLst>
+            <a:ext uri="{909E8E84-426E-40DD-AFC4-6F175D3DCCD1}">
+              <a14:hiddenFill xmlns:a14="http://schemas.microsoft.com/office/drawing/2010/main">
+                <a:solidFill>
+                  <a:srgbClr val="FFFFFF"/>
+                </a:solidFill>
+              </a14:hiddenFill>
+            </a:ext>
+          </a:extLst>
+        </p:spPr>
+      </p:pic>
+      <mc:AlternateContent xmlns:mc="http://schemas.openxmlformats.org/markup-compatibility/2006" xmlns:a14="http://schemas.microsoft.com/office/drawing/2010/main">
+        <mc:Choice Requires="a14">
+          <p:sp>
+            <p:nvSpPr>
+              <p:cNvPr id="5" name="Rectangle 4"/>
+              <p:cNvSpPr/>
+              <p:nvPr/>
+            </p:nvSpPr>
+            <p:spPr>
+              <a:xfrm>
+                <a:off x="2951350" y="5392920"/>
+                <a:ext cx="5975482" cy="848758"/>
+              </a:xfrm>
+              <a:prstGeom prst="rect">
+                <a:avLst/>
+              </a:prstGeom>
+            </p:spPr>
+            <p:txBody>
+              <a:bodyPr wrap="none">
+                <a:spAutoFit/>
+              </a:bodyPr>
+              <a:lstStyle/>
+              <a:p>
+                <a:pPr/>
+                <a14:m>
+                  <m:oMathPara xmlns:m="http://schemas.openxmlformats.org/officeDocument/2006/math">
+                    <m:oMathParaPr>
+                      <m:jc m:val="centerGroup"/>
+                    </m:oMathParaPr>
+                    <m:oMath xmlns:m="http://schemas.openxmlformats.org/officeDocument/2006/math">
+                      <m:r>
+                        <a:rPr lang="en-US" sz="2400" b="0" i="1" smtClean="0">
+                          <a:latin typeface="Cambria Math" panose="02040503050406030204" pitchFamily="18" charset="0"/>
+                        </a:rPr>
+                        <m:t>𝐴𝑐𝑐𝑢𝑟𝑎𝑐𝑦</m:t>
+                      </m:r>
+                      <m:d>
+                        <m:dPr>
+                          <m:ctrlPr>
+                            <a:rPr lang="en-US" sz="2400" b="0" i="1" smtClean="0">
+                              <a:latin typeface="Cambria Math" panose="02040503050406030204" pitchFamily="18" charset="0"/>
+                            </a:rPr>
+                          </m:ctrlPr>
+                        </m:dPr>
+                        <m:e>
+                          <m:r>
+                            <a:rPr lang="en-US" sz="2400" b="0" i="1" smtClean="0">
+                              <a:latin typeface="Cambria Math" panose="02040503050406030204" pitchFamily="18" charset="0"/>
+                            </a:rPr>
+                            <m:t>𝐴𝐶𝐶</m:t>
+                          </m:r>
+                        </m:e>
+                      </m:d>
+                      <m:r>
+                        <a:rPr lang="en-US" sz="2400" b="0" i="1" smtClean="0">
+                          <a:latin typeface="Cambria Math" panose="02040503050406030204" pitchFamily="18" charset="0"/>
+                        </a:rPr>
+                        <m:t>=</m:t>
+                      </m:r>
+                      <m:f>
+                        <m:fPr>
+                          <m:ctrlPr>
+                            <a:rPr lang="en-US" sz="2400" b="0" i="1" smtClean="0">
+                              <a:latin typeface="Cambria Math" panose="02040503050406030204" pitchFamily="18" charset="0"/>
+                            </a:rPr>
+                          </m:ctrlPr>
+                        </m:fPr>
+                        <m:num>
+                          <m:r>
+                            <a:rPr lang="en-US" sz="2400" b="0" i="1" smtClean="0">
+                              <a:latin typeface="Cambria Math" panose="02040503050406030204" pitchFamily="18" charset="0"/>
+                            </a:rPr>
+                            <m:t>#</m:t>
+                          </m:r>
+                          <m:r>
+                            <a:rPr lang="en-US" sz="2400" b="0" i="1" smtClean="0">
+                              <a:latin typeface="Cambria Math" panose="02040503050406030204" pitchFamily="18" charset="0"/>
+                            </a:rPr>
+                            <m:t>𝑇𝑃</m:t>
+                          </m:r>
+                          <m:r>
+                            <a:rPr lang="en-US" sz="2400" b="0" i="1" smtClean="0">
+                              <a:latin typeface="Cambria Math" panose="02040503050406030204" pitchFamily="18" charset="0"/>
+                            </a:rPr>
+                            <m:t>+#</m:t>
+                          </m:r>
+                          <m:r>
+                            <a:rPr lang="en-US" sz="2400" b="0" i="1" smtClean="0">
+                              <a:latin typeface="Cambria Math" panose="02040503050406030204" pitchFamily="18" charset="0"/>
+                            </a:rPr>
+                            <m:t>𝑇𝑁</m:t>
+                          </m:r>
+                        </m:num>
+                        <m:den>
+                          <m:r>
+                            <a:rPr lang="en-US" sz="2400" b="0" i="1" smtClean="0">
+                              <a:latin typeface="Cambria Math" panose="02040503050406030204" pitchFamily="18" charset="0"/>
+                            </a:rPr>
+                            <m:t>#</m:t>
+                          </m:r>
+                          <m:r>
+                            <a:rPr lang="en-US" sz="2400" b="0" i="1" smtClean="0">
+                              <a:latin typeface="Cambria Math" panose="02040503050406030204" pitchFamily="18" charset="0"/>
+                            </a:rPr>
+                            <m:t>𝑃𝑜𝑠𝑖𝑡𝑖𝑣𝑒</m:t>
+                          </m:r>
+                          <m:r>
+                            <a:rPr lang="en-US" sz="2400" b="0" i="1" smtClean="0">
+                              <a:latin typeface="Cambria Math" panose="02040503050406030204" pitchFamily="18" charset="0"/>
+                            </a:rPr>
+                            <m:t>+#</m:t>
+                          </m:r>
+                          <m:r>
+                            <a:rPr lang="en-US" sz="2400" b="0" i="1" smtClean="0">
+                              <a:latin typeface="Cambria Math" panose="02040503050406030204" pitchFamily="18" charset="0"/>
+                            </a:rPr>
+                            <m:t>𝑁𝑒𝑔𝑎𝑡𝑖𝑣𝑒</m:t>
+                          </m:r>
+                        </m:den>
+                      </m:f>
+                    </m:oMath>
+                  </m:oMathPara>
+                </a14:m>
+                <a:endParaRPr lang="en-US" sz="2400" dirty="0"/>
+              </a:p>
+            </p:txBody>
+          </p:sp>
+        </mc:Choice>
+        <mc:Fallback xmlns="">
+          <p:sp>
+            <p:nvSpPr>
+              <p:cNvPr id="5" name="Rectangle 4"/>
+              <p:cNvSpPr>
+                <a:spLocks noRot="1" noChangeAspect="1" noMove="1" noResize="1" noEditPoints="1" noAdjustHandles="1" noChangeArrowheads="1" noChangeShapeType="1" noTextEdit="1"/>
+              </p:cNvSpPr>
+              <p:nvPr/>
+            </p:nvSpPr>
+            <p:spPr>
+              <a:xfrm>
+                <a:off x="2951350" y="5392920"/>
+                <a:ext cx="5975482" cy="848758"/>
+              </a:xfrm>
+              <a:prstGeom prst="rect">
+                <a:avLst/>
+              </a:prstGeom>
+              <a:blipFill>
+                <a:blip r:embed="rId3"/>
+                <a:stretch>
+                  <a:fillRect/>
+                </a:stretch>
+              </a:blipFill>
+            </p:spPr>
+            <p:txBody>
+              <a:bodyPr/>
+              <a:lstStyle/>
+              <a:p>
+                <a:r>
+                  <a:rPr lang="en-US">
+                    <a:noFill/>
+                  </a:rPr>
+                  <a:t> </a:t>
+                </a:r>
+              </a:p>
+            </p:txBody>
+          </p:sp>
+        </mc:Fallback>
+      </mc:AlternateContent>
+    </p:spTree>
+    <p:extLst>
+      <p:ext uri="{BB962C8B-B14F-4D97-AF65-F5344CB8AC3E}">
+        <p14:creationId xmlns:p14="http://schemas.microsoft.com/office/powerpoint/2010/main" val="3436840309"/>
+      </p:ext>
+    </p:extLst>
+  </p:cSld>
+  <p:clrMapOvr>
+    <a:masterClrMapping/>
+  </p:clrMapOvr>
+  <p:timing>
+    <p:tnLst>
+      <p:par>
+        <p:cTn id="1" dur="indefinite" restart="never" nodeType="tmRoot"/>
+      </p:par>
+    </p:tnLst>
+  </p:timing>
+</p:sld>
+</file>
+
+<file path=ppt/slides/slide19.xml><?xml version="1.0" encoding="utf-8"?>
+<p:sld xmlns:a="http://schemas.openxmlformats.org/drawingml/2006/main" xmlns:r="http://schemas.openxmlformats.org/officeDocument/2006/relationships" xmlns:p="http://schemas.openxmlformats.org/presentationml/2006/main">
+  <p:cSld>
+    <p:spTree>
+      <p:nvGrpSpPr>
+        <p:cNvPr id="1" name=""/>
+        <p:cNvGrpSpPr/>
+        <p:nvPr/>
+      </p:nvGrpSpPr>
+      <p:grpSpPr>
+        <a:xfrm>
+          <a:off x="0" y="0"/>
+          <a:ext cx="0" cy="0"/>
+          <a:chOff x="0" y="0"/>
+          <a:chExt cx="0" cy="0"/>
+        </a:xfrm>
+      </p:grpSpPr>
+      <p:sp>
+        <p:nvSpPr>
+          <p:cNvPr id="2" name="Title 1"/>
+          <p:cNvSpPr>
+            <a:spLocks noGrp="1"/>
+          </p:cNvSpPr>
+          <p:nvPr>
+            <p:ph type="title"/>
+          </p:nvPr>
+        </p:nvSpPr>
+        <p:spPr/>
+        <p:txBody>
+          <a:bodyPr/>
+          <a:lstStyle/>
+          <a:p>
+            <a:r>
+              <a:rPr lang="en-US" dirty="0"/>
+              <a:t>Performance </a:t>
+            </a:r>
+            <a:r>
+              <a:rPr lang="en-US" dirty="0" smtClean="0"/>
+              <a:t>measures (precision)</a:t>
+            </a:r>
+            <a:endParaRPr lang="en-US" dirty="0"/>
+          </a:p>
+        </p:txBody>
+      </p:sp>
+      <p:pic>
+        <p:nvPicPr>
+          <p:cNvPr id="4098" name="Picture 2" descr="https://encrypted-tbn0.gstatic.com/images?q=tbn:ANd9GcSQfPbmJv8_pgPlOHZfYft_flnv6SHqaeENOA1nEaEGL6MhJASR&amp;s"/>
+          <p:cNvPicPr>
+            <a:picLocks noChangeAspect="1" noChangeArrowheads="1"/>
+          </p:cNvPicPr>
+          <p:nvPr/>
+        </p:nvPicPr>
+        <p:blipFill>
+          <a:blip r:embed="rId2">
+            <a:extLst>
+              <a:ext uri="{28A0092B-C50C-407E-A947-70E740481C1C}">
+                <a14:useLocalDpi xmlns:a14="http://schemas.microsoft.com/office/drawing/2010/main" val="0"/>
+              </a:ext>
+            </a:extLst>
+          </a:blip>
+          <a:srcRect/>
+          <a:stretch>
+            <a:fillRect/>
+          </a:stretch>
+        </p:blipFill>
+        <p:spPr bwMode="auto">
+          <a:xfrm>
+            <a:off x="1700911" y="2033080"/>
+            <a:ext cx="8476361" cy="3067854"/>
+          </a:xfrm>
+          <a:prstGeom prst="rect">
+            <a:avLst/>
+          </a:prstGeom>
+          <a:noFill/>
+          <a:extLst>
+            <a:ext uri="{909E8E84-426E-40DD-AFC4-6F175D3DCCD1}">
+              <a14:hiddenFill xmlns:a14="http://schemas.microsoft.com/office/drawing/2010/main">
+                <a:solidFill>
+                  <a:srgbClr val="FFFFFF"/>
+                </a:solidFill>
+              </a14:hiddenFill>
+            </a:ext>
+          </a:extLst>
+        </p:spPr>
+      </p:pic>
+      <mc:AlternateContent xmlns:mc="http://schemas.openxmlformats.org/markup-compatibility/2006" xmlns:a14="http://schemas.microsoft.com/office/drawing/2010/main">
+        <mc:Choice Requires="a14">
+          <p:sp>
+            <p:nvSpPr>
+              <p:cNvPr id="5" name="Rectangle 4"/>
+              <p:cNvSpPr/>
+              <p:nvPr/>
+            </p:nvSpPr>
+            <p:spPr>
+              <a:xfrm>
+                <a:off x="4321619" y="5374632"/>
+                <a:ext cx="3545586" cy="790153"/>
+              </a:xfrm>
+              <a:prstGeom prst="rect">
+                <a:avLst/>
+              </a:prstGeom>
+            </p:spPr>
+            <p:txBody>
+              <a:bodyPr wrap="none">
+                <a:spAutoFit/>
+              </a:bodyPr>
+              <a:lstStyle/>
+              <a:p>
+                <a:pPr/>
+                <a14:m>
+                  <m:oMathPara xmlns:m="http://schemas.openxmlformats.org/officeDocument/2006/math">
+                    <m:oMathParaPr>
+                      <m:jc m:val="centerGroup"/>
+                    </m:oMathParaPr>
+                    <m:oMath xmlns:m="http://schemas.openxmlformats.org/officeDocument/2006/math">
+                      <m:r>
+                        <a:rPr lang="en-US" sz="2400" b="0" i="1" smtClean="0">
+                          <a:latin typeface="Cambria Math" panose="02040503050406030204" pitchFamily="18" charset="0"/>
+                        </a:rPr>
+                        <m:t>𝑃𝑟𝑒𝑐𝑖𝑠𝑖𝑜𝑛</m:t>
+                      </m:r>
+                      <m:r>
+                        <a:rPr lang="en-US" sz="2400" b="0" i="1" smtClean="0">
+                          <a:latin typeface="Cambria Math" panose="02040503050406030204" pitchFamily="18" charset="0"/>
+                        </a:rPr>
+                        <m:t>=</m:t>
+                      </m:r>
+                      <m:f>
+                        <m:fPr>
+                          <m:ctrlPr>
+                            <a:rPr lang="en-US" sz="2400" b="0" i="1" smtClean="0">
+                              <a:latin typeface="Cambria Math" panose="02040503050406030204" pitchFamily="18" charset="0"/>
+                            </a:rPr>
+                          </m:ctrlPr>
+                        </m:fPr>
+                        <m:num>
+                          <m:r>
+                            <a:rPr lang="en-US" sz="2400" b="0" i="1" smtClean="0">
+                              <a:latin typeface="Cambria Math" panose="02040503050406030204" pitchFamily="18" charset="0"/>
+                            </a:rPr>
+                            <m:t>#</m:t>
+                          </m:r>
+                          <m:r>
+                            <a:rPr lang="en-US" sz="2400" b="0" i="1" smtClean="0">
+                              <a:latin typeface="Cambria Math" panose="02040503050406030204" pitchFamily="18" charset="0"/>
+                            </a:rPr>
+                            <m:t>𝑇𝑃</m:t>
+                          </m:r>
+                        </m:num>
+                        <m:den>
+                          <m:r>
+                            <a:rPr lang="en-US" sz="2400" b="0" i="1" smtClean="0">
+                              <a:latin typeface="Cambria Math" panose="02040503050406030204" pitchFamily="18" charset="0"/>
+                            </a:rPr>
+                            <m:t>#</m:t>
+                          </m:r>
+                          <m:r>
+                            <a:rPr lang="en-US" sz="2400" b="0" i="1" smtClean="0">
+                              <a:latin typeface="Cambria Math" panose="02040503050406030204" pitchFamily="18" charset="0"/>
+                            </a:rPr>
+                            <m:t>𝑇𝑃</m:t>
+                          </m:r>
+                          <m:r>
+                            <a:rPr lang="en-US" sz="2400" b="0" i="1" smtClean="0">
+                              <a:latin typeface="Cambria Math" panose="02040503050406030204" pitchFamily="18" charset="0"/>
+                            </a:rPr>
+                            <m:t>+#</m:t>
+                          </m:r>
+                          <m:r>
+                            <a:rPr lang="en-US" sz="2400" b="0" i="1" smtClean="0">
+                              <a:latin typeface="Cambria Math" panose="02040503050406030204" pitchFamily="18" charset="0"/>
+                            </a:rPr>
+                            <m:t>𝐹𝑃</m:t>
+                          </m:r>
+                        </m:den>
+                      </m:f>
+                    </m:oMath>
+                  </m:oMathPara>
+                </a14:m>
+                <a:endParaRPr lang="en-US" sz="2400" dirty="0"/>
+              </a:p>
+            </p:txBody>
+          </p:sp>
+        </mc:Choice>
+        <mc:Fallback xmlns="">
+          <p:sp>
+            <p:nvSpPr>
+              <p:cNvPr id="5" name="Rectangle 4"/>
+              <p:cNvSpPr>
+                <a:spLocks noRot="1" noChangeAspect="1" noMove="1" noResize="1" noEditPoints="1" noAdjustHandles="1" noChangeArrowheads="1" noChangeShapeType="1" noTextEdit="1"/>
+              </p:cNvSpPr>
+              <p:nvPr/>
+            </p:nvSpPr>
+            <p:spPr>
+              <a:xfrm>
+                <a:off x="4321619" y="5374632"/>
+                <a:ext cx="3545586" cy="790153"/>
+              </a:xfrm>
+              <a:prstGeom prst="rect">
+                <a:avLst/>
+              </a:prstGeom>
+              <a:blipFill>
+                <a:blip r:embed="rId3"/>
+                <a:stretch>
+                  <a:fillRect/>
+                </a:stretch>
+              </a:blipFill>
+            </p:spPr>
+            <p:txBody>
+              <a:bodyPr/>
+              <a:lstStyle/>
+              <a:p>
+                <a:r>
+                  <a:rPr lang="en-US">
+                    <a:noFill/>
+                  </a:rPr>
+                  <a:t> </a:t>
+                </a:r>
+              </a:p>
+            </p:txBody>
+          </p:sp>
+        </mc:Fallback>
+      </mc:AlternateContent>
+    </p:spTree>
+    <p:extLst>
+      <p:ext uri="{BB962C8B-B14F-4D97-AF65-F5344CB8AC3E}">
+        <p14:creationId xmlns:p14="http://schemas.microsoft.com/office/powerpoint/2010/main" val="86179561"/>
+      </p:ext>
+    </p:extLst>
+  </p:cSld>
+  <p:clrMapOvr>
+    <a:masterClrMapping/>
+  </p:clrMapOvr>
+  <p:timing>
+    <p:tnLst>
+      <p:par>
+        <p:cTn id="1" dur="indefinite" restart="never" nodeType="tmRoot"/>
+      </p:par>
+    </p:tnLst>
+  </p:timing>
+</p:sld>
+</file>
+
+<file path=ppt/slides/slide2.xml><?xml version="1.0" encoding="utf-8"?>
+<p:sld xmlns:a="http://schemas.openxmlformats.org/drawingml/2006/main" xmlns:r="http://schemas.openxmlformats.org/officeDocument/2006/relationships" xmlns:p="http://schemas.openxmlformats.org/presentationml/2006/main">
+  <p:cSld>
+    <p:spTree>
+      <p:nvGrpSpPr>
+        <p:cNvPr id="1" name=""/>
+        <p:cNvGrpSpPr/>
+        <p:nvPr/>
+      </p:nvGrpSpPr>
+      <p:grpSpPr>
+        <a:xfrm>
+          <a:off x="0" y="0"/>
+          <a:ext cx="0" cy="0"/>
+          <a:chOff x="0" y="0"/>
+          <a:chExt cx="0" cy="0"/>
+        </a:xfrm>
+      </p:grpSpPr>
+      <p:sp>
+        <p:nvSpPr>
+          <p:cNvPr id="2" name="Title 1"/>
+          <p:cNvSpPr>
+            <a:spLocks noGrp="1"/>
+          </p:cNvSpPr>
+          <p:nvPr>
+            <p:ph type="title"/>
+          </p:nvPr>
+        </p:nvSpPr>
+        <p:spPr/>
+        <p:txBody>
+          <a:bodyPr/>
+          <a:lstStyle/>
+          <a:p>
+            <a:r>
+              <a:rPr lang="en-US" dirty="0" smtClean="0"/>
+              <a:t>Bias and variance</a:t>
+            </a:r>
+            <a:endParaRPr lang="en-US" dirty="0"/>
+          </a:p>
+        </p:txBody>
+      </p:sp>
+      <p:pic>
+        <p:nvPicPr>
+          <p:cNvPr id="6" name="Picture 5"/>
+          <p:cNvPicPr>
+            <a:picLocks noChangeAspect="1"/>
+          </p:cNvPicPr>
+          <p:nvPr/>
+        </p:nvPicPr>
+        <p:blipFill rotWithShape="1">
+          <a:blip r:embed="rId2">
+            <a:extLst>
+              <a:ext uri="{28A0092B-C50C-407E-A947-70E740481C1C}">
+                <a14:useLocalDpi xmlns:a14="http://schemas.microsoft.com/office/drawing/2010/main" val="0"/>
+              </a:ext>
+            </a:extLst>
+          </a:blip>
+          <a:srcRect b="13068"/>
+          <a:stretch/>
+        </p:blipFill>
+        <p:spPr>
+          <a:xfrm>
+            <a:off x="3354461" y="1868532"/>
+            <a:ext cx="4731855" cy="4449972"/>
+          </a:xfrm>
+          <a:prstGeom prst="rect">
+            <a:avLst/>
+          </a:prstGeom>
+        </p:spPr>
+      </p:pic>
+    </p:spTree>
+    <p:extLst>
+      <p:ext uri="{BB962C8B-B14F-4D97-AF65-F5344CB8AC3E}">
+        <p14:creationId xmlns:p14="http://schemas.microsoft.com/office/powerpoint/2010/main" val="2647028369"/>
+      </p:ext>
+    </p:extLst>
+  </p:cSld>
+  <p:clrMapOvr>
+    <a:masterClrMapping/>
+  </p:clrMapOvr>
+  <p:timing>
+    <p:tnLst>
+      <p:par>
+        <p:cTn id="1" dur="indefinite" restart="never" nodeType="tmRoot"/>
+      </p:par>
+    </p:tnLst>
+  </p:timing>
+</p:sld>
+</file>
+
+<file path=ppt/slides/slide20.xml><?xml version="1.0" encoding="utf-8"?>
+<p:sld xmlns:a="http://schemas.openxmlformats.org/drawingml/2006/main" xmlns:r="http://schemas.openxmlformats.org/officeDocument/2006/relationships" xmlns:p="http://schemas.openxmlformats.org/presentationml/2006/main">
+  <p:cSld>
+    <p:spTree>
+      <p:nvGrpSpPr>
+        <p:cNvPr id="1" name=""/>
+        <p:cNvGrpSpPr/>
+        <p:nvPr/>
+      </p:nvGrpSpPr>
+      <p:grpSpPr>
+        <a:xfrm>
+          <a:off x="0" y="0"/>
+          <a:ext cx="0" cy="0"/>
+          <a:chOff x="0" y="0"/>
+          <a:chExt cx="0" cy="0"/>
+        </a:xfrm>
+      </p:grpSpPr>
+      <p:sp>
+        <p:nvSpPr>
+          <p:cNvPr id="2" name="Title 1"/>
+          <p:cNvSpPr>
+            <a:spLocks noGrp="1"/>
+          </p:cNvSpPr>
+          <p:nvPr>
+            <p:ph type="title"/>
+          </p:nvPr>
+        </p:nvSpPr>
+        <p:spPr/>
+        <p:txBody>
+          <a:bodyPr/>
+          <a:lstStyle/>
+          <a:p>
+            <a:r>
+              <a:rPr lang="en-US" dirty="0"/>
+              <a:t>Performance </a:t>
+            </a:r>
+            <a:r>
+              <a:rPr lang="en-US" dirty="0" smtClean="0"/>
+              <a:t>measures (recall)</a:t>
+            </a:r>
+            <a:endParaRPr lang="en-US" dirty="0"/>
+          </a:p>
+        </p:txBody>
+      </p:sp>
+      <p:pic>
+        <p:nvPicPr>
+          <p:cNvPr id="4098" name="Picture 2" descr="https://encrypted-tbn0.gstatic.com/images?q=tbn:ANd9GcSQfPbmJv8_pgPlOHZfYft_flnv6SHqaeENOA1nEaEGL6MhJASR&amp;s"/>
+          <p:cNvPicPr>
+            <a:picLocks noChangeAspect="1" noChangeArrowheads="1"/>
+          </p:cNvPicPr>
+          <p:nvPr/>
+        </p:nvPicPr>
+        <p:blipFill>
+          <a:blip r:embed="rId2">
+            <a:extLst>
+              <a:ext uri="{28A0092B-C50C-407E-A947-70E740481C1C}">
+                <a14:useLocalDpi xmlns:a14="http://schemas.microsoft.com/office/drawing/2010/main" val="0"/>
+              </a:ext>
+            </a:extLst>
+          </a:blip>
+          <a:srcRect/>
+          <a:stretch>
+            <a:fillRect/>
+          </a:stretch>
+        </p:blipFill>
+        <p:spPr bwMode="auto">
+          <a:xfrm>
+            <a:off x="1700911" y="2033080"/>
+            <a:ext cx="8476361" cy="3067854"/>
+          </a:xfrm>
+          <a:prstGeom prst="rect">
+            <a:avLst/>
+          </a:prstGeom>
+          <a:noFill/>
+          <a:extLst>
+            <a:ext uri="{909E8E84-426E-40DD-AFC4-6F175D3DCCD1}">
+              <a14:hiddenFill xmlns:a14="http://schemas.microsoft.com/office/drawing/2010/main">
+                <a:solidFill>
+                  <a:srgbClr val="FFFFFF"/>
+                </a:solidFill>
+              </a14:hiddenFill>
+            </a:ext>
+          </a:extLst>
+        </p:spPr>
+      </p:pic>
+      <mc:AlternateContent xmlns:mc="http://schemas.openxmlformats.org/markup-compatibility/2006" xmlns:a14="http://schemas.microsoft.com/office/drawing/2010/main">
+        <mc:Choice Requires="a14">
+          <p:sp>
+            <p:nvSpPr>
+              <p:cNvPr id="5" name="Rectangle 4"/>
+              <p:cNvSpPr/>
+              <p:nvPr/>
+            </p:nvSpPr>
+            <p:spPr>
+              <a:xfrm>
+                <a:off x="3997630" y="5328912"/>
+                <a:ext cx="3882922" cy="790153"/>
+              </a:xfrm>
+              <a:prstGeom prst="rect">
+                <a:avLst/>
+              </a:prstGeom>
+            </p:spPr>
+            <p:txBody>
+              <a:bodyPr wrap="none">
+                <a:spAutoFit/>
+              </a:bodyPr>
+              <a:lstStyle/>
+              <a:p>
+                <a:pPr/>
+                <a14:m>
+                  <m:oMathPara xmlns:m="http://schemas.openxmlformats.org/officeDocument/2006/math">
+                    <m:oMathParaPr>
+                      <m:jc m:val="centerGroup"/>
+                    </m:oMathParaPr>
+                    <m:oMath xmlns:m="http://schemas.openxmlformats.org/officeDocument/2006/math">
+                      <m:r>
+                        <a:rPr lang="en-US" sz="2400" b="0" i="1" smtClean="0">
+                          <a:latin typeface="Cambria Math" panose="02040503050406030204" pitchFamily="18" charset="0"/>
+                        </a:rPr>
+                        <m:t>𝑟𝑒𝑐𝑎𝑙𝑙</m:t>
+                      </m:r>
+                      <m:r>
+                        <a:rPr lang="en-US" sz="2400" b="0" i="1" smtClean="0">
+                          <a:latin typeface="Cambria Math" panose="02040503050406030204" pitchFamily="18" charset="0"/>
+                        </a:rPr>
+                        <m:t>(</m:t>
+                      </m:r>
+                      <m:r>
+                        <a:rPr lang="en-US" sz="2400" b="0" i="1" smtClean="0">
+                          <a:latin typeface="Cambria Math" panose="02040503050406030204" pitchFamily="18" charset="0"/>
+                        </a:rPr>
+                        <m:t>𝑇𝑃𝑅</m:t>
+                      </m:r>
+                      <m:r>
+                        <a:rPr lang="en-US" sz="2400" b="0" i="1" smtClean="0">
+                          <a:latin typeface="Cambria Math" panose="02040503050406030204" pitchFamily="18" charset="0"/>
+                        </a:rPr>
+                        <m:t>)=</m:t>
+                      </m:r>
+                      <m:f>
+                        <m:fPr>
+                          <m:ctrlPr>
+                            <a:rPr lang="en-US" sz="2400" i="1">
+                              <a:latin typeface="Cambria Math" panose="02040503050406030204" pitchFamily="18" charset="0"/>
+                            </a:rPr>
+                          </m:ctrlPr>
+                        </m:fPr>
+                        <m:num>
+                          <m:r>
+                            <a:rPr lang="en-US" sz="2400" i="1">
+                              <a:latin typeface="Cambria Math" panose="02040503050406030204" pitchFamily="18" charset="0"/>
+                            </a:rPr>
+                            <m:t>#</m:t>
+                          </m:r>
+                          <m:r>
+                            <a:rPr lang="en-US" sz="2400" i="1">
+                              <a:latin typeface="Cambria Math" panose="02040503050406030204" pitchFamily="18" charset="0"/>
+                            </a:rPr>
+                            <m:t>𝑇𝑃</m:t>
+                          </m:r>
+                        </m:num>
+                        <m:den>
+                          <m:r>
+                            <a:rPr lang="en-US" sz="2400" i="1">
+                              <a:latin typeface="Cambria Math" panose="02040503050406030204" pitchFamily="18" charset="0"/>
+                            </a:rPr>
+                            <m:t>#</m:t>
+                          </m:r>
+                          <m:r>
+                            <a:rPr lang="en-US" sz="2400" i="1">
+                              <a:latin typeface="Cambria Math" panose="02040503050406030204" pitchFamily="18" charset="0"/>
+                            </a:rPr>
+                            <m:t>𝑇𝑃</m:t>
+                          </m:r>
+                          <m:r>
+                            <a:rPr lang="en-US" sz="2400" i="1">
+                              <a:latin typeface="Cambria Math" panose="02040503050406030204" pitchFamily="18" charset="0"/>
+                            </a:rPr>
+                            <m:t>+#</m:t>
+                          </m:r>
+                          <m:r>
+                            <a:rPr lang="en-US" sz="2400" i="1">
+                              <a:latin typeface="Cambria Math" panose="02040503050406030204" pitchFamily="18" charset="0"/>
+                            </a:rPr>
+                            <m:t>𝐹𝑁</m:t>
+                          </m:r>
+                        </m:den>
+                      </m:f>
+                    </m:oMath>
+                  </m:oMathPara>
+                </a14:m>
+                <a:endParaRPr lang="en-US" sz="2400" dirty="0"/>
+              </a:p>
+            </p:txBody>
+          </p:sp>
+        </mc:Choice>
+        <mc:Fallback xmlns="">
+          <p:sp>
+            <p:nvSpPr>
+              <p:cNvPr id="5" name="Rectangle 4"/>
+              <p:cNvSpPr>
+                <a:spLocks noRot="1" noChangeAspect="1" noMove="1" noResize="1" noEditPoints="1" noAdjustHandles="1" noChangeArrowheads="1" noChangeShapeType="1" noTextEdit="1"/>
+              </p:cNvSpPr>
+              <p:nvPr/>
+            </p:nvSpPr>
+            <p:spPr>
+              <a:xfrm>
+                <a:off x="3997630" y="5328912"/>
+                <a:ext cx="3882922" cy="790153"/>
+              </a:xfrm>
+              <a:prstGeom prst="rect">
+                <a:avLst/>
+              </a:prstGeom>
+              <a:blipFill>
+                <a:blip r:embed="rId3"/>
+                <a:stretch>
+                  <a:fillRect/>
+                </a:stretch>
+              </a:blipFill>
+            </p:spPr>
+            <p:txBody>
+              <a:bodyPr/>
+              <a:lstStyle/>
+              <a:p>
+                <a:r>
+                  <a:rPr lang="en-US">
+                    <a:noFill/>
+                  </a:rPr>
+                  <a:t> </a:t>
+                </a:r>
+              </a:p>
+            </p:txBody>
+          </p:sp>
+        </mc:Fallback>
+      </mc:AlternateContent>
+    </p:spTree>
+    <p:extLst>
+      <p:ext uri="{BB962C8B-B14F-4D97-AF65-F5344CB8AC3E}">
+        <p14:creationId xmlns:p14="http://schemas.microsoft.com/office/powerpoint/2010/main" val="3069107534"/>
+      </p:ext>
+    </p:extLst>
+  </p:cSld>
+  <p:clrMapOvr>
+    <a:masterClrMapping/>
+  </p:clrMapOvr>
+  <p:timing>
+    <p:tnLst>
+      <p:par>
+        <p:cTn id="1" dur="indefinite" restart="never" nodeType="tmRoot"/>
+      </p:par>
+    </p:tnLst>
+  </p:timing>
+</p:sld>
+</file>
+
+<file path=ppt/slides/slide21.xml><?xml version="1.0" encoding="utf-8"?>
+<p:sld xmlns:a="http://schemas.openxmlformats.org/drawingml/2006/main" xmlns:r="http://schemas.openxmlformats.org/officeDocument/2006/relationships" xmlns:p="http://schemas.openxmlformats.org/presentationml/2006/main">
+  <p:cSld>
+    <p:spTree>
+      <p:nvGrpSpPr>
+        <p:cNvPr id="1" name=""/>
+        <p:cNvGrpSpPr/>
+        <p:nvPr/>
+      </p:nvGrpSpPr>
+      <p:grpSpPr>
+        <a:xfrm>
+          <a:off x="0" y="0"/>
+          <a:ext cx="0" cy="0"/>
+          <a:chOff x="0" y="0"/>
+          <a:chExt cx="0" cy="0"/>
+        </a:xfrm>
+      </p:grpSpPr>
+      <p:sp>
+        <p:nvSpPr>
+          <p:cNvPr id="2" name="Title 1"/>
+          <p:cNvSpPr>
+            <a:spLocks noGrp="1"/>
+          </p:cNvSpPr>
+          <p:nvPr>
+            <p:ph type="title"/>
+          </p:nvPr>
+        </p:nvSpPr>
+        <p:spPr/>
+        <p:txBody>
+          <a:bodyPr/>
+          <a:lstStyle/>
+          <a:p>
+            <a:r>
+              <a:rPr lang="en-US" dirty="0"/>
+              <a:t>Performance </a:t>
+            </a:r>
+            <a:r>
+              <a:rPr lang="en-US" dirty="0" smtClean="0"/>
+              <a:t>measures (F1-score)</a:t>
+            </a:r>
+            <a:endParaRPr lang="en-US" dirty="0"/>
+          </a:p>
+        </p:txBody>
+      </p:sp>
+      <p:pic>
+        <p:nvPicPr>
+          <p:cNvPr id="4098" name="Picture 2" descr="https://encrypted-tbn0.gstatic.com/images?q=tbn:ANd9GcSQfPbmJv8_pgPlOHZfYft_flnv6SHqaeENOA1nEaEGL6MhJASR&amp;s"/>
+          <p:cNvPicPr>
+            <a:picLocks noChangeAspect="1" noChangeArrowheads="1"/>
+          </p:cNvPicPr>
+          <p:nvPr/>
+        </p:nvPicPr>
+        <p:blipFill>
+          <a:blip r:embed="rId2">
+            <a:extLst>
+              <a:ext uri="{28A0092B-C50C-407E-A947-70E740481C1C}">
+                <a14:useLocalDpi xmlns:a14="http://schemas.microsoft.com/office/drawing/2010/main" val="0"/>
+              </a:ext>
+            </a:extLst>
+          </a:blip>
+          <a:srcRect/>
+          <a:stretch>
+            <a:fillRect/>
+          </a:stretch>
+        </p:blipFill>
+        <p:spPr bwMode="auto">
+          <a:xfrm>
+            <a:off x="1700911" y="2033080"/>
+            <a:ext cx="8476361" cy="3067854"/>
+          </a:xfrm>
+          <a:prstGeom prst="rect">
+            <a:avLst/>
+          </a:prstGeom>
+          <a:noFill/>
+          <a:extLst>
+            <a:ext uri="{909E8E84-426E-40DD-AFC4-6F175D3DCCD1}">
+              <a14:hiddenFill xmlns:a14="http://schemas.microsoft.com/office/drawing/2010/main">
+                <a:solidFill>
+                  <a:srgbClr val="FFFFFF"/>
+                </a:solidFill>
+              </a14:hiddenFill>
+            </a:ext>
+          </a:extLst>
+        </p:spPr>
+      </p:pic>
+      <mc:AlternateContent xmlns:mc="http://schemas.openxmlformats.org/markup-compatibility/2006" xmlns:a14="http://schemas.microsoft.com/office/drawing/2010/main">
+        <mc:Choice Requires="a14">
+          <p:sp>
+            <p:nvSpPr>
+              <p:cNvPr id="5" name="Rectangle 4"/>
+              <p:cNvSpPr/>
+              <p:nvPr/>
+            </p:nvSpPr>
+            <p:spPr>
+              <a:xfrm>
+                <a:off x="3997630" y="5328912"/>
+                <a:ext cx="4779578" cy="799771"/>
+              </a:xfrm>
+              <a:prstGeom prst="rect">
+                <a:avLst/>
+              </a:prstGeom>
+            </p:spPr>
+            <p:txBody>
+              <a:bodyPr wrap="none">
+                <a:spAutoFit/>
+              </a:bodyPr>
+              <a:lstStyle/>
+              <a:p>
+                <a:pPr/>
+                <a14:m>
+                  <m:oMathPara xmlns:m="http://schemas.openxmlformats.org/officeDocument/2006/math">
+                    <m:oMathParaPr>
+                      <m:jc m:val="centerGroup"/>
+                    </m:oMathParaPr>
+                    <m:oMath xmlns:m="http://schemas.openxmlformats.org/officeDocument/2006/math">
+                      <m:sSub>
+                        <m:sSubPr>
+                          <m:ctrlPr>
+                            <a:rPr lang="en-US" sz="2400" b="0" i="1" smtClean="0">
+                              <a:latin typeface="Cambria Math" panose="02040503050406030204" pitchFamily="18" charset="0"/>
+                            </a:rPr>
+                          </m:ctrlPr>
+                        </m:sSubPr>
+                        <m:e>
+                          <m:r>
+                            <a:rPr lang="en-US" sz="2400" b="0" i="1" smtClean="0">
+                              <a:latin typeface="Cambria Math" panose="02040503050406030204" pitchFamily="18" charset="0"/>
+                            </a:rPr>
+                            <m:t>𝐹</m:t>
+                          </m:r>
+                        </m:e>
+                        <m:sub>
+                          <m:r>
+                            <a:rPr lang="en-US" sz="2400" b="0" i="1" smtClean="0">
+                              <a:latin typeface="Cambria Math" panose="02040503050406030204" pitchFamily="18" charset="0"/>
+                            </a:rPr>
+                            <m:t>1</m:t>
+                          </m:r>
+                        </m:sub>
+                      </m:sSub>
+                      <m:r>
+                        <a:rPr lang="en-US" sz="2400" b="0" i="1" smtClean="0">
+                          <a:latin typeface="Cambria Math" panose="02040503050406030204" pitchFamily="18" charset="0"/>
+                        </a:rPr>
+                        <m:t> </m:t>
+                      </m:r>
+                      <m:r>
+                        <a:rPr lang="en-US" sz="2400" b="0" i="1" smtClean="0">
+                          <a:latin typeface="Cambria Math" panose="02040503050406030204" pitchFamily="18" charset="0"/>
+                        </a:rPr>
+                        <m:t>𝑠𝑐𝑜𝑟𝑒</m:t>
+                      </m:r>
+                      <m:r>
+                        <a:rPr lang="en-US" sz="2400" i="1">
+                          <a:latin typeface="Cambria Math" panose="02040503050406030204" pitchFamily="18" charset="0"/>
+                        </a:rPr>
+                        <m:t>=</m:t>
+                      </m:r>
+                      <m:r>
+                        <a:rPr lang="en-US" sz="2400" b="0" i="1" smtClean="0">
+                          <a:latin typeface="Cambria Math" panose="02040503050406030204" pitchFamily="18" charset="0"/>
+                        </a:rPr>
+                        <m:t>2</m:t>
+                      </m:r>
+                      <m:r>
+                        <a:rPr lang="en-US" sz="2400" b="0" i="1" smtClean="0">
+                          <a:latin typeface="Cambria Math" panose="02040503050406030204" pitchFamily="18" charset="0"/>
+                        </a:rPr>
+                        <m:t>∗</m:t>
+                      </m:r>
+                      <m:f>
+                        <m:fPr>
+                          <m:ctrlPr>
+                            <a:rPr lang="en-US" sz="2400" i="1">
+                              <a:latin typeface="Cambria Math" panose="02040503050406030204" pitchFamily="18" charset="0"/>
+                            </a:rPr>
+                          </m:ctrlPr>
+                        </m:fPr>
+                        <m:num>
+                          <m:r>
+                            <a:rPr lang="en-US" sz="2400" b="0" i="1" smtClean="0">
+                              <a:latin typeface="Cambria Math" panose="02040503050406030204" pitchFamily="18" charset="0"/>
+                            </a:rPr>
+                            <m:t>𝑃𝑟𝑒𝑐𝑖𝑠𝑖𝑜𝑛</m:t>
+                          </m:r>
+                          <m:r>
+                            <a:rPr lang="en-US" sz="2400" b="0" i="1" smtClean="0">
+                              <a:latin typeface="Cambria Math" panose="02040503050406030204" pitchFamily="18" charset="0"/>
+                            </a:rPr>
+                            <m:t> ∗</m:t>
+                          </m:r>
+                          <m:r>
+                            <a:rPr lang="en-US" sz="2400" b="0" i="1" smtClean="0">
+                              <a:latin typeface="Cambria Math" panose="02040503050406030204" pitchFamily="18" charset="0"/>
+                            </a:rPr>
+                            <m:t>𝑅𝑒𝑐𝑎𝑙𝑙</m:t>
+                          </m:r>
+                        </m:num>
+                        <m:den>
+                          <m:r>
+                            <a:rPr lang="en-US" sz="2400" i="1">
+                              <a:latin typeface="Cambria Math" panose="02040503050406030204" pitchFamily="18" charset="0"/>
+                            </a:rPr>
+                            <m:t>𝑃𝑟𝑒𝑐𝑖𝑠𝑖𝑜𝑛</m:t>
+                          </m:r>
+                          <m:r>
+                            <a:rPr lang="en-US" sz="2400" b="0" i="1" smtClean="0">
+                              <a:latin typeface="Cambria Math" panose="02040503050406030204" pitchFamily="18" charset="0"/>
+                            </a:rPr>
+                            <m:t>+</m:t>
+                          </m:r>
+                          <m:r>
+                            <a:rPr lang="en-US" sz="2400" i="1">
+                              <a:latin typeface="Cambria Math" panose="02040503050406030204" pitchFamily="18" charset="0"/>
+                            </a:rPr>
+                            <m:t>𝑅𝑒𝑐𝑎𝑙𝑙</m:t>
+                          </m:r>
+                        </m:den>
+                      </m:f>
+                    </m:oMath>
+                  </m:oMathPara>
+                </a14:m>
+                <a:endParaRPr lang="en-US" sz="2400" dirty="0"/>
+              </a:p>
+            </p:txBody>
+          </p:sp>
+        </mc:Choice>
+        <mc:Fallback xmlns="">
+          <p:sp>
+            <p:nvSpPr>
+              <p:cNvPr id="5" name="Rectangle 4"/>
+              <p:cNvSpPr>
+                <a:spLocks noRot="1" noChangeAspect="1" noMove="1" noResize="1" noEditPoints="1" noAdjustHandles="1" noChangeArrowheads="1" noChangeShapeType="1" noTextEdit="1"/>
+              </p:cNvSpPr>
+              <p:nvPr/>
+            </p:nvSpPr>
+            <p:spPr>
+              <a:xfrm>
+                <a:off x="3997630" y="5328912"/>
+                <a:ext cx="4779578" cy="799771"/>
+              </a:xfrm>
+              <a:prstGeom prst="rect">
+                <a:avLst/>
+              </a:prstGeom>
+              <a:blipFill>
+                <a:blip r:embed="rId3"/>
+                <a:stretch>
+                  <a:fillRect/>
+                </a:stretch>
+              </a:blipFill>
+            </p:spPr>
+            <p:txBody>
+              <a:bodyPr/>
+              <a:lstStyle/>
+              <a:p>
+                <a:r>
+                  <a:rPr lang="en-US">
+                    <a:noFill/>
+                  </a:rPr>
+                  <a:t> </a:t>
+                </a:r>
+              </a:p>
+            </p:txBody>
+          </p:sp>
+        </mc:Fallback>
+      </mc:AlternateContent>
+    </p:spTree>
+    <p:extLst>
+      <p:ext uri="{BB962C8B-B14F-4D97-AF65-F5344CB8AC3E}">
+        <p14:creationId xmlns:p14="http://schemas.microsoft.com/office/powerpoint/2010/main" val="577677785"/>
+      </p:ext>
+    </p:extLst>
+  </p:cSld>
+  <p:clrMapOvr>
+    <a:masterClrMapping/>
+  </p:clrMapOvr>
+  <p:timing>
+    <p:tnLst>
+      <p:par>
+        <p:cTn id="1" dur="indefinite" restart="never" nodeType="tmRoot"/>
+      </p:par>
+    </p:tnLst>
+  </p:timing>
+</p:sld>
+</file>
+
+<file path=ppt/slides/slide22.xml><?xml version="1.0" encoding="utf-8"?>
+<p:sld xmlns:a="http://schemas.openxmlformats.org/drawingml/2006/main" xmlns:r="http://schemas.openxmlformats.org/officeDocument/2006/relationships" xmlns:p="http://schemas.openxmlformats.org/presentationml/2006/main">
+  <p:cSld>
+    <p:spTree>
+      <p:nvGrpSpPr>
+        <p:cNvPr id="1" name=""/>
+        <p:cNvGrpSpPr/>
+        <p:nvPr/>
+      </p:nvGrpSpPr>
+      <p:grpSpPr>
+        <a:xfrm>
+          <a:off x="0" y="0"/>
+          <a:ext cx="0" cy="0"/>
+          <a:chOff x="0" y="0"/>
+          <a:chExt cx="0" cy="0"/>
+        </a:xfrm>
+      </p:grpSpPr>
+      <p:sp>
+        <p:nvSpPr>
+          <p:cNvPr id="2" name="Title 1"/>
+          <p:cNvSpPr>
+            <a:spLocks noGrp="1"/>
+          </p:cNvSpPr>
+          <p:nvPr>
+            <p:ph type="title"/>
+          </p:nvPr>
+        </p:nvSpPr>
+        <p:spPr/>
+        <p:txBody>
+          <a:bodyPr/>
+          <a:lstStyle/>
+          <a:p>
+            <a:r>
+              <a:rPr lang="en-US" dirty="0"/>
+              <a:t>Receiver operating characteristic</a:t>
+            </a:r>
+            <a:br>
+              <a:rPr lang="en-US" dirty="0"/>
+            </a:br>
+            <a:r>
+              <a:rPr lang="en-US" dirty="0" smtClean="0"/>
+              <a:t>(Roc) curve</a:t>
+            </a:r>
+            <a:endParaRPr lang="en-US" dirty="0"/>
+          </a:p>
+        </p:txBody>
+      </p:sp>
+      <mc:AlternateContent xmlns:mc="http://schemas.openxmlformats.org/markup-compatibility/2006" xmlns:a14="http://schemas.microsoft.com/office/drawing/2010/main">
+        <mc:Choice Requires="a14">
+          <p:sp>
+            <p:nvSpPr>
+              <p:cNvPr id="4" name="Rectangle 3"/>
+              <p:cNvSpPr/>
+              <p:nvPr/>
+            </p:nvSpPr>
+            <p:spPr>
+              <a:xfrm>
+                <a:off x="1141413" y="2366256"/>
+                <a:ext cx="2810385" cy="790153"/>
+              </a:xfrm>
+              <a:prstGeom prst="rect">
+                <a:avLst/>
+              </a:prstGeom>
+            </p:spPr>
+            <p:txBody>
+              <a:bodyPr wrap="none">
+                <a:spAutoFit/>
+              </a:bodyPr>
+              <a:lstStyle/>
+              <a:p>
+                <a:pPr/>
+                <a14:m>
+                  <m:oMathPara xmlns:m="http://schemas.openxmlformats.org/officeDocument/2006/math">
+                    <m:oMathParaPr>
+                      <m:jc m:val="centerGroup"/>
+                    </m:oMathParaPr>
+                    <m:oMath xmlns:m="http://schemas.openxmlformats.org/officeDocument/2006/math">
+                      <m:r>
+                        <a:rPr lang="en-US" sz="2400" b="0" i="1" smtClean="0">
+                          <a:latin typeface="Cambria Math" panose="02040503050406030204" pitchFamily="18" charset="0"/>
+                        </a:rPr>
+                        <m:t>𝑇𝑃𝑅</m:t>
+                      </m:r>
+                      <m:r>
+                        <a:rPr lang="en-US" sz="2400" i="1">
+                          <a:latin typeface="Cambria Math" panose="02040503050406030204" pitchFamily="18" charset="0"/>
+                        </a:rPr>
+                        <m:t>=</m:t>
+                      </m:r>
+                      <m:f>
+                        <m:fPr>
+                          <m:ctrlPr>
+                            <a:rPr lang="en-US" sz="2400" i="1">
+                              <a:latin typeface="Cambria Math" panose="02040503050406030204" pitchFamily="18" charset="0"/>
+                            </a:rPr>
+                          </m:ctrlPr>
+                        </m:fPr>
+                        <m:num>
+                          <m:r>
+                            <a:rPr lang="en-US" sz="2400" i="1">
+                              <a:latin typeface="Cambria Math" panose="02040503050406030204" pitchFamily="18" charset="0"/>
+                            </a:rPr>
+                            <m:t>#</m:t>
+                          </m:r>
+                          <m:r>
+                            <a:rPr lang="en-US" sz="2400" i="1">
+                              <a:latin typeface="Cambria Math" panose="02040503050406030204" pitchFamily="18" charset="0"/>
+                            </a:rPr>
+                            <m:t>𝑇𝑃</m:t>
+                          </m:r>
+                        </m:num>
+                        <m:den>
+                          <m:r>
+                            <a:rPr lang="en-US" sz="2400" i="1">
+                              <a:latin typeface="Cambria Math" panose="02040503050406030204" pitchFamily="18" charset="0"/>
+                            </a:rPr>
+                            <m:t>#</m:t>
+                          </m:r>
+                          <m:r>
+                            <a:rPr lang="en-US" sz="2400" i="1">
+                              <a:latin typeface="Cambria Math" panose="02040503050406030204" pitchFamily="18" charset="0"/>
+                            </a:rPr>
+                            <m:t>𝑇𝑃</m:t>
+                          </m:r>
+                          <m:r>
+                            <a:rPr lang="en-US" sz="2400" i="1">
+                              <a:latin typeface="Cambria Math" panose="02040503050406030204" pitchFamily="18" charset="0"/>
+                            </a:rPr>
+                            <m:t>+#</m:t>
+                          </m:r>
+                          <m:r>
+                            <a:rPr lang="en-US" sz="2400" i="1">
+                              <a:latin typeface="Cambria Math" panose="02040503050406030204" pitchFamily="18" charset="0"/>
+                            </a:rPr>
+                            <m:t>𝐹𝑁</m:t>
+                          </m:r>
+                        </m:den>
+                      </m:f>
+                    </m:oMath>
+                  </m:oMathPara>
+                </a14:m>
+                <a:endParaRPr lang="en-US" sz="2400" dirty="0"/>
+              </a:p>
+            </p:txBody>
+          </p:sp>
+        </mc:Choice>
+        <mc:Fallback xmlns="">
+          <p:sp>
+            <p:nvSpPr>
+              <p:cNvPr id="4" name="Rectangle 3"/>
+              <p:cNvSpPr>
+                <a:spLocks noRot="1" noChangeAspect="1" noMove="1" noResize="1" noEditPoints="1" noAdjustHandles="1" noChangeArrowheads="1" noChangeShapeType="1" noTextEdit="1"/>
+              </p:cNvSpPr>
+              <p:nvPr/>
+            </p:nvSpPr>
+            <p:spPr>
+              <a:xfrm>
+                <a:off x="1141413" y="2366256"/>
+                <a:ext cx="2810385" cy="790153"/>
+              </a:xfrm>
+              <a:prstGeom prst="rect">
+                <a:avLst/>
+              </a:prstGeom>
+              <a:blipFill>
+                <a:blip r:embed="rId2"/>
+                <a:stretch>
+                  <a:fillRect/>
+                </a:stretch>
+              </a:blipFill>
+            </p:spPr>
+            <p:txBody>
+              <a:bodyPr/>
+              <a:lstStyle/>
+              <a:p>
+                <a:r>
+                  <a:rPr lang="en-US">
+                    <a:noFill/>
+                  </a:rPr>
+                  <a:t> </a:t>
+                </a:r>
+              </a:p>
+            </p:txBody>
+          </p:sp>
+        </mc:Fallback>
+      </mc:AlternateContent>
+      <mc:AlternateContent xmlns:mc="http://schemas.openxmlformats.org/markup-compatibility/2006" xmlns:a14="http://schemas.microsoft.com/office/drawing/2010/main">
+        <mc:Choice Requires="a14">
+          <p:sp>
+            <p:nvSpPr>
+              <p:cNvPr id="5" name="Rectangle 4"/>
+              <p:cNvSpPr/>
+              <p:nvPr/>
+            </p:nvSpPr>
+            <p:spPr>
+              <a:xfrm>
+                <a:off x="1141413" y="3425577"/>
+                <a:ext cx="2815193" cy="790153"/>
+              </a:xfrm>
+              <a:prstGeom prst="rect">
+                <a:avLst/>
+              </a:prstGeom>
+            </p:spPr>
+            <p:txBody>
+              <a:bodyPr wrap="none">
+                <a:spAutoFit/>
+              </a:bodyPr>
+              <a:lstStyle/>
+              <a:p>
+                <a:pPr/>
+                <a14:m>
+                  <m:oMathPara xmlns:m="http://schemas.openxmlformats.org/officeDocument/2006/math">
+                    <m:oMathParaPr>
+                      <m:jc m:val="centerGroup"/>
+                    </m:oMathParaPr>
+                    <m:oMath xmlns:m="http://schemas.openxmlformats.org/officeDocument/2006/math">
+                      <m:r>
+                        <a:rPr lang="en-US" sz="2400" b="0" i="1" smtClean="0">
+                          <a:latin typeface="Cambria Math" panose="02040503050406030204" pitchFamily="18" charset="0"/>
+                        </a:rPr>
+                        <m:t>𝐹𝑃𝑅</m:t>
+                      </m:r>
+                      <m:r>
+                        <a:rPr lang="en-US" sz="2400" i="1">
+                          <a:latin typeface="Cambria Math" panose="02040503050406030204" pitchFamily="18" charset="0"/>
+                        </a:rPr>
+                        <m:t>=</m:t>
+                      </m:r>
+                      <m:f>
+                        <m:fPr>
+                          <m:ctrlPr>
+                            <a:rPr lang="en-US" sz="2400" i="1">
+                              <a:latin typeface="Cambria Math" panose="02040503050406030204" pitchFamily="18" charset="0"/>
+                            </a:rPr>
+                          </m:ctrlPr>
+                        </m:fPr>
+                        <m:num>
+                          <m:r>
+                            <a:rPr lang="en-US" sz="2400" i="1">
+                              <a:latin typeface="Cambria Math" panose="02040503050406030204" pitchFamily="18" charset="0"/>
+                            </a:rPr>
+                            <m:t>#</m:t>
+                          </m:r>
+                          <m:r>
+                            <a:rPr lang="en-US" sz="2400" b="0" i="1" smtClean="0">
+                              <a:latin typeface="Cambria Math" panose="02040503050406030204" pitchFamily="18" charset="0"/>
+                            </a:rPr>
+                            <m:t>𝐹</m:t>
+                          </m:r>
+                          <m:r>
+                            <a:rPr lang="en-US" sz="2400" i="1">
+                              <a:latin typeface="Cambria Math" panose="02040503050406030204" pitchFamily="18" charset="0"/>
+                            </a:rPr>
+                            <m:t>𝑃</m:t>
+                          </m:r>
+                        </m:num>
+                        <m:den>
+                          <m:r>
+                            <a:rPr lang="en-US" sz="2400" i="1">
+                              <a:latin typeface="Cambria Math" panose="02040503050406030204" pitchFamily="18" charset="0"/>
+                            </a:rPr>
+                            <m:t>#</m:t>
+                          </m:r>
+                          <m:r>
+                            <a:rPr lang="en-US" sz="2400" b="0" i="1" smtClean="0">
+                              <a:latin typeface="Cambria Math" panose="02040503050406030204" pitchFamily="18" charset="0"/>
+                            </a:rPr>
+                            <m:t>𝐹</m:t>
+                          </m:r>
+                          <m:r>
+                            <a:rPr lang="en-US" sz="2400" i="1">
+                              <a:latin typeface="Cambria Math" panose="02040503050406030204" pitchFamily="18" charset="0"/>
+                            </a:rPr>
+                            <m:t>𝑃</m:t>
+                          </m:r>
+                          <m:r>
+                            <a:rPr lang="en-US" sz="2400" i="1">
+                              <a:latin typeface="Cambria Math" panose="02040503050406030204" pitchFamily="18" charset="0"/>
+                            </a:rPr>
+                            <m:t>+#</m:t>
+                          </m:r>
+                          <m:r>
+                            <a:rPr lang="en-US" sz="2400" b="0" i="1" smtClean="0">
+                              <a:latin typeface="Cambria Math" panose="02040503050406030204" pitchFamily="18" charset="0"/>
+                            </a:rPr>
+                            <m:t>𝑇𝑁</m:t>
+                          </m:r>
+                        </m:den>
+                      </m:f>
+                    </m:oMath>
+                  </m:oMathPara>
+                </a14:m>
+                <a:endParaRPr lang="en-US" sz="2400" dirty="0"/>
+              </a:p>
+            </p:txBody>
+          </p:sp>
+        </mc:Choice>
+        <mc:Fallback xmlns="">
+          <p:sp>
+            <p:nvSpPr>
+              <p:cNvPr id="5" name="Rectangle 4"/>
+              <p:cNvSpPr>
+                <a:spLocks noRot="1" noChangeAspect="1" noMove="1" noResize="1" noEditPoints="1" noAdjustHandles="1" noChangeArrowheads="1" noChangeShapeType="1" noTextEdit="1"/>
+              </p:cNvSpPr>
+              <p:nvPr/>
+            </p:nvSpPr>
+            <p:spPr>
+              <a:xfrm>
+                <a:off x="1141413" y="3425577"/>
+                <a:ext cx="2815193" cy="790153"/>
+              </a:xfrm>
+              <a:prstGeom prst="rect">
+                <a:avLst/>
+              </a:prstGeom>
+              <a:blipFill>
+                <a:blip r:embed="rId3"/>
+                <a:stretch>
+                  <a:fillRect/>
+                </a:stretch>
+              </a:blipFill>
+            </p:spPr>
+            <p:txBody>
+              <a:bodyPr/>
+              <a:lstStyle/>
+              <a:p>
+                <a:r>
+                  <a:rPr lang="en-US">
+                    <a:noFill/>
+                  </a:rPr>
+                  <a:t> </a:t>
+                </a:r>
+              </a:p>
+            </p:txBody>
+          </p:sp>
+        </mc:Fallback>
+      </mc:AlternateContent>
+      <p:pic>
+        <p:nvPicPr>
+          <p:cNvPr id="6146" name="Picture 2" descr="https://www.statisticshowto.com/wp-content/uploads/2016/08/ROC-curve.png"/>
+          <p:cNvPicPr>
+            <a:picLocks noChangeAspect="1" noChangeArrowheads="1"/>
+          </p:cNvPicPr>
+          <p:nvPr/>
+        </p:nvPicPr>
+        <p:blipFill>
+          <a:blip r:embed="rId4">
+            <a:extLst>
+              <a:ext uri="{28A0092B-C50C-407E-A947-70E740481C1C}">
+                <a14:useLocalDpi xmlns:a14="http://schemas.microsoft.com/office/drawing/2010/main" val="0"/>
+              </a:ext>
+            </a:extLst>
+          </a:blip>
+          <a:srcRect/>
+          <a:stretch>
+            <a:fillRect/>
+          </a:stretch>
+        </p:blipFill>
+        <p:spPr bwMode="auto">
+          <a:xfrm>
+            <a:off x="4480687" y="1866657"/>
+            <a:ext cx="6566724" cy="4698145"/>
+          </a:xfrm>
+          <a:prstGeom prst="rect">
+            <a:avLst/>
+          </a:prstGeom>
+          <a:noFill/>
+          <a:extLst>
+            <a:ext uri="{909E8E84-426E-40DD-AFC4-6F175D3DCCD1}">
+              <a14:hiddenFill xmlns:a14="http://schemas.microsoft.com/office/drawing/2010/main">
+                <a:solidFill>
+                  <a:srgbClr val="FFFFFF"/>
+                </a:solidFill>
+              </a14:hiddenFill>
+            </a:ext>
+          </a:extLst>
+        </p:spPr>
+      </p:pic>
+    </p:spTree>
+    <p:extLst>
+      <p:ext uri="{BB962C8B-B14F-4D97-AF65-F5344CB8AC3E}">
+        <p14:creationId xmlns:p14="http://schemas.microsoft.com/office/powerpoint/2010/main" val="2899321124"/>
+      </p:ext>
+    </p:extLst>
+  </p:cSld>
+  <p:clrMapOvr>
+    <a:masterClrMapping/>
+  </p:clrMapOvr>
+  <p:timing>
+    <p:tnLst>
+      <p:par>
+        <p:cTn id="1" dur="indefinite" restart="never" nodeType="tmRoot"/>
+      </p:par>
+    </p:tnLst>
+  </p:timing>
+</p:sld>
+</file>
+
+<file path=ppt/slides/slide23.xml><?xml version="1.0" encoding="utf-8"?>
+<p:sld xmlns:a="http://schemas.openxmlformats.org/drawingml/2006/main" xmlns:r="http://schemas.openxmlformats.org/officeDocument/2006/relationships" xmlns:p="http://schemas.openxmlformats.org/presentationml/2006/main">
+  <p:cSld>
+    <p:spTree>
+      <p:nvGrpSpPr>
+        <p:cNvPr id="1" name=""/>
+        <p:cNvGrpSpPr/>
+        <p:nvPr/>
+      </p:nvGrpSpPr>
+      <p:grpSpPr>
+        <a:xfrm>
+          <a:off x="0" y="0"/>
+          <a:ext cx="0" cy="0"/>
+          <a:chOff x="0" y="0"/>
+          <a:chExt cx="0" cy="0"/>
+        </a:xfrm>
+      </p:grpSpPr>
+      <p:sp>
+        <p:nvSpPr>
+          <p:cNvPr id="2" name="Title 1"/>
+          <p:cNvSpPr>
+            <a:spLocks noGrp="1"/>
+          </p:cNvSpPr>
+          <p:nvPr>
+            <p:ph type="title"/>
+          </p:nvPr>
+        </p:nvSpPr>
+        <p:spPr/>
+        <p:txBody>
+          <a:bodyPr/>
+          <a:lstStyle/>
+          <a:p>
+            <a:r>
+              <a:rPr lang="en-US" dirty="0" smtClean="0"/>
+              <a:t>Confusion matrix</a:t>
+            </a:r>
+            <a:endParaRPr lang="en-US" dirty="0"/>
+          </a:p>
+        </p:txBody>
+      </p:sp>
+      <p:pic>
+        <p:nvPicPr>
+          <p:cNvPr id="10242" name="Picture 2" descr="https://i.imgur.com/Ump2g7a.png"/>
+          <p:cNvPicPr>
+            <a:picLocks noChangeAspect="1" noChangeArrowheads="1"/>
+          </p:cNvPicPr>
+          <p:nvPr/>
+        </p:nvPicPr>
+        <p:blipFill>
+          <a:blip r:embed="rId2">
+            <a:extLst>
+              <a:ext uri="{28A0092B-C50C-407E-A947-70E740481C1C}">
+                <a14:useLocalDpi xmlns:a14="http://schemas.microsoft.com/office/drawing/2010/main" val="0"/>
+              </a:ext>
+            </a:extLst>
+          </a:blip>
+          <a:srcRect/>
+          <a:stretch>
+            <a:fillRect/>
+          </a:stretch>
+        </p:blipFill>
+        <p:spPr bwMode="auto">
+          <a:xfrm>
+            <a:off x="2560446" y="1902586"/>
+            <a:ext cx="6229265" cy="4671949"/>
+          </a:xfrm>
+          <a:prstGeom prst="rect">
+            <a:avLst/>
+          </a:prstGeom>
+          <a:noFill/>
+          <a:extLst>
+            <a:ext uri="{909E8E84-426E-40DD-AFC4-6F175D3DCCD1}">
+              <a14:hiddenFill xmlns:a14="http://schemas.microsoft.com/office/drawing/2010/main">
+                <a:solidFill>
+                  <a:srgbClr val="FFFFFF"/>
+                </a:solidFill>
+              </a14:hiddenFill>
+            </a:ext>
+          </a:extLst>
+        </p:spPr>
+      </p:pic>
+    </p:spTree>
+    <p:extLst>
+      <p:ext uri="{BB962C8B-B14F-4D97-AF65-F5344CB8AC3E}">
+        <p14:creationId xmlns:p14="http://schemas.microsoft.com/office/powerpoint/2010/main" val="1622719328"/>
+      </p:ext>
+    </p:extLst>
+  </p:cSld>
+  <p:clrMapOvr>
+    <a:masterClrMapping/>
+  </p:clrMapOvr>
+  <p:timing>
+    <p:tnLst>
+      <p:par>
+        <p:cTn id="1" dur="indefinite" restart="never" nodeType="tmRoot"/>
+      </p:par>
+    </p:tnLst>
+  </p:timing>
+</p:sld>
+</file>
+
+<file path=ppt/slides/slide24.xml><?xml version="1.0" encoding="utf-8"?>
+<p:sld xmlns:a="http://schemas.openxmlformats.org/drawingml/2006/main" xmlns:r="http://schemas.openxmlformats.org/officeDocument/2006/relationships" xmlns:p="http://schemas.openxmlformats.org/presentationml/2006/main">
+  <p:cSld>
+    <p:spTree>
+      <p:nvGrpSpPr>
+        <p:cNvPr id="1" name=""/>
+        <p:cNvGrpSpPr/>
+        <p:nvPr/>
+      </p:nvGrpSpPr>
+      <p:grpSpPr>
+        <a:xfrm>
+          <a:off x="0" y="0"/>
+          <a:ext cx="0" cy="0"/>
+          <a:chOff x="0" y="0"/>
+          <a:chExt cx="0" cy="0"/>
+        </a:xfrm>
+      </p:grpSpPr>
+      <p:sp>
+        <p:nvSpPr>
+          <p:cNvPr id="2" name="Title 1"/>
+          <p:cNvSpPr>
+            <a:spLocks noGrp="1"/>
+          </p:cNvSpPr>
+          <p:nvPr>
+            <p:ph type="title"/>
+          </p:nvPr>
+        </p:nvSpPr>
+        <p:spPr/>
+        <p:txBody>
+          <a:bodyPr/>
+          <a:lstStyle/>
+          <a:p>
+            <a:r>
+              <a:rPr lang="en-US" dirty="0"/>
+              <a:t>Performance measures</a:t>
+            </a:r>
+          </a:p>
+        </p:txBody>
+      </p:sp>
+      <p:pic>
+        <p:nvPicPr>
+          <p:cNvPr id="4" name="Picture 3"/>
+          <p:cNvPicPr>
+            <a:picLocks noChangeAspect="1"/>
+          </p:cNvPicPr>
+          <p:nvPr/>
+        </p:nvPicPr>
+        <p:blipFill>
+          <a:blip r:embed="rId2"/>
+          <a:stretch>
+            <a:fillRect/>
+          </a:stretch>
+        </p:blipFill>
+        <p:spPr>
+          <a:xfrm>
+            <a:off x="1886712" y="2097088"/>
+            <a:ext cx="8205348" cy="4511643"/>
+          </a:xfrm>
+          <a:prstGeom prst="rect">
+            <a:avLst/>
+          </a:prstGeom>
+        </p:spPr>
+      </p:pic>
+    </p:spTree>
+    <p:extLst>
+      <p:ext uri="{BB962C8B-B14F-4D97-AF65-F5344CB8AC3E}">
+        <p14:creationId xmlns:p14="http://schemas.microsoft.com/office/powerpoint/2010/main" val="1540258414"/>
+      </p:ext>
+    </p:extLst>
+  </p:cSld>
+  <p:clrMapOvr>
+    <a:masterClrMapping/>
+  </p:clrMapOvr>
+  <p:timing>
+    <p:tnLst>
+      <p:par>
+        <p:cTn id="1" dur="indefinite" restart="never" nodeType="tmRoot"/>
+      </p:par>
+    </p:tnLst>
+  </p:timing>
+</p:sld>
+</file>
+
+<file path=ppt/slides/slide25.xml><?xml version="1.0" encoding="utf-8"?>
+<p:sld xmlns:a="http://schemas.openxmlformats.org/drawingml/2006/main" xmlns:r="http://schemas.openxmlformats.org/officeDocument/2006/relationships" xmlns:p="http://schemas.openxmlformats.org/presentationml/2006/main">
+  <p:cSld>
+    <p:spTree>
+      <p:nvGrpSpPr>
+        <p:cNvPr id="1" name=""/>
+        <p:cNvGrpSpPr/>
+        <p:nvPr/>
+      </p:nvGrpSpPr>
+      <p:grpSpPr>
+        <a:xfrm>
+          <a:off x="0" y="0"/>
+          <a:ext cx="0" cy="0"/>
+          <a:chOff x="0" y="0"/>
+          <a:chExt cx="0" cy="0"/>
+        </a:xfrm>
+      </p:grpSpPr>
+      <p:sp>
+        <p:nvSpPr>
+          <p:cNvPr id="2" name="Title 1"/>
+          <p:cNvSpPr>
+            <a:spLocks noGrp="1"/>
+          </p:cNvSpPr>
+          <p:nvPr>
+            <p:ph type="title"/>
+          </p:nvPr>
+        </p:nvSpPr>
+        <p:spPr/>
+        <p:txBody>
+          <a:bodyPr/>
+          <a:lstStyle/>
+          <a:p>
+            <a:r>
+              <a:rPr lang="en-US" dirty="0" smtClean="0"/>
+              <a:t>Regularization</a:t>
+            </a:r>
+            <a:endParaRPr lang="en-US" dirty="0"/>
+          </a:p>
+        </p:txBody>
+      </p:sp>
+      <p:pic>
+        <p:nvPicPr>
+          <p:cNvPr id="1026" name="Picture 2" descr="https://upload.wikimedia.org/wikipedia/commons/thumb/0/02/Regularization.svg/1200px-Regularization.svg.png"/>
+          <p:cNvPicPr>
+            <a:picLocks noChangeAspect="1" noChangeArrowheads="1"/>
+          </p:cNvPicPr>
+          <p:nvPr/>
+        </p:nvPicPr>
+        <p:blipFill>
+          <a:blip r:embed="rId2" cstate="print">
+            <a:extLst>
+              <a:ext uri="{28A0092B-C50C-407E-A947-70E740481C1C}">
+                <a14:useLocalDpi xmlns:a14="http://schemas.microsoft.com/office/drawing/2010/main" val="0"/>
+              </a:ext>
+            </a:extLst>
+          </a:blip>
+          <a:srcRect/>
+          <a:stretch>
+            <a:fillRect/>
+          </a:stretch>
+        </p:blipFill>
+        <p:spPr bwMode="auto">
+          <a:xfrm>
+            <a:off x="3368040" y="1869439"/>
+            <a:ext cx="4384040" cy="4223292"/>
+          </a:xfrm>
+          <a:prstGeom prst="rect">
+            <a:avLst/>
+          </a:prstGeom>
+          <a:solidFill>
+            <a:srgbClr val="FFFFFF">
+              <a:shade val="85000"/>
+            </a:srgbClr>
+          </a:solidFill>
+          <a:ln w="88900" cap="sq">
+            <a:solidFill>
+              <a:srgbClr val="FFFFFF"/>
+            </a:solidFill>
+            <a:miter lim="800000"/>
+          </a:ln>
+          <a:effectLst>
+            <a:outerShdw blurRad="55000" dist="18000" dir="5400000" algn="tl" rotWithShape="0">
+              <a:srgbClr val="000000">
+                <a:alpha val="40000"/>
+              </a:srgbClr>
+            </a:outerShdw>
+          </a:effectLst>
+          <a:scene3d>
+            <a:camera prst="orthographicFront"/>
+            <a:lightRig rig="twoPt" dir="t">
+              <a:rot lat="0" lon="0" rev="7200000"/>
+            </a:lightRig>
+          </a:scene3d>
+          <a:sp3d>
+            <a:bevelT w="25400" h="19050"/>
+            <a:contourClr>
+              <a:srgbClr val="FFFFFF"/>
+            </a:contourClr>
+          </a:sp3d>
+          <a:extLst/>
+        </p:spPr>
+      </p:pic>
+    </p:spTree>
+    <p:extLst>
+      <p:ext uri="{BB962C8B-B14F-4D97-AF65-F5344CB8AC3E}">
+        <p14:creationId xmlns:p14="http://schemas.microsoft.com/office/powerpoint/2010/main" val="3659170283"/>
+      </p:ext>
+    </p:extLst>
+  </p:cSld>
+  <p:clrMapOvr>
+    <a:masterClrMapping/>
+  </p:clrMapOvr>
+</p:sld>
+</file>
+
+<file path=ppt/slides/slide26.xml><?xml version="1.0" encoding="utf-8"?>
+<p:sld xmlns:a="http://schemas.openxmlformats.org/drawingml/2006/main" xmlns:r="http://schemas.openxmlformats.org/officeDocument/2006/relationships" xmlns:p="http://schemas.openxmlformats.org/presentationml/2006/main">
+  <p:cSld>
+    <p:spTree>
+      <p:nvGrpSpPr>
+        <p:cNvPr id="1" name=""/>
+        <p:cNvGrpSpPr/>
+        <p:nvPr/>
+      </p:nvGrpSpPr>
+      <p:grpSpPr>
+        <a:xfrm>
+          <a:off x="0" y="0"/>
+          <a:ext cx="0" cy="0"/>
+          <a:chOff x="0" y="0"/>
+          <a:chExt cx="0" cy="0"/>
+        </a:xfrm>
+      </p:grpSpPr>
+      <p:sp>
+        <p:nvSpPr>
+          <p:cNvPr id="2" name="Title 1"/>
+          <p:cNvSpPr>
+            <a:spLocks noGrp="1"/>
+          </p:cNvSpPr>
+          <p:nvPr>
+            <p:ph type="title"/>
+          </p:nvPr>
+        </p:nvSpPr>
+        <p:spPr/>
+        <p:txBody>
+          <a:bodyPr/>
+          <a:lstStyle/>
+          <a:p>
+            <a:r>
+              <a:rPr lang="en-US" dirty="0" smtClean="0"/>
+              <a:t>Regularizations</a:t>
+            </a:r>
+            <a:endParaRPr lang="en-US" dirty="0"/>
+          </a:p>
+        </p:txBody>
+      </p:sp>
+      <p:sp>
+        <p:nvSpPr>
+          <p:cNvPr id="3" name="Content Placeholder 2"/>
+          <p:cNvSpPr>
+            <a:spLocks noGrp="1"/>
+          </p:cNvSpPr>
+          <p:nvPr>
+            <p:ph idx="1"/>
+          </p:nvPr>
+        </p:nvSpPr>
+        <p:spPr/>
+        <p:txBody>
+          <a:bodyPr/>
+          <a:lstStyle/>
+          <a:p>
+            <a:r>
+              <a:rPr lang="en-US" smtClean="0"/>
+              <a:t>What </a:t>
+            </a:r>
+            <a:r>
+              <a:rPr lang="en-US" smtClean="0"/>
+              <a:t>causes </a:t>
+            </a:r>
+            <a:r>
+              <a:rPr lang="en-US" dirty="0" smtClean="0"/>
+              <a:t>overfitting:</a:t>
+            </a:r>
+          </a:p>
+          <a:p>
+            <a:pPr lvl="1"/>
+            <a:r>
+              <a:rPr lang="en-US" dirty="0" smtClean="0"/>
+              <a:t>Large weights (large derivatives)</a:t>
+            </a:r>
+            <a:endParaRPr lang="en-US" dirty="0"/>
+          </a:p>
+          <a:p>
+            <a:pPr lvl="1"/>
+            <a:r>
+              <a:rPr lang="en-US" dirty="0"/>
+              <a:t>Many </a:t>
+            </a:r>
+            <a:r>
+              <a:rPr lang="en-US" dirty="0" smtClean="0"/>
+              <a:t>features</a:t>
+            </a:r>
+          </a:p>
+          <a:p>
+            <a:pPr lvl="1"/>
+            <a:r>
+              <a:rPr lang="en-US" dirty="0" smtClean="0"/>
+              <a:t>Model trained too much</a:t>
+            </a:r>
+          </a:p>
+          <a:p>
+            <a:pPr lvl="1"/>
+            <a:r>
+              <a:rPr lang="en-US" dirty="0" smtClean="0"/>
+              <a:t>Powerful model</a:t>
+            </a:r>
+          </a:p>
+          <a:p>
+            <a:r>
+              <a:rPr lang="en-US" sz="2000" dirty="0"/>
+              <a:t>Regularizations are techniques used to </a:t>
+            </a:r>
+            <a:r>
+              <a:rPr lang="en-US" sz="2000" dirty="0" smtClean="0"/>
+              <a:t>avoid </a:t>
+            </a:r>
+            <a:r>
+              <a:rPr lang="en-US" sz="2000" dirty="0"/>
+              <a:t>overfitting.</a:t>
+            </a:r>
+            <a:endParaRPr lang="en-US" sz="2000" dirty="0"/>
+          </a:p>
+        </p:txBody>
+      </p:sp>
+    </p:spTree>
+    <p:extLst>
+      <p:ext uri="{BB962C8B-B14F-4D97-AF65-F5344CB8AC3E}">
+        <p14:creationId xmlns:p14="http://schemas.microsoft.com/office/powerpoint/2010/main" val="3240792910"/>
+      </p:ext>
+    </p:extLst>
+  </p:cSld>
+  <p:clrMapOvr>
+    <a:masterClrMapping/>
+  </p:clrMapOvr>
+</p:sld>
+</file>
+
+<file path=ppt/slides/slide27.xml><?xml version="1.0" encoding="utf-8"?>
+<p:sld xmlns:a="http://schemas.openxmlformats.org/drawingml/2006/main" xmlns:r="http://schemas.openxmlformats.org/officeDocument/2006/relationships" xmlns:p="http://schemas.openxmlformats.org/presentationml/2006/main">
+  <p:cSld>
+    <p:spTree>
+      <p:nvGrpSpPr>
+        <p:cNvPr id="1" name=""/>
+        <p:cNvGrpSpPr/>
+        <p:nvPr/>
+      </p:nvGrpSpPr>
+      <p:grpSpPr>
+        <a:xfrm>
+          <a:off x="0" y="0"/>
+          <a:ext cx="0" cy="0"/>
+          <a:chOff x="0" y="0"/>
+          <a:chExt cx="0" cy="0"/>
+        </a:xfrm>
+      </p:grpSpPr>
+      <p:sp>
+        <p:nvSpPr>
+          <p:cNvPr id="2" name="Title 1"/>
+          <p:cNvSpPr>
+            <a:spLocks noGrp="1"/>
+          </p:cNvSpPr>
+          <p:nvPr>
+            <p:ph type="title"/>
+          </p:nvPr>
+        </p:nvSpPr>
+        <p:spPr/>
+        <p:txBody>
+          <a:bodyPr/>
+          <a:lstStyle/>
+          <a:p>
+            <a:r>
+              <a:rPr lang="en-US" dirty="0" smtClean="0"/>
+              <a:t>Regularizations</a:t>
+            </a:r>
+            <a:endParaRPr lang="en-US" dirty="0"/>
+          </a:p>
+        </p:txBody>
+      </p:sp>
+      <p:sp>
+        <p:nvSpPr>
+          <p:cNvPr id="3" name="Content Placeholder 2"/>
+          <p:cNvSpPr>
+            <a:spLocks noGrp="1"/>
+          </p:cNvSpPr>
+          <p:nvPr>
+            <p:ph idx="1"/>
+          </p:nvPr>
+        </p:nvSpPr>
+        <p:spPr>
+          <a:xfrm>
+            <a:off x="1141412" y="2249486"/>
+            <a:ext cx="9905999" cy="3917633"/>
+          </a:xfrm>
+        </p:spPr>
+        <p:txBody>
+          <a:bodyPr>
+            <a:normAutofit lnSpcReduction="10000"/>
+          </a:bodyPr>
+          <a:lstStyle/>
+          <a:p>
+            <a:r>
+              <a:rPr lang="en-US" dirty="0"/>
+              <a:t>Large weights (large derivatives</a:t>
+            </a:r>
+            <a:r>
+              <a:rPr lang="en-US" dirty="0" smtClean="0"/>
+              <a:t>)</a:t>
+            </a:r>
+          </a:p>
+          <a:p>
+            <a:pPr lvl="1"/>
+            <a:r>
+              <a:rPr lang="en-US" dirty="0" smtClean="0"/>
+              <a:t>L2 regularization</a:t>
+            </a:r>
+            <a:endParaRPr lang="en-US" dirty="0"/>
+          </a:p>
+          <a:p>
+            <a:r>
+              <a:rPr lang="en-US" dirty="0"/>
+              <a:t>Many features</a:t>
+            </a:r>
+          </a:p>
+          <a:p>
+            <a:pPr lvl="1"/>
+            <a:r>
+              <a:rPr lang="en-US" dirty="0"/>
+              <a:t>L1 </a:t>
+            </a:r>
+            <a:r>
+              <a:rPr lang="en-US" dirty="0" smtClean="0"/>
+              <a:t>regularization</a:t>
+            </a:r>
+          </a:p>
+          <a:p>
+            <a:r>
+              <a:rPr lang="en-US" dirty="0" smtClean="0"/>
+              <a:t>Model </a:t>
+            </a:r>
+            <a:r>
+              <a:rPr lang="en-US" dirty="0"/>
+              <a:t>trained too </a:t>
+            </a:r>
+            <a:r>
+              <a:rPr lang="en-US" dirty="0" smtClean="0"/>
+              <a:t>much</a:t>
+            </a:r>
+          </a:p>
+          <a:p>
+            <a:pPr lvl="1"/>
+            <a:r>
+              <a:rPr lang="en-US" dirty="0" smtClean="0"/>
+              <a:t>Early stopping</a:t>
+            </a:r>
+          </a:p>
+          <a:p>
+            <a:r>
+              <a:rPr lang="en-US" dirty="0" smtClean="0"/>
+              <a:t>Powerful </a:t>
+            </a:r>
+            <a:r>
+              <a:rPr lang="en-US" dirty="0"/>
+              <a:t>model</a:t>
+            </a:r>
+          </a:p>
+          <a:p>
+            <a:pPr lvl="1"/>
+            <a:r>
+              <a:rPr lang="en-US" dirty="0" smtClean="0"/>
+              <a:t>dropout</a:t>
+            </a:r>
+            <a:endParaRPr lang="en-US" dirty="0"/>
+          </a:p>
+        </p:txBody>
+      </p:sp>
+    </p:spTree>
+    <p:extLst>
+      <p:ext uri="{BB962C8B-B14F-4D97-AF65-F5344CB8AC3E}">
+        <p14:creationId xmlns:p14="http://schemas.microsoft.com/office/powerpoint/2010/main" val="3899592418"/>
+      </p:ext>
+    </p:extLst>
+  </p:cSld>
+  <p:clrMapOvr>
+    <a:masterClrMapping/>
+  </p:clrMapOvr>
+</p:sld>
+</file>
+
+<file path=ppt/slides/slide28.xml><?xml version="1.0" encoding="utf-8"?>
+<p:sld xmlns:a="http://schemas.openxmlformats.org/drawingml/2006/main" xmlns:r="http://schemas.openxmlformats.org/officeDocument/2006/relationships" xmlns:p="http://schemas.openxmlformats.org/presentationml/2006/main">
+  <p:cSld>
+    <p:spTree>
+      <p:nvGrpSpPr>
+        <p:cNvPr id="1" name=""/>
+        <p:cNvGrpSpPr/>
+        <p:nvPr/>
+      </p:nvGrpSpPr>
+      <p:grpSpPr>
+        <a:xfrm>
+          <a:off x="0" y="0"/>
+          <a:ext cx="0" cy="0"/>
+          <a:chOff x="0" y="0"/>
+          <a:chExt cx="0" cy="0"/>
+        </a:xfrm>
+      </p:grpSpPr>
+      <p:sp>
+        <p:nvSpPr>
+          <p:cNvPr id="2" name="Title 1"/>
+          <p:cNvSpPr>
+            <a:spLocks noGrp="1"/>
+          </p:cNvSpPr>
+          <p:nvPr>
+            <p:ph type="title"/>
+          </p:nvPr>
+        </p:nvSpPr>
+        <p:spPr/>
+        <p:txBody>
+          <a:bodyPr/>
+          <a:lstStyle/>
+          <a:p>
+            <a:r>
+              <a:rPr lang="en-US" dirty="0"/>
+              <a:t>L2 </a:t>
+            </a:r>
+            <a:r>
+              <a:rPr lang="en-US" dirty="0" smtClean="0"/>
+              <a:t>regularization</a:t>
+            </a:r>
+            <a:endParaRPr lang="en-US" dirty="0"/>
+          </a:p>
+        </p:txBody>
+      </p:sp>
+      <p:sp>
+        <p:nvSpPr>
+          <p:cNvPr id="3" name="Content Placeholder 2"/>
+          <p:cNvSpPr>
+            <a:spLocks noGrp="1"/>
+          </p:cNvSpPr>
+          <p:nvPr>
+            <p:ph idx="1"/>
+          </p:nvPr>
+        </p:nvSpPr>
+        <p:spPr/>
+        <p:txBody>
+          <a:bodyPr/>
+          <a:lstStyle/>
+          <a:p>
+            <a:r>
+              <a:rPr lang="en-US" dirty="0"/>
+              <a:t>Large </a:t>
+            </a:r>
+            <a:r>
+              <a:rPr lang="en-US" dirty="0" smtClean="0"/>
+              <a:t>weights</a:t>
+            </a:r>
+          </a:p>
+          <a:p>
+            <a:pPr lvl="1"/>
+            <a:r>
+              <a:rPr lang="en-US" dirty="0" smtClean="0"/>
+              <a:t>So force model to chose small weights</a:t>
+            </a:r>
+          </a:p>
+          <a:p>
+            <a:r>
+              <a:rPr lang="en-US" dirty="0" smtClean="0"/>
+              <a:t>ridge regression</a:t>
+            </a:r>
+            <a:endParaRPr lang="en-US" dirty="0"/>
+          </a:p>
+        </p:txBody>
+      </p:sp>
+      <mc:AlternateContent xmlns:mc="http://schemas.openxmlformats.org/markup-compatibility/2006" xmlns:a14="http://schemas.microsoft.com/office/drawing/2010/main">
+        <mc:Choice Requires="a14">
+          <p:sp>
+            <p:nvSpPr>
+              <p:cNvPr id="4" name="TextBox 3"/>
+              <p:cNvSpPr txBox="1"/>
+              <p:nvPr/>
+            </p:nvSpPr>
+            <p:spPr>
+              <a:xfrm>
+                <a:off x="8324804" y="1606147"/>
+                <a:ext cx="2172903" cy="2820516"/>
+              </a:xfrm>
+              <a:prstGeom prst="rect">
+                <a:avLst/>
+              </a:prstGeom>
+              <a:noFill/>
+            </p:spPr>
+            <p:txBody>
+              <a:bodyPr wrap="none" lIns="0" tIns="0" rIns="0" bIns="0" rtlCol="0">
+                <a:spAutoFit/>
+              </a:bodyPr>
+              <a:lstStyle/>
+              <a:p>
+                <a:pPr/>
+                <a14:m>
+                  <m:oMathPara xmlns:m="http://schemas.openxmlformats.org/officeDocument/2006/math">
+                    <m:oMathParaPr>
+                      <m:jc m:val="centerGroup"/>
+                    </m:oMathParaPr>
+                    <m:oMath xmlns:m="http://schemas.openxmlformats.org/officeDocument/2006/math">
+                      <m:acc>
+                        <m:accPr>
+                          <m:chr m:val="̂"/>
+                          <m:ctrlPr>
+                            <a:rPr lang="en-US" sz="2400" i="1" smtClean="0">
+                              <a:latin typeface="Cambria Math" panose="02040503050406030204" pitchFamily="18" charset="0"/>
+                            </a:rPr>
+                          </m:ctrlPr>
+                        </m:accPr>
+                        <m:e>
+                          <m:r>
+                            <a:rPr lang="en-US" sz="2400" b="0" i="1" smtClean="0">
+                              <a:latin typeface="Cambria Math" panose="02040503050406030204" pitchFamily="18" charset="0"/>
+                            </a:rPr>
+                            <m:t>𝐽</m:t>
+                          </m:r>
+                        </m:e>
+                      </m:acc>
+                      <m:r>
+                        <a:rPr lang="en-US" sz="2400" b="0" i="1" smtClean="0">
+                          <a:latin typeface="Cambria Math" panose="02040503050406030204" pitchFamily="18" charset="0"/>
+                        </a:rPr>
+                        <m:t>=</m:t>
+                      </m:r>
+                      <m:r>
+                        <a:rPr lang="en-US" sz="2400" b="0" i="1" smtClean="0">
+                          <a:latin typeface="Cambria Math" panose="02040503050406030204" pitchFamily="18" charset="0"/>
+                        </a:rPr>
+                        <m:t>𝐽</m:t>
+                      </m:r>
+                      <m:r>
+                        <a:rPr lang="en-US" sz="2400" b="0" i="1" smtClean="0">
+                          <a:latin typeface="Cambria Math" panose="02040503050406030204" pitchFamily="18" charset="0"/>
+                        </a:rPr>
+                        <m:t>+</m:t>
+                      </m:r>
+                      <m:r>
+                        <a:rPr lang="en-US" sz="2400" b="0" i="1" smtClean="0">
+                          <a:latin typeface="Cambria Math" panose="02040503050406030204" pitchFamily="18" charset="0"/>
+                        </a:rPr>
+                        <m:t>𝛼</m:t>
+                      </m:r>
+                      <m:nary>
+                        <m:naryPr>
+                          <m:chr m:val="∑"/>
+                          <m:ctrlPr>
+                            <a:rPr lang="en-US" sz="2400" b="0" i="1" smtClean="0">
+                              <a:latin typeface="Cambria Math" panose="02040503050406030204" pitchFamily="18" charset="0"/>
+                            </a:rPr>
+                          </m:ctrlPr>
+                        </m:naryPr>
+                        <m:sub>
+                          <m:r>
+                            <m:rPr>
+                              <m:brk m:alnAt="23"/>
+                            </m:rPr>
+                            <a:rPr lang="en-US" sz="2400" b="0" i="1" smtClean="0">
+                              <a:latin typeface="Cambria Math" panose="02040503050406030204" pitchFamily="18" charset="0"/>
+                            </a:rPr>
+                            <m:t>𝑖</m:t>
+                          </m:r>
+                          <m:r>
+                            <a:rPr lang="en-US" sz="2400" b="0" i="1" smtClean="0">
+                              <a:latin typeface="Cambria Math" panose="02040503050406030204" pitchFamily="18" charset="0"/>
+                            </a:rPr>
+                            <m:t>=1</m:t>
+                          </m:r>
+                        </m:sub>
+                        <m:sup>
+                          <m:r>
+                            <a:rPr lang="en-US" sz="2400" b="0" i="1" smtClean="0">
+                              <a:latin typeface="Cambria Math" panose="02040503050406030204" pitchFamily="18" charset="0"/>
+                            </a:rPr>
+                            <m:t>𝑀</m:t>
+                          </m:r>
+                        </m:sup>
+                        <m:e>
+                          <m:sSubSup>
+                            <m:sSubSupPr>
+                              <m:ctrlPr>
+                                <a:rPr lang="en-US" sz="2400" b="0" i="1" smtClean="0">
+                                  <a:latin typeface="Cambria Math" panose="02040503050406030204" pitchFamily="18" charset="0"/>
+                                </a:rPr>
+                              </m:ctrlPr>
+                            </m:sSubSupPr>
+                            <m:e>
+                              <m:r>
+                                <a:rPr lang="en-US" sz="2400" b="0" i="1" smtClean="0">
+                                  <a:latin typeface="Cambria Math" panose="02040503050406030204" pitchFamily="18" charset="0"/>
+                                </a:rPr>
+                                <m:t>𝑤</m:t>
+                              </m:r>
+                            </m:e>
+                            <m:sub>
+                              <m:r>
+                                <a:rPr lang="en-US" sz="2400" b="0" i="1" smtClean="0">
+                                  <a:latin typeface="Cambria Math" panose="02040503050406030204" pitchFamily="18" charset="0"/>
+                                </a:rPr>
+                                <m:t>𝑖</m:t>
+                              </m:r>
+                            </m:sub>
+                            <m:sup>
+                              <m:r>
+                                <a:rPr lang="en-US" sz="2400" b="0" i="1" smtClean="0">
+                                  <a:latin typeface="Cambria Math" panose="02040503050406030204" pitchFamily="18" charset="0"/>
+                                </a:rPr>
+                                <m:t>2</m:t>
+                              </m:r>
+                            </m:sup>
+                          </m:sSubSup>
+                        </m:e>
+                      </m:nary>
+                    </m:oMath>
+                  </m:oMathPara>
+                </a14:m>
+                <a:endParaRPr lang="en-US" sz="2400" b="0" i="1" dirty="0" smtClean="0">
+                  <a:latin typeface="Cambria Math" panose="02040503050406030204" pitchFamily="18" charset="0"/>
+                </a:endParaRPr>
+              </a:p>
+              <a:p>
+                <a:pPr/>
+                <a14:m>
+                  <m:oMathPara xmlns:m="http://schemas.openxmlformats.org/officeDocument/2006/math">
+                    <m:oMathParaPr>
+                      <m:jc m:val="centerGroup"/>
+                    </m:oMathParaPr>
+                    <m:oMath xmlns:m="http://schemas.openxmlformats.org/officeDocument/2006/math">
+                      <m:r>
+                        <a:rPr lang="en-US" sz="2400" b="0" i="1" smtClean="0">
+                          <a:latin typeface="Cambria Math" panose="02040503050406030204" pitchFamily="18" charset="0"/>
+                        </a:rPr>
+                        <m:t>=</m:t>
+                      </m:r>
+                      <m:r>
+                        <a:rPr lang="en-US" sz="2000" i="1">
+                          <a:latin typeface="Cambria Math" panose="02040503050406030204" pitchFamily="18" charset="0"/>
+                        </a:rPr>
+                        <m:t>𝐽</m:t>
+                      </m:r>
+                      <m:r>
+                        <a:rPr lang="en-US" sz="2000" i="1">
+                          <a:latin typeface="Cambria Math" panose="02040503050406030204" pitchFamily="18" charset="0"/>
+                        </a:rPr>
+                        <m:t>+</m:t>
+                      </m:r>
+                      <m:r>
+                        <a:rPr lang="en-US" sz="2000" b="0" i="1" smtClean="0">
+                          <a:latin typeface="Cambria Math" panose="02040503050406030204" pitchFamily="18" charset="0"/>
+                        </a:rPr>
+                        <m:t>𝜆</m:t>
+                      </m:r>
+                      <m:nary>
+                        <m:naryPr>
+                          <m:chr m:val="∑"/>
+                          <m:ctrlPr>
+                            <a:rPr lang="en-US" sz="2000" i="1">
+                              <a:latin typeface="Cambria Math" panose="02040503050406030204" pitchFamily="18" charset="0"/>
+                            </a:rPr>
+                          </m:ctrlPr>
+                        </m:naryPr>
+                        <m:sub>
+                          <m:r>
+                            <m:rPr>
+                              <m:brk m:alnAt="23"/>
+                            </m:rPr>
+                            <a:rPr lang="en-US" sz="2000" i="1">
+                              <a:latin typeface="Cambria Math" panose="02040503050406030204" pitchFamily="18" charset="0"/>
+                            </a:rPr>
+                            <m:t>𝑖</m:t>
+                          </m:r>
+                          <m:r>
+                            <a:rPr lang="en-US" sz="2000" i="1">
+                              <a:latin typeface="Cambria Math" panose="02040503050406030204" pitchFamily="18" charset="0"/>
+                            </a:rPr>
+                            <m:t>=1</m:t>
+                          </m:r>
+                        </m:sub>
+                        <m:sup>
+                          <m:r>
+                            <a:rPr lang="en-US" sz="2000" i="1">
+                              <a:latin typeface="Cambria Math" panose="02040503050406030204" pitchFamily="18" charset="0"/>
+                            </a:rPr>
+                            <m:t>𝑀</m:t>
+                          </m:r>
+                        </m:sup>
+                        <m:e>
+                          <m:sSubSup>
+                            <m:sSubSupPr>
+                              <m:ctrlPr>
+                                <a:rPr lang="en-US" sz="2000" i="1">
+                                  <a:latin typeface="Cambria Math" panose="02040503050406030204" pitchFamily="18" charset="0"/>
+                                </a:rPr>
+                              </m:ctrlPr>
+                            </m:sSubSupPr>
+                            <m:e>
+                              <m:r>
+                                <a:rPr lang="en-US" sz="2000" i="1">
+                                  <a:latin typeface="Cambria Math" panose="02040503050406030204" pitchFamily="18" charset="0"/>
+                                </a:rPr>
+                                <m:t>𝑤</m:t>
+                              </m:r>
+                            </m:e>
+                            <m:sub>
+                              <m:r>
+                                <a:rPr lang="en-US" sz="2000" i="1">
+                                  <a:latin typeface="Cambria Math" panose="02040503050406030204" pitchFamily="18" charset="0"/>
+                                </a:rPr>
+                                <m:t>𝑖</m:t>
+                              </m:r>
+                            </m:sub>
+                            <m:sup>
+                              <m:r>
+                                <a:rPr lang="en-US" sz="2000" i="1">
+                                  <a:latin typeface="Cambria Math" panose="02040503050406030204" pitchFamily="18" charset="0"/>
+                                </a:rPr>
+                                <m:t>2</m:t>
+                              </m:r>
+                            </m:sup>
+                          </m:sSubSup>
+                        </m:e>
+                      </m:nary>
+                    </m:oMath>
+                  </m:oMathPara>
+                </a14:m>
+                <a:endParaRPr lang="en-US" sz="2000" i="1" dirty="0" smtClean="0">
+                  <a:latin typeface="Cambria Math" panose="02040503050406030204" pitchFamily="18" charset="0"/>
+                </a:endParaRPr>
+              </a:p>
+              <a:p>
+                <a:pPr/>
+                <a14:m>
+                  <m:oMathPara xmlns:m="http://schemas.openxmlformats.org/officeDocument/2006/math">
+                    <m:oMathParaPr>
+                      <m:jc m:val="centerGroup"/>
+                    </m:oMathParaPr>
+                    <m:oMath xmlns:m="http://schemas.openxmlformats.org/officeDocument/2006/math">
+                      <m:r>
+                        <a:rPr lang="en-US" sz="2000" b="0" i="1" smtClean="0">
+                          <a:latin typeface="Cambria Math" panose="02040503050406030204" pitchFamily="18" charset="0"/>
+                        </a:rPr>
+                        <m:t>=</m:t>
+                      </m:r>
+                      <m:r>
+                        <a:rPr lang="en-US" sz="2000" i="1">
+                          <a:latin typeface="Cambria Math" panose="02040503050406030204" pitchFamily="18" charset="0"/>
+                        </a:rPr>
+                        <m:t>𝐽</m:t>
+                      </m:r>
+                      <m:r>
+                        <a:rPr lang="en-US" sz="2000" i="1">
+                          <a:latin typeface="Cambria Math" panose="02040503050406030204" pitchFamily="18" charset="0"/>
+                        </a:rPr>
+                        <m:t>+</m:t>
+                      </m:r>
+                      <m:f>
+                        <m:fPr>
+                          <m:ctrlPr>
+                            <a:rPr lang="en-US" sz="2000" b="0" i="1" smtClean="0">
+                              <a:latin typeface="Cambria Math" panose="02040503050406030204" pitchFamily="18" charset="0"/>
+                            </a:rPr>
+                          </m:ctrlPr>
+                        </m:fPr>
+                        <m:num>
+                          <m:r>
+                            <a:rPr lang="en-US" sz="2000" b="0" i="1" smtClean="0">
+                              <a:latin typeface="Cambria Math" panose="02040503050406030204" pitchFamily="18" charset="0"/>
+                            </a:rPr>
+                            <m:t>1</m:t>
+                          </m:r>
+                        </m:num>
+                        <m:den>
+                          <m:r>
+                            <a:rPr lang="en-US" sz="2000" b="0" i="1" smtClean="0">
+                              <a:latin typeface="Cambria Math" panose="02040503050406030204" pitchFamily="18" charset="0"/>
+                            </a:rPr>
+                            <m:t>𝐶</m:t>
+                          </m:r>
+                        </m:den>
+                      </m:f>
+                      <m:nary>
+                        <m:naryPr>
+                          <m:chr m:val="∑"/>
+                          <m:ctrlPr>
+                            <a:rPr lang="en-US" sz="2000" i="1">
+                              <a:latin typeface="Cambria Math" panose="02040503050406030204" pitchFamily="18" charset="0"/>
+                            </a:rPr>
+                          </m:ctrlPr>
+                        </m:naryPr>
+                        <m:sub>
+                          <m:r>
+                            <m:rPr>
+                              <m:brk m:alnAt="23"/>
+                            </m:rPr>
+                            <a:rPr lang="en-US" sz="2000" i="1">
+                              <a:latin typeface="Cambria Math" panose="02040503050406030204" pitchFamily="18" charset="0"/>
+                            </a:rPr>
+                            <m:t>𝑖</m:t>
+                          </m:r>
+                          <m:r>
+                            <a:rPr lang="en-US" sz="2000" i="1">
+                              <a:latin typeface="Cambria Math" panose="02040503050406030204" pitchFamily="18" charset="0"/>
+                            </a:rPr>
+                            <m:t>=1</m:t>
+                          </m:r>
+                        </m:sub>
+                        <m:sup>
+                          <m:r>
+                            <a:rPr lang="en-US" sz="2000" i="1">
+                              <a:latin typeface="Cambria Math" panose="02040503050406030204" pitchFamily="18" charset="0"/>
+                            </a:rPr>
+                            <m:t>𝑀</m:t>
+                          </m:r>
+                        </m:sup>
+                        <m:e>
+                          <m:sSubSup>
+                            <m:sSubSupPr>
+                              <m:ctrlPr>
+                                <a:rPr lang="en-US" sz="2000" i="1">
+                                  <a:latin typeface="Cambria Math" panose="02040503050406030204" pitchFamily="18" charset="0"/>
+                                </a:rPr>
+                              </m:ctrlPr>
+                            </m:sSubSupPr>
+                            <m:e>
+                              <m:r>
+                                <a:rPr lang="en-US" sz="2000" i="1">
+                                  <a:latin typeface="Cambria Math" panose="02040503050406030204" pitchFamily="18" charset="0"/>
+                                </a:rPr>
+                                <m:t>𝑤</m:t>
+                              </m:r>
+                            </m:e>
+                            <m:sub>
+                              <m:r>
+                                <a:rPr lang="en-US" sz="2000" i="1">
+                                  <a:latin typeface="Cambria Math" panose="02040503050406030204" pitchFamily="18" charset="0"/>
+                                </a:rPr>
+                                <m:t>𝑖</m:t>
+                              </m:r>
+                            </m:sub>
+                            <m:sup>
+                              <m:r>
+                                <a:rPr lang="en-US" sz="2000" i="1">
+                                  <a:latin typeface="Cambria Math" panose="02040503050406030204" pitchFamily="18" charset="0"/>
+                                </a:rPr>
+                                <m:t>2</m:t>
+                              </m:r>
+                            </m:sup>
+                          </m:sSubSup>
+                        </m:e>
+                      </m:nary>
+                    </m:oMath>
+                  </m:oMathPara>
+                </a14:m>
+                <a:endParaRPr lang="en-US" sz="2000" dirty="0"/>
+              </a:p>
+            </p:txBody>
+          </p:sp>
+        </mc:Choice>
+        <mc:Fallback xmlns="">
+          <p:sp>
+            <p:nvSpPr>
+              <p:cNvPr id="4" name="TextBox 3"/>
+              <p:cNvSpPr txBox="1">
+                <a:spLocks noRot="1" noChangeAspect="1" noMove="1" noResize="1" noEditPoints="1" noAdjustHandles="1" noChangeArrowheads="1" noChangeShapeType="1" noTextEdit="1"/>
+              </p:cNvSpPr>
+              <p:nvPr/>
+            </p:nvSpPr>
+            <p:spPr>
+              <a:xfrm>
+                <a:off x="8324804" y="1606147"/>
+                <a:ext cx="2172903" cy="2820516"/>
+              </a:xfrm>
+              <a:prstGeom prst="rect">
+                <a:avLst/>
+              </a:prstGeom>
+              <a:blipFill>
+                <a:blip r:embed="rId2"/>
+                <a:stretch>
+                  <a:fillRect/>
+                </a:stretch>
+              </a:blipFill>
+            </p:spPr>
+            <p:txBody>
+              <a:bodyPr/>
+              <a:lstStyle/>
+              <a:p>
+                <a:r>
+                  <a:rPr lang="en-US">
+                    <a:noFill/>
+                  </a:rPr>
+                  <a:t> </a:t>
+                </a:r>
+              </a:p>
+            </p:txBody>
+          </p:sp>
+        </mc:Fallback>
+      </mc:AlternateContent>
+      <p:pic>
+        <p:nvPicPr>
+          <p:cNvPr id="7" name="Picture 6"/>
+          <p:cNvPicPr>
+            <a:picLocks noChangeAspect="1"/>
+          </p:cNvPicPr>
+          <p:nvPr/>
+        </p:nvPicPr>
+        <p:blipFill>
+          <a:blip r:embed="rId3"/>
+          <a:stretch>
+            <a:fillRect/>
+          </a:stretch>
+        </p:blipFill>
+        <p:spPr>
+          <a:xfrm>
+            <a:off x="130266" y="5943600"/>
+            <a:ext cx="11928290" cy="822960"/>
+          </a:xfrm>
+          <a:prstGeom prst="rect">
+            <a:avLst/>
+          </a:prstGeom>
+        </p:spPr>
+      </p:pic>
+    </p:spTree>
+    <p:extLst>
+      <p:ext uri="{BB962C8B-B14F-4D97-AF65-F5344CB8AC3E}">
+        <p14:creationId xmlns:p14="http://schemas.microsoft.com/office/powerpoint/2010/main" val="915261065"/>
+      </p:ext>
+    </p:extLst>
+  </p:cSld>
+  <p:clrMapOvr>
+    <a:masterClrMapping/>
+  </p:clrMapOvr>
+</p:sld>
+</file>
+
+<file path=ppt/slides/slide29.xml><?xml version="1.0" encoding="utf-8"?>
+<p:sld xmlns:a="http://schemas.openxmlformats.org/drawingml/2006/main" xmlns:r="http://schemas.openxmlformats.org/officeDocument/2006/relationships" xmlns:p="http://schemas.openxmlformats.org/presentationml/2006/main">
+  <p:cSld>
+    <p:spTree>
+      <p:nvGrpSpPr>
+        <p:cNvPr id="1" name=""/>
+        <p:cNvGrpSpPr/>
+        <p:nvPr/>
+      </p:nvGrpSpPr>
+      <p:grpSpPr>
+        <a:xfrm>
+          <a:off x="0" y="0"/>
+          <a:ext cx="0" cy="0"/>
+          <a:chOff x="0" y="0"/>
+          <a:chExt cx="0" cy="0"/>
+        </a:xfrm>
+      </p:grpSpPr>
+      <p:sp>
+        <p:nvSpPr>
+          <p:cNvPr id="2" name="Title 1"/>
+          <p:cNvSpPr>
+            <a:spLocks noGrp="1"/>
+          </p:cNvSpPr>
+          <p:nvPr>
+            <p:ph type="title"/>
+          </p:nvPr>
+        </p:nvSpPr>
+        <p:spPr/>
+        <p:txBody>
+          <a:bodyPr/>
+          <a:lstStyle/>
+          <a:p>
+            <a:r>
+              <a:rPr lang="en-US" dirty="0" smtClean="0"/>
+              <a:t>L1 regularization</a:t>
+            </a:r>
+            <a:endParaRPr lang="en-US" dirty="0"/>
+          </a:p>
+        </p:txBody>
+      </p:sp>
+      <p:sp>
+        <p:nvSpPr>
+          <p:cNvPr id="3" name="Content Placeholder 2"/>
+          <p:cNvSpPr>
+            <a:spLocks noGrp="1"/>
+          </p:cNvSpPr>
+          <p:nvPr>
+            <p:ph idx="1"/>
+          </p:nvPr>
+        </p:nvSpPr>
+        <p:spPr/>
+        <p:txBody>
+          <a:bodyPr/>
+          <a:lstStyle/>
+          <a:p>
+            <a:r>
+              <a:rPr lang="en-US" dirty="0"/>
+              <a:t>Many features</a:t>
+            </a:r>
+          </a:p>
+          <a:p>
+            <a:pPr lvl="1"/>
+            <a:r>
+              <a:rPr lang="en-US" dirty="0" smtClean="0"/>
+              <a:t>So force model to chose some features</a:t>
+            </a:r>
+          </a:p>
+          <a:p>
+            <a:r>
+              <a:rPr lang="en-US" dirty="0" smtClean="0"/>
+              <a:t>Lasso regression</a:t>
+            </a:r>
+            <a:endParaRPr lang="en-US" dirty="0"/>
+          </a:p>
+        </p:txBody>
+      </p:sp>
+      <mc:AlternateContent xmlns:mc="http://schemas.openxmlformats.org/markup-compatibility/2006" xmlns:a14="http://schemas.microsoft.com/office/drawing/2010/main">
+        <mc:Choice Requires="a14">
+          <p:sp>
+            <p:nvSpPr>
+              <p:cNvPr id="4" name="TextBox 3"/>
+              <p:cNvSpPr txBox="1"/>
+              <p:nvPr/>
+            </p:nvSpPr>
+            <p:spPr>
+              <a:xfrm>
+                <a:off x="4867344" y="3622040"/>
+                <a:ext cx="2714718" cy="1211550"/>
+              </a:xfrm>
+              <a:prstGeom prst="rect">
+                <a:avLst/>
+              </a:prstGeom>
+              <a:noFill/>
+            </p:spPr>
+            <p:txBody>
+              <a:bodyPr wrap="none" lIns="0" tIns="0" rIns="0" bIns="0" rtlCol="0">
+                <a:spAutoFit/>
+              </a:bodyPr>
+              <a:lstStyle/>
+              <a:p>
+                <a:pPr/>
+                <a14:m>
+                  <m:oMathPara xmlns:m="http://schemas.openxmlformats.org/officeDocument/2006/math">
+                    <m:oMathParaPr>
+                      <m:jc m:val="centerGroup"/>
+                    </m:oMathParaPr>
+                    <m:oMath xmlns:m="http://schemas.openxmlformats.org/officeDocument/2006/math">
+                      <m:acc>
+                        <m:accPr>
+                          <m:chr m:val="̂"/>
+                          <m:ctrlPr>
+                            <a:rPr lang="en-US" sz="2800" i="1" smtClean="0">
+                              <a:latin typeface="Cambria Math" panose="02040503050406030204" pitchFamily="18" charset="0"/>
+                            </a:rPr>
+                          </m:ctrlPr>
+                        </m:accPr>
+                        <m:e>
+                          <m:r>
+                            <a:rPr lang="en-US" sz="2800" b="0" i="1" smtClean="0">
+                              <a:latin typeface="Cambria Math" panose="02040503050406030204" pitchFamily="18" charset="0"/>
+                            </a:rPr>
+                            <m:t>𝐽</m:t>
+                          </m:r>
+                        </m:e>
+                      </m:acc>
+                      <m:r>
+                        <a:rPr lang="en-US" sz="2800" b="0" i="1" smtClean="0">
+                          <a:latin typeface="Cambria Math" panose="02040503050406030204" pitchFamily="18" charset="0"/>
+                        </a:rPr>
+                        <m:t>=</m:t>
+                      </m:r>
+                      <m:r>
+                        <a:rPr lang="en-US" sz="2800" b="0" i="1" smtClean="0">
+                          <a:latin typeface="Cambria Math" panose="02040503050406030204" pitchFamily="18" charset="0"/>
+                        </a:rPr>
+                        <m:t>𝐽</m:t>
+                      </m:r>
+                      <m:r>
+                        <a:rPr lang="en-US" sz="2800" b="0" i="1" smtClean="0">
+                          <a:latin typeface="Cambria Math" panose="02040503050406030204" pitchFamily="18" charset="0"/>
+                        </a:rPr>
+                        <m:t>+</m:t>
+                      </m:r>
+                      <m:r>
+                        <a:rPr lang="en-US" sz="2800" b="0" i="1" smtClean="0">
+                          <a:latin typeface="Cambria Math" panose="02040503050406030204" pitchFamily="18" charset="0"/>
+                        </a:rPr>
+                        <m:t>𝛼</m:t>
+                      </m:r>
+                      <m:nary>
+                        <m:naryPr>
+                          <m:chr m:val="∑"/>
+                          <m:ctrlPr>
+                            <a:rPr lang="en-US" sz="2800" b="0" i="1" smtClean="0">
+                              <a:latin typeface="Cambria Math" panose="02040503050406030204" pitchFamily="18" charset="0"/>
+                            </a:rPr>
+                          </m:ctrlPr>
+                        </m:naryPr>
+                        <m:sub>
+                          <m:r>
+                            <m:rPr>
+                              <m:brk m:alnAt="23"/>
+                            </m:rPr>
+                            <a:rPr lang="en-US" sz="2800" b="0" i="1" smtClean="0">
+                              <a:latin typeface="Cambria Math" panose="02040503050406030204" pitchFamily="18" charset="0"/>
+                            </a:rPr>
+                            <m:t>𝑖</m:t>
+                          </m:r>
+                          <m:r>
+                            <a:rPr lang="en-US" sz="2800" b="0" i="1" smtClean="0">
+                              <a:latin typeface="Cambria Math" panose="02040503050406030204" pitchFamily="18" charset="0"/>
+                            </a:rPr>
+                            <m:t>=1</m:t>
+                          </m:r>
+                        </m:sub>
+                        <m:sup>
+                          <m:r>
+                            <a:rPr lang="en-US" sz="2800" b="0" i="1" smtClean="0">
+                              <a:latin typeface="Cambria Math" panose="02040503050406030204" pitchFamily="18" charset="0"/>
+                            </a:rPr>
+                            <m:t>𝑀</m:t>
+                          </m:r>
+                        </m:sup>
+                        <m:e>
+                          <m:sSub>
+                            <m:sSubPr>
+                              <m:ctrlPr>
+                                <a:rPr lang="en-US" sz="2800" b="0" i="1" smtClean="0">
+                                  <a:latin typeface="Cambria Math" panose="02040503050406030204" pitchFamily="18" charset="0"/>
+                                </a:rPr>
+                              </m:ctrlPr>
+                            </m:sSubPr>
+                            <m:e>
+                              <m:r>
+                                <a:rPr lang="en-US" sz="2800" b="0" i="1" smtClean="0">
+                                  <a:latin typeface="Cambria Math" panose="02040503050406030204" pitchFamily="18" charset="0"/>
+                                </a:rPr>
+                                <m:t>|</m:t>
+                              </m:r>
+                              <m:r>
+                                <a:rPr lang="en-US" sz="2800" b="0" i="1" smtClean="0">
+                                  <a:latin typeface="Cambria Math" panose="02040503050406030204" pitchFamily="18" charset="0"/>
+                                </a:rPr>
+                                <m:t>𝑤</m:t>
+                              </m:r>
+                            </m:e>
+                            <m:sub>
+                              <m:r>
+                                <a:rPr lang="en-US" sz="2800" b="0" i="1" smtClean="0">
+                                  <a:latin typeface="Cambria Math" panose="02040503050406030204" pitchFamily="18" charset="0"/>
+                                </a:rPr>
+                                <m:t>𝑖</m:t>
+                              </m:r>
+                            </m:sub>
+                          </m:sSub>
+                          <m:r>
+                            <a:rPr lang="en-US" sz="2800" b="0" i="1" smtClean="0">
+                              <a:latin typeface="Cambria Math" panose="02040503050406030204" pitchFamily="18" charset="0"/>
+                            </a:rPr>
+                            <m:t>|</m:t>
+                          </m:r>
+                        </m:e>
+                      </m:nary>
+                    </m:oMath>
+                  </m:oMathPara>
+                </a14:m>
+                <a:endParaRPr lang="en-US" sz="2400" dirty="0"/>
+              </a:p>
+            </p:txBody>
+          </p:sp>
+        </mc:Choice>
+        <mc:Fallback xmlns="">
+          <p:sp>
+            <p:nvSpPr>
+              <p:cNvPr id="4" name="TextBox 3"/>
+              <p:cNvSpPr txBox="1">
+                <a:spLocks noRot="1" noChangeAspect="1" noMove="1" noResize="1" noEditPoints="1" noAdjustHandles="1" noChangeArrowheads="1" noChangeShapeType="1" noTextEdit="1"/>
+              </p:cNvSpPr>
+              <p:nvPr/>
+            </p:nvSpPr>
+            <p:spPr>
+              <a:xfrm>
+                <a:off x="4867344" y="3622040"/>
+                <a:ext cx="2714718" cy="1211550"/>
+              </a:xfrm>
+              <a:prstGeom prst="rect">
+                <a:avLst/>
+              </a:prstGeom>
+              <a:blipFill>
+                <a:blip r:embed="rId2"/>
+                <a:stretch>
+                  <a:fillRect/>
+                </a:stretch>
+              </a:blipFill>
+            </p:spPr>
+            <p:txBody>
+              <a:bodyPr/>
+              <a:lstStyle/>
+              <a:p>
+                <a:r>
+                  <a:rPr lang="en-US">
+                    <a:noFill/>
+                  </a:rPr>
+                  <a:t> </a:t>
+                </a:r>
+              </a:p>
+            </p:txBody>
+          </p:sp>
+        </mc:Fallback>
+      </mc:AlternateContent>
+      <p:pic>
+        <p:nvPicPr>
+          <p:cNvPr id="6" name="Picture 5"/>
+          <p:cNvPicPr>
+            <a:picLocks noChangeAspect="1"/>
+          </p:cNvPicPr>
+          <p:nvPr/>
+        </p:nvPicPr>
+        <p:blipFill>
+          <a:blip r:embed="rId3"/>
+          <a:stretch>
+            <a:fillRect/>
+          </a:stretch>
+        </p:blipFill>
+        <p:spPr>
+          <a:xfrm>
+            <a:off x="130267" y="5943600"/>
+            <a:ext cx="11928290" cy="822960"/>
+          </a:xfrm>
+          <a:prstGeom prst="rect">
+            <a:avLst/>
+          </a:prstGeom>
+        </p:spPr>
+      </p:pic>
+    </p:spTree>
+    <p:extLst>
+      <p:ext uri="{BB962C8B-B14F-4D97-AF65-F5344CB8AC3E}">
+        <p14:creationId xmlns:p14="http://schemas.microsoft.com/office/powerpoint/2010/main" val="636730719"/>
+      </p:ext>
+    </p:extLst>
+  </p:cSld>
+  <p:clrMapOvr>
+    <a:masterClrMapping/>
+  </p:clrMapOvr>
+</p:sld>
+</file>
+
+<file path=ppt/slides/slide3.xml><?xml version="1.0" encoding="utf-8"?>
+<p:sld xmlns:a="http://schemas.openxmlformats.org/drawingml/2006/main" xmlns:r="http://schemas.openxmlformats.org/officeDocument/2006/relationships" xmlns:p="http://schemas.openxmlformats.org/presentationml/2006/main">
+  <p:cSld>
+    <p:spTree>
+      <p:nvGrpSpPr>
+        <p:cNvPr id="1" name=""/>
+        <p:cNvGrpSpPr/>
+        <p:nvPr/>
+      </p:nvGrpSpPr>
+      <p:grpSpPr>
+        <a:xfrm>
+          <a:off x="0" y="0"/>
+          <a:ext cx="0" cy="0"/>
+          <a:chOff x="0" y="0"/>
+          <a:chExt cx="0" cy="0"/>
+        </a:xfrm>
+      </p:grpSpPr>
+      <p:sp>
+        <p:nvSpPr>
+          <p:cNvPr id="2" name="Title 1"/>
+          <p:cNvSpPr>
+            <a:spLocks noGrp="1"/>
+          </p:cNvSpPr>
+          <p:nvPr>
+            <p:ph type="title"/>
+          </p:nvPr>
+        </p:nvSpPr>
+        <p:spPr/>
+        <p:txBody>
+          <a:bodyPr/>
+          <a:lstStyle/>
+          <a:p>
+            <a:r>
+              <a:rPr lang="en-US" dirty="0" smtClean="0"/>
+              <a:t>Overfitting and underfitting</a:t>
+            </a:r>
+            <a:endParaRPr lang="en-US" dirty="0"/>
+          </a:p>
+        </p:txBody>
+      </p:sp>
+      <p:pic>
+        <p:nvPicPr>
+          <p:cNvPr id="6" name="Picture 5"/>
+          <p:cNvPicPr>
+            <a:picLocks noChangeAspect="1"/>
+          </p:cNvPicPr>
+          <p:nvPr/>
+        </p:nvPicPr>
+        <p:blipFill rotWithShape="1">
+          <a:blip r:embed="rId2">
+            <a:extLst>
+              <a:ext uri="{28A0092B-C50C-407E-A947-70E740481C1C}">
+                <a14:useLocalDpi xmlns:a14="http://schemas.microsoft.com/office/drawing/2010/main" val="0"/>
+              </a:ext>
+            </a:extLst>
+          </a:blip>
+          <a:srcRect l="207" t="6940" r="-207" b="25088"/>
+          <a:stretch/>
+        </p:blipFill>
+        <p:spPr>
+          <a:xfrm>
+            <a:off x="2143217" y="1740407"/>
+            <a:ext cx="7348255" cy="2328673"/>
+          </a:xfrm>
+          <a:prstGeom prst="rect">
+            <a:avLst/>
+          </a:prstGeom>
+        </p:spPr>
+      </p:pic>
+      <p:pic>
+        <p:nvPicPr>
+          <p:cNvPr id="9" name="Picture 8"/>
+          <p:cNvPicPr>
+            <a:picLocks noChangeAspect="1"/>
+          </p:cNvPicPr>
+          <p:nvPr/>
+        </p:nvPicPr>
+        <p:blipFill>
+          <a:blip r:embed="rId3">
+            <a:extLst>
+              <a:ext uri="{28A0092B-C50C-407E-A947-70E740481C1C}">
+                <a14:useLocalDpi xmlns:a14="http://schemas.microsoft.com/office/drawing/2010/main" val="0"/>
+              </a:ext>
+            </a:extLst>
+          </a:blip>
+          <a:stretch>
+            <a:fillRect/>
+          </a:stretch>
+        </p:blipFill>
+        <p:spPr>
+          <a:xfrm>
+            <a:off x="2143217" y="4183045"/>
+            <a:ext cx="7348256" cy="2400635"/>
+          </a:xfrm>
+          <a:prstGeom prst="rect">
+            <a:avLst/>
+          </a:prstGeom>
+        </p:spPr>
+      </p:pic>
+    </p:spTree>
+    <p:extLst>
+      <p:ext uri="{BB962C8B-B14F-4D97-AF65-F5344CB8AC3E}">
+        <p14:creationId xmlns:p14="http://schemas.microsoft.com/office/powerpoint/2010/main" val="2879568760"/>
+      </p:ext>
+    </p:extLst>
+  </p:cSld>
+  <p:clrMapOvr>
+    <a:masterClrMapping/>
+  </p:clrMapOvr>
+  <p:timing>
+    <p:tnLst>
+      <p:par>
+        <p:cTn id="1" dur="indefinite" restart="never" nodeType="tmRoot"/>
+      </p:par>
+    </p:tnLst>
+  </p:timing>
+</p:sld>
+</file>
+
+<file path=ppt/slides/slide30.xml><?xml version="1.0" encoding="utf-8"?>
+<p:sld xmlns:a="http://schemas.openxmlformats.org/drawingml/2006/main" xmlns:r="http://schemas.openxmlformats.org/officeDocument/2006/relationships" xmlns:p="http://schemas.openxmlformats.org/presentationml/2006/main">
+  <p:cSld>
+    <p:spTree>
+      <p:nvGrpSpPr>
+        <p:cNvPr id="1" name=""/>
+        <p:cNvGrpSpPr/>
+        <p:nvPr/>
+      </p:nvGrpSpPr>
+      <p:grpSpPr>
+        <a:xfrm>
+          <a:off x="0" y="0"/>
+          <a:ext cx="0" cy="0"/>
+          <a:chOff x="0" y="0"/>
+          <a:chExt cx="0" cy="0"/>
+        </a:xfrm>
+      </p:grpSpPr>
+      <p:sp>
+        <p:nvSpPr>
+          <p:cNvPr id="2" name="Title 1"/>
+          <p:cNvSpPr>
+            <a:spLocks noGrp="1"/>
+          </p:cNvSpPr>
+          <p:nvPr>
+            <p:ph type="title"/>
+          </p:nvPr>
+        </p:nvSpPr>
+        <p:spPr/>
+        <p:txBody>
+          <a:bodyPr/>
+          <a:lstStyle/>
+          <a:p>
+            <a:r>
+              <a:rPr lang="en-US" dirty="0" smtClean="0"/>
+              <a:t>Early stopping</a:t>
+            </a:r>
+            <a:endParaRPr lang="en-US" dirty="0"/>
+          </a:p>
+        </p:txBody>
+      </p:sp>
+      <p:sp>
+        <p:nvSpPr>
+          <p:cNvPr id="3" name="Content Placeholder 2"/>
+          <p:cNvSpPr>
+            <a:spLocks noGrp="1"/>
+          </p:cNvSpPr>
+          <p:nvPr>
+            <p:ph idx="1"/>
+          </p:nvPr>
+        </p:nvSpPr>
+        <p:spPr/>
+        <p:txBody>
+          <a:bodyPr/>
+          <a:lstStyle/>
+          <a:p>
+            <a:r>
+              <a:rPr lang="en-US" dirty="0" smtClean="0"/>
+              <a:t>Stop model from training when validation loss is going upward</a:t>
+            </a:r>
+            <a:endParaRPr lang="en-US" dirty="0"/>
+          </a:p>
+        </p:txBody>
+      </p:sp>
       <p:cxnSp>
         <p:nvCxnSpPr>
-          <p:cNvPr id="4" name="Straight Arrow Connector 3"/>
+          <p:cNvPr id="5" name="Straight Arrow Connector 4"/>
           <p:cNvCxnSpPr/>
           <p:nvPr/>
         </p:nvCxnSpPr>
         <p:spPr>
           <a:xfrm flipV="1">
-            <a:off x="3246120" y="2298256"/>
-            <a:ext cx="0" cy="3822192"/>
+            <a:off x="3211301" y="3078480"/>
+            <a:ext cx="0" cy="3110717"/>
           </a:xfrm>
           <a:prstGeom prst="straightConnector1">
             <a:avLst/>
@@ -14201,14 +18286,14 @@
       </p:cxnSp>
       <p:cxnSp>
         <p:nvCxnSpPr>
-          <p:cNvPr id="5" name="Straight Arrow Connector 4"/>
+          <p:cNvPr id="6" name="Straight Arrow Connector 5"/>
           <p:cNvCxnSpPr/>
           <p:nvPr/>
         </p:nvCxnSpPr>
         <p:spPr>
           <a:xfrm>
-            <a:off x="3069336" y="5907088"/>
-            <a:ext cx="5946648" cy="0"/>
+            <a:off x="3062167" y="6015552"/>
+            <a:ext cx="5016547" cy="0"/>
           </a:xfrm>
           <a:prstGeom prst="straightConnector1">
             <a:avLst/>
@@ -14237,14 +18322,14 @@
       </p:cxnSp>
       <p:sp>
         <p:nvSpPr>
-          <p:cNvPr id="6" name="TextBox 5"/>
+          <p:cNvPr id="7" name="TextBox 6"/>
           <p:cNvSpPr txBox="1"/>
           <p:nvPr/>
         </p:nvSpPr>
         <p:spPr>
           <a:xfrm rot="16200000">
-            <a:off x="2631463" y="3786556"/>
-            <a:ext cx="683200" cy="369332"/>
+            <a:off x="2702938" y="4284252"/>
+            <a:ext cx="556027" cy="311566"/>
           </a:xfrm>
           <a:prstGeom prst="rect">
             <a:avLst/>
@@ -14273,8 +18358,8 @@
         </p:nvSpPr>
         <p:spPr>
           <a:xfrm>
-            <a:off x="9015984" y="5401299"/>
-            <a:ext cx="1523174" cy="369332"/>
+            <a:off x="7865354" y="5341445"/>
+            <a:ext cx="1284938" cy="300583"/>
           </a:xfrm>
           <a:prstGeom prst="rect">
             <a:avLst/>
@@ -14297,14 +18382,14 @@
       </p:sp>
       <p:sp>
         <p:nvSpPr>
-          <p:cNvPr id="10" name="TextBox 9"/>
+          <p:cNvPr id="9" name="TextBox 8"/>
           <p:cNvSpPr txBox="1"/>
           <p:nvPr/>
         </p:nvSpPr>
         <p:spPr>
           <a:xfrm>
-            <a:off x="7040880" y="3645088"/>
-            <a:ext cx="1685077" cy="369332"/>
+            <a:off x="6199171" y="4011729"/>
+            <a:ext cx="1421518" cy="300583"/>
           </a:xfrm>
           <a:prstGeom prst="rect">
             <a:avLst/>
@@ -14327,14 +18412,14 @@
       </p:sp>
       <p:sp>
         <p:nvSpPr>
-          <p:cNvPr id="13" name="TextBox 12"/>
+          <p:cNvPr id="10" name="TextBox 9"/>
           <p:cNvSpPr txBox="1"/>
           <p:nvPr/>
         </p:nvSpPr>
         <p:spPr>
           <a:xfrm>
-            <a:off x="5421336" y="6120448"/>
-            <a:ext cx="1242648" cy="369332"/>
+            <a:off x="5046296" y="6189197"/>
+            <a:ext cx="1048288" cy="300583"/>
           </a:xfrm>
           <a:prstGeom prst="rect">
             <a:avLst/>
@@ -14357,14 +18442,14 @@
       </p:sp>
       <p:sp>
         <p:nvSpPr>
-          <p:cNvPr id="14" name="Freeform 13"/>
+          <p:cNvPr id="11" name="Freeform 10"/>
           <p:cNvSpPr/>
           <p:nvPr/>
         </p:nvSpPr>
         <p:spPr>
           <a:xfrm>
-            <a:off x="3264408" y="2898648"/>
-            <a:ext cx="5586984" cy="2735525"/>
+            <a:off x="3226728" y="3567113"/>
+            <a:ext cx="4713137" cy="2226325"/>
           </a:xfrm>
           <a:custGeom>
             <a:avLst/>
@@ -14491,14 +18576,14 @@
       </p:sp>
       <p:sp>
         <p:nvSpPr>
-          <p:cNvPr id="16" name="Freeform 15"/>
+          <p:cNvPr id="12" name="Freeform 11"/>
           <p:cNvSpPr/>
           <p:nvPr/>
         </p:nvSpPr>
         <p:spPr>
           <a:xfrm>
-            <a:off x="3273552" y="2743200"/>
-            <a:ext cx="5660136" cy="2158228"/>
+            <a:off x="3234442" y="3440601"/>
+            <a:ext cx="4774848" cy="1756488"/>
           </a:xfrm>
           <a:custGeom>
             <a:avLst/>
@@ -14653,2250 +18738,47 @@
           </a:p>
         </p:txBody>
       </p:sp>
+      <p:cxnSp>
+        <p:nvCxnSpPr>
+          <p:cNvPr id="14" name="Straight Connector 13"/>
+          <p:cNvCxnSpPr/>
+          <p:nvPr/>
+        </p:nvCxnSpPr>
+        <p:spPr>
+          <a:xfrm>
+            <a:off x="5425440" y="3718560"/>
+            <a:ext cx="0" cy="2470637"/>
+          </a:xfrm>
+          <a:prstGeom prst="line">
+            <a:avLst/>
+          </a:prstGeom>
+          <a:ln w="28575"/>
+        </p:spPr>
+        <p:style>
+          <a:lnRef idx="1">
+            <a:schemeClr val="accent1"/>
+          </a:lnRef>
+          <a:fillRef idx="0">
+            <a:schemeClr val="accent1"/>
+          </a:fillRef>
+          <a:effectRef idx="0">
+            <a:schemeClr val="accent1"/>
+          </a:effectRef>
+          <a:fontRef idx="minor">
+            <a:schemeClr val="tx1"/>
+          </a:fontRef>
+        </p:style>
+      </p:cxnSp>
     </p:spTree>
     <p:extLst>
       <p:ext uri="{BB962C8B-B14F-4D97-AF65-F5344CB8AC3E}">
-        <p14:creationId xmlns:p14="http://schemas.microsoft.com/office/powerpoint/2010/main" val="2525026600"/>
+        <p14:creationId xmlns:p14="http://schemas.microsoft.com/office/powerpoint/2010/main" val="3163592707"/>
       </p:ext>
     </p:extLst>
   </p:cSld>
   <p:clrMapOvr>
     <a:masterClrMapping/>
   </p:clrMapOvr>
-  <p:timing>
-    <p:tnLst>
-      <p:par>
-        <p:cTn id="1" dur="indefinite" restart="never" nodeType="tmRoot"/>
-      </p:par>
-    </p:tnLst>
-  </p:timing>
-</p:sld>
-</file>
-
-<file path=ppt/slides/slide15.xml><?xml version="1.0" encoding="utf-8"?>
-<p:sld xmlns:a="http://schemas.openxmlformats.org/drawingml/2006/main" xmlns:r="http://schemas.openxmlformats.org/officeDocument/2006/relationships" xmlns:p="http://schemas.openxmlformats.org/presentationml/2006/main">
-  <p:cSld>
-    <p:spTree>
-      <p:nvGrpSpPr>
-        <p:cNvPr id="1" name=""/>
-        <p:cNvGrpSpPr/>
-        <p:nvPr/>
-      </p:nvGrpSpPr>
-      <p:grpSpPr>
-        <a:xfrm>
-          <a:off x="0" y="0"/>
-          <a:ext cx="0" cy="0"/>
-          <a:chOff x="0" y="0"/>
-          <a:chExt cx="0" cy="0"/>
-        </a:xfrm>
-      </p:grpSpPr>
-      <p:sp>
-        <p:nvSpPr>
-          <p:cNvPr id="2" name="Title 1"/>
-          <p:cNvSpPr>
-            <a:spLocks noGrp="1"/>
-          </p:cNvSpPr>
-          <p:nvPr>
-            <p:ph type="title"/>
-          </p:nvPr>
-        </p:nvSpPr>
-        <p:spPr/>
-        <p:txBody>
-          <a:bodyPr/>
-          <a:lstStyle/>
-          <a:p>
-            <a:r>
-              <a:rPr lang="en-US" dirty="0" smtClean="0"/>
-              <a:t>Handling underfitting</a:t>
-            </a:r>
-            <a:endParaRPr lang="en-US" dirty="0"/>
-          </a:p>
-        </p:txBody>
-      </p:sp>
-      <p:sp>
-        <p:nvSpPr>
-          <p:cNvPr id="3" name="Content Placeholder 2"/>
-          <p:cNvSpPr>
-            <a:spLocks noGrp="1"/>
-          </p:cNvSpPr>
-          <p:nvPr>
-            <p:ph idx="1"/>
-          </p:nvPr>
-        </p:nvSpPr>
-        <p:spPr/>
-        <p:txBody>
-          <a:bodyPr>
-            <a:normAutofit fontScale="92500" lnSpcReduction="20000"/>
-          </a:bodyPr>
-          <a:lstStyle/>
-          <a:p>
-            <a:r>
-              <a:rPr lang="en-US" dirty="0" smtClean="0"/>
-              <a:t>Increase model capacity</a:t>
-            </a:r>
-          </a:p>
-          <a:p>
-            <a:pPr lvl="1"/>
-            <a:r>
-              <a:rPr lang="en-US" dirty="0" smtClean="0"/>
-              <a:t>Add polynomial features</a:t>
-            </a:r>
-          </a:p>
-          <a:p>
-            <a:r>
-              <a:rPr lang="en-US" dirty="0" smtClean="0"/>
-              <a:t>Increase features</a:t>
-            </a:r>
-          </a:p>
-          <a:p>
-            <a:pPr lvl="1"/>
-            <a:r>
-              <a:rPr lang="en-US" dirty="0"/>
-              <a:t>Get more </a:t>
-            </a:r>
-            <a:r>
-              <a:rPr lang="en-US" dirty="0" smtClean="0"/>
-              <a:t>features</a:t>
-            </a:r>
-          </a:p>
-          <a:p>
-            <a:pPr lvl="1"/>
-            <a:r>
-              <a:rPr lang="en-US" dirty="0" smtClean="0"/>
-              <a:t>Use feature extraction</a:t>
-            </a:r>
-          </a:p>
-          <a:p>
-            <a:r>
-              <a:rPr lang="en-US" dirty="0" smtClean="0"/>
-              <a:t>Reduce regularization</a:t>
-            </a:r>
-          </a:p>
-          <a:p>
-            <a:r>
-              <a:rPr lang="en-US" dirty="0" smtClean="0"/>
-              <a:t>Use more powerful models</a:t>
-            </a:r>
-          </a:p>
-          <a:p>
-            <a:r>
-              <a:rPr lang="en-US" dirty="0" smtClean="0"/>
-              <a:t>…</a:t>
-            </a:r>
-            <a:endParaRPr lang="en-US" dirty="0"/>
-          </a:p>
-        </p:txBody>
-      </p:sp>
-    </p:spTree>
-    <p:extLst>
-      <p:ext uri="{BB962C8B-B14F-4D97-AF65-F5344CB8AC3E}">
-        <p14:creationId xmlns:p14="http://schemas.microsoft.com/office/powerpoint/2010/main" val="519712043"/>
-      </p:ext>
-    </p:extLst>
-  </p:cSld>
-  <p:clrMapOvr>
-    <a:masterClrMapping/>
-  </p:clrMapOvr>
-  <p:timing>
-    <p:tnLst>
-      <p:par>
-        <p:cTn id="1" dur="indefinite" restart="never" nodeType="tmRoot"/>
-      </p:par>
-    </p:tnLst>
-  </p:timing>
-</p:sld>
-</file>
-
-<file path=ppt/slides/slide16.xml><?xml version="1.0" encoding="utf-8"?>
-<p:sld xmlns:a="http://schemas.openxmlformats.org/drawingml/2006/main" xmlns:r="http://schemas.openxmlformats.org/officeDocument/2006/relationships" xmlns:p="http://schemas.openxmlformats.org/presentationml/2006/main">
-  <p:cSld>
-    <p:spTree>
-      <p:nvGrpSpPr>
-        <p:cNvPr id="1" name=""/>
-        <p:cNvGrpSpPr/>
-        <p:nvPr/>
-      </p:nvGrpSpPr>
-      <p:grpSpPr>
-        <a:xfrm>
-          <a:off x="0" y="0"/>
-          <a:ext cx="0" cy="0"/>
-          <a:chOff x="0" y="0"/>
-          <a:chExt cx="0" cy="0"/>
-        </a:xfrm>
-      </p:grpSpPr>
-      <p:sp>
-        <p:nvSpPr>
-          <p:cNvPr id="2" name="Title 1"/>
-          <p:cNvSpPr>
-            <a:spLocks noGrp="1"/>
-          </p:cNvSpPr>
-          <p:nvPr>
-            <p:ph type="title"/>
-          </p:nvPr>
-        </p:nvSpPr>
-        <p:spPr/>
-        <p:txBody>
-          <a:bodyPr/>
-          <a:lstStyle/>
-          <a:p>
-            <a:r>
-              <a:rPr lang="en-US" dirty="0"/>
-              <a:t>Handling </a:t>
-            </a:r>
-            <a:r>
-              <a:rPr lang="en-US" dirty="0" smtClean="0"/>
-              <a:t>overfitting</a:t>
-            </a:r>
-            <a:endParaRPr lang="en-US" dirty="0"/>
-          </a:p>
-        </p:txBody>
-      </p:sp>
-      <p:sp>
-        <p:nvSpPr>
-          <p:cNvPr id="3" name="Content Placeholder 2"/>
-          <p:cNvSpPr>
-            <a:spLocks noGrp="1"/>
-          </p:cNvSpPr>
-          <p:nvPr>
-            <p:ph idx="1"/>
-          </p:nvPr>
-        </p:nvSpPr>
-        <p:spPr/>
-        <p:txBody>
-          <a:bodyPr>
-            <a:normAutofit fontScale="92500" lnSpcReduction="20000"/>
-          </a:bodyPr>
-          <a:lstStyle/>
-          <a:p>
-            <a:r>
-              <a:rPr lang="en-US" dirty="0" smtClean="0"/>
-              <a:t>Reduce model capacity</a:t>
-            </a:r>
-          </a:p>
-          <a:p>
-            <a:pPr lvl="1"/>
-            <a:r>
-              <a:rPr lang="en-US" dirty="0" smtClean="0"/>
-              <a:t>Reduce parameters</a:t>
-            </a:r>
-            <a:endParaRPr lang="en-US" dirty="0"/>
-          </a:p>
-          <a:p>
-            <a:pPr lvl="1"/>
-            <a:r>
-              <a:rPr lang="en-US" dirty="0" smtClean="0"/>
-              <a:t>Reduce polynomial degree</a:t>
-            </a:r>
-          </a:p>
-          <a:p>
-            <a:pPr lvl="1"/>
-            <a:r>
-              <a:rPr lang="en-US" dirty="0" smtClean="0"/>
-              <a:t>Remove some features</a:t>
-            </a:r>
-          </a:p>
-          <a:p>
-            <a:r>
-              <a:rPr lang="en-US" dirty="0" smtClean="0"/>
-              <a:t>Apply regularization</a:t>
-            </a:r>
-          </a:p>
-          <a:p>
-            <a:r>
-              <a:rPr lang="en-US" dirty="0" smtClean="0"/>
-              <a:t>Increase data size</a:t>
-            </a:r>
-          </a:p>
-          <a:p>
-            <a:r>
-              <a:rPr lang="en-US" dirty="0" smtClean="0"/>
-              <a:t>Early stopping</a:t>
-            </a:r>
-          </a:p>
-          <a:p>
-            <a:r>
-              <a:rPr lang="en-US" dirty="0" smtClean="0"/>
-              <a:t>…</a:t>
-            </a:r>
-          </a:p>
-          <a:p>
-            <a:endParaRPr lang="en-US" dirty="0"/>
-          </a:p>
-        </p:txBody>
-      </p:sp>
-    </p:spTree>
-    <p:extLst>
-      <p:ext uri="{BB962C8B-B14F-4D97-AF65-F5344CB8AC3E}">
-        <p14:creationId xmlns:p14="http://schemas.microsoft.com/office/powerpoint/2010/main" val="2273437771"/>
-      </p:ext>
-    </p:extLst>
-  </p:cSld>
-  <p:clrMapOvr>
-    <a:masterClrMapping/>
-  </p:clrMapOvr>
-  <p:timing>
-    <p:tnLst>
-      <p:par>
-        <p:cTn id="1" dur="indefinite" restart="never" nodeType="tmRoot"/>
-      </p:par>
-    </p:tnLst>
-  </p:timing>
-</p:sld>
-</file>
-
-<file path=ppt/slides/slide17.xml><?xml version="1.0" encoding="utf-8"?>
-<p:sld xmlns:a="http://schemas.openxmlformats.org/drawingml/2006/main" xmlns:r="http://schemas.openxmlformats.org/officeDocument/2006/relationships" xmlns:p="http://schemas.openxmlformats.org/presentationml/2006/main">
-  <p:cSld>
-    <p:spTree>
-      <p:nvGrpSpPr>
-        <p:cNvPr id="1" name=""/>
-        <p:cNvGrpSpPr/>
-        <p:nvPr/>
-      </p:nvGrpSpPr>
-      <p:grpSpPr>
-        <a:xfrm>
-          <a:off x="0" y="0"/>
-          <a:ext cx="0" cy="0"/>
-          <a:chOff x="0" y="0"/>
-          <a:chExt cx="0" cy="0"/>
-        </a:xfrm>
-      </p:grpSpPr>
-      <p:sp>
-        <p:nvSpPr>
-          <p:cNvPr id="2" name="Title 1"/>
-          <p:cNvSpPr>
-            <a:spLocks noGrp="1"/>
-          </p:cNvSpPr>
-          <p:nvPr>
-            <p:ph type="title"/>
-          </p:nvPr>
-        </p:nvSpPr>
-        <p:spPr/>
-        <p:txBody>
-          <a:bodyPr/>
-          <a:lstStyle/>
-          <a:p>
-            <a:r>
-              <a:rPr lang="en-US" dirty="0" smtClean="0"/>
-              <a:t>Performance measures</a:t>
-            </a:r>
-            <a:endParaRPr lang="en-US" dirty="0"/>
-          </a:p>
-        </p:txBody>
-      </p:sp>
-      <p:sp>
-        <p:nvSpPr>
-          <p:cNvPr id="3" name="Content Placeholder 2"/>
-          <p:cNvSpPr>
-            <a:spLocks noGrp="1"/>
-          </p:cNvSpPr>
-          <p:nvPr>
-            <p:ph idx="1"/>
-          </p:nvPr>
-        </p:nvSpPr>
-        <p:spPr/>
-        <p:txBody>
-          <a:bodyPr/>
-          <a:lstStyle/>
-          <a:p>
-            <a:r>
-              <a:rPr lang="en-US" dirty="0" smtClean="0"/>
-              <a:t>Accuracy</a:t>
-            </a:r>
-          </a:p>
-          <a:p>
-            <a:r>
-              <a:rPr lang="en-US" dirty="0" smtClean="0"/>
-              <a:t>Confusion matrix</a:t>
-            </a:r>
-          </a:p>
-          <a:p>
-            <a:r>
-              <a:rPr lang="en-US" dirty="0" smtClean="0"/>
-              <a:t>Precision</a:t>
-            </a:r>
-          </a:p>
-          <a:p>
-            <a:r>
-              <a:rPr lang="en-US" dirty="0" smtClean="0"/>
-              <a:t>Recall</a:t>
-            </a:r>
-          </a:p>
-          <a:p>
-            <a:r>
-              <a:rPr lang="en-US" dirty="0" smtClean="0"/>
-              <a:t>F1-score</a:t>
-            </a:r>
-          </a:p>
-          <a:p>
-            <a:r>
-              <a:rPr lang="en-US" dirty="0" smtClean="0"/>
-              <a:t>ROC-AUC</a:t>
-            </a:r>
-          </a:p>
-        </p:txBody>
-      </p:sp>
-    </p:spTree>
-    <p:extLst>
-      <p:ext uri="{BB962C8B-B14F-4D97-AF65-F5344CB8AC3E}">
-        <p14:creationId xmlns:p14="http://schemas.microsoft.com/office/powerpoint/2010/main" val="1874866718"/>
-      </p:ext>
-    </p:extLst>
-  </p:cSld>
-  <p:clrMapOvr>
-    <a:masterClrMapping/>
-  </p:clrMapOvr>
-  <p:timing>
-    <p:tnLst>
-      <p:par>
-        <p:cTn id="1" dur="indefinite" restart="never" nodeType="tmRoot"/>
-      </p:par>
-    </p:tnLst>
-  </p:timing>
-</p:sld>
-</file>
-
-<file path=ppt/slides/slide18.xml><?xml version="1.0" encoding="utf-8"?>
-<p:sld xmlns:a="http://schemas.openxmlformats.org/drawingml/2006/main" xmlns:r="http://schemas.openxmlformats.org/officeDocument/2006/relationships" xmlns:p="http://schemas.openxmlformats.org/presentationml/2006/main">
-  <p:cSld>
-    <p:spTree>
-      <p:nvGrpSpPr>
-        <p:cNvPr id="1" name=""/>
-        <p:cNvGrpSpPr/>
-        <p:nvPr/>
-      </p:nvGrpSpPr>
-      <p:grpSpPr>
-        <a:xfrm>
-          <a:off x="0" y="0"/>
-          <a:ext cx="0" cy="0"/>
-          <a:chOff x="0" y="0"/>
-          <a:chExt cx="0" cy="0"/>
-        </a:xfrm>
-      </p:grpSpPr>
-      <p:sp>
-        <p:nvSpPr>
-          <p:cNvPr id="2" name="Title 1"/>
-          <p:cNvSpPr>
-            <a:spLocks noGrp="1"/>
-          </p:cNvSpPr>
-          <p:nvPr>
-            <p:ph type="title"/>
-          </p:nvPr>
-        </p:nvSpPr>
-        <p:spPr/>
-        <p:txBody>
-          <a:bodyPr/>
-          <a:lstStyle/>
-          <a:p>
-            <a:r>
-              <a:rPr lang="en-US" dirty="0"/>
-              <a:t>Performance </a:t>
-            </a:r>
-            <a:r>
-              <a:rPr lang="en-US" dirty="0" smtClean="0"/>
-              <a:t>measures (</a:t>
-            </a:r>
-            <a:r>
-              <a:rPr lang="en-US" dirty="0" err="1" smtClean="0"/>
-              <a:t>acc</a:t>
-            </a:r>
-            <a:r>
-              <a:rPr lang="en-US" dirty="0" smtClean="0"/>
-              <a:t>)</a:t>
-            </a:r>
-            <a:endParaRPr lang="en-US" dirty="0"/>
-          </a:p>
-        </p:txBody>
-      </p:sp>
-      <p:pic>
-        <p:nvPicPr>
-          <p:cNvPr id="4098" name="Picture 2" descr="https://encrypted-tbn0.gstatic.com/images?q=tbn:ANd9GcSQfPbmJv8_pgPlOHZfYft_flnv6SHqaeENOA1nEaEGL6MhJASR&amp;s"/>
-          <p:cNvPicPr>
-            <a:picLocks noChangeAspect="1" noChangeArrowheads="1"/>
-          </p:cNvPicPr>
-          <p:nvPr/>
-        </p:nvPicPr>
-        <p:blipFill>
-          <a:blip r:embed="rId2">
-            <a:extLst>
-              <a:ext uri="{28A0092B-C50C-407E-A947-70E740481C1C}">
-                <a14:useLocalDpi xmlns:a14="http://schemas.microsoft.com/office/drawing/2010/main" val="0"/>
-              </a:ext>
-            </a:extLst>
-          </a:blip>
-          <a:srcRect/>
-          <a:stretch>
-            <a:fillRect/>
-          </a:stretch>
-        </p:blipFill>
-        <p:spPr bwMode="auto">
-          <a:xfrm>
-            <a:off x="1700911" y="2033080"/>
-            <a:ext cx="8476361" cy="3067854"/>
-          </a:xfrm>
-          <a:prstGeom prst="rect">
-            <a:avLst/>
-          </a:prstGeom>
-          <a:noFill/>
-          <a:extLst>
-            <a:ext uri="{909E8E84-426E-40DD-AFC4-6F175D3DCCD1}">
-              <a14:hiddenFill xmlns:a14="http://schemas.microsoft.com/office/drawing/2010/main">
-                <a:solidFill>
-                  <a:srgbClr val="FFFFFF"/>
-                </a:solidFill>
-              </a14:hiddenFill>
-            </a:ext>
-          </a:extLst>
-        </p:spPr>
-      </p:pic>
-      <mc:AlternateContent xmlns:mc="http://schemas.openxmlformats.org/markup-compatibility/2006">
-        <mc:Choice xmlns:a14="http://schemas.microsoft.com/office/drawing/2010/main" Requires="a14">
-          <p:sp>
-            <p:nvSpPr>
-              <p:cNvPr id="5" name="Rectangle 4"/>
-              <p:cNvSpPr/>
-              <p:nvPr/>
-            </p:nvSpPr>
-            <p:spPr>
-              <a:xfrm>
-                <a:off x="2951350" y="5392920"/>
-                <a:ext cx="5975482" cy="848758"/>
-              </a:xfrm>
-              <a:prstGeom prst="rect">
-                <a:avLst/>
-              </a:prstGeom>
-            </p:spPr>
-            <p:txBody>
-              <a:bodyPr wrap="none">
-                <a:spAutoFit/>
-              </a:bodyPr>
-              <a:lstStyle/>
-              <a:p>
-                <a14:m>
-                  <m:oMathPara xmlns:m="http://schemas.openxmlformats.org/officeDocument/2006/math">
-                    <m:oMathParaPr>
-                      <m:jc m:val="centerGroup"/>
-                    </m:oMathParaPr>
-                    <m:oMath xmlns:m="http://schemas.openxmlformats.org/officeDocument/2006/math">
-                      <m:r>
-                        <a:rPr lang="en-US" sz="2400" b="0" i="1" smtClean="0">
-                          <a:latin typeface="Cambria Math" panose="02040503050406030204" pitchFamily="18" charset="0"/>
-                        </a:rPr>
-                        <m:t>𝐴𝑐𝑐𝑢𝑟𝑎𝑐𝑦</m:t>
-                      </m:r>
-                      <m:d>
-                        <m:dPr>
-                          <m:ctrlPr>
-                            <a:rPr lang="en-US" sz="2400" b="0" i="1" smtClean="0">
-                              <a:latin typeface="Cambria Math" panose="02040503050406030204" pitchFamily="18" charset="0"/>
-                            </a:rPr>
-                          </m:ctrlPr>
-                        </m:dPr>
-                        <m:e>
-                          <m:r>
-                            <a:rPr lang="en-US" sz="2400" b="0" i="1" smtClean="0">
-                              <a:latin typeface="Cambria Math" panose="02040503050406030204" pitchFamily="18" charset="0"/>
-                            </a:rPr>
-                            <m:t>𝐴𝐶𝐶</m:t>
-                          </m:r>
-                        </m:e>
-                      </m:d>
-                      <m:r>
-                        <a:rPr lang="en-US" sz="2400" b="0" i="1" smtClean="0">
-                          <a:latin typeface="Cambria Math" panose="02040503050406030204" pitchFamily="18" charset="0"/>
-                        </a:rPr>
-                        <m:t>=</m:t>
-                      </m:r>
-                      <m:f>
-                        <m:fPr>
-                          <m:ctrlPr>
-                            <a:rPr lang="en-US" sz="2400" b="0" i="1" smtClean="0">
-                              <a:latin typeface="Cambria Math" panose="02040503050406030204" pitchFamily="18" charset="0"/>
-                            </a:rPr>
-                          </m:ctrlPr>
-                        </m:fPr>
-                        <m:num>
-                          <m:r>
-                            <a:rPr lang="en-US" sz="2400" b="0" i="1" smtClean="0">
-                              <a:latin typeface="Cambria Math" panose="02040503050406030204" pitchFamily="18" charset="0"/>
-                            </a:rPr>
-                            <m:t>#</m:t>
-                          </m:r>
-                          <m:r>
-                            <a:rPr lang="en-US" sz="2400" b="0" i="1" smtClean="0">
-                              <a:latin typeface="Cambria Math" panose="02040503050406030204" pitchFamily="18" charset="0"/>
-                            </a:rPr>
-                            <m:t>𝑇𝑃</m:t>
-                          </m:r>
-                          <m:r>
-                            <a:rPr lang="en-US" sz="2400" b="0" i="1" smtClean="0">
-                              <a:latin typeface="Cambria Math" panose="02040503050406030204" pitchFamily="18" charset="0"/>
-                            </a:rPr>
-                            <m:t>+#</m:t>
-                          </m:r>
-                          <m:r>
-                            <a:rPr lang="en-US" sz="2400" b="0" i="1" smtClean="0">
-                              <a:latin typeface="Cambria Math" panose="02040503050406030204" pitchFamily="18" charset="0"/>
-                            </a:rPr>
-                            <m:t>𝑇𝑁</m:t>
-                          </m:r>
-                        </m:num>
-                        <m:den>
-                          <m:r>
-                            <a:rPr lang="en-US" sz="2400" b="0" i="1" smtClean="0">
-                              <a:latin typeface="Cambria Math" panose="02040503050406030204" pitchFamily="18" charset="0"/>
-                            </a:rPr>
-                            <m:t>#</m:t>
-                          </m:r>
-                          <m:r>
-                            <a:rPr lang="en-US" sz="2400" b="0" i="1" smtClean="0">
-                              <a:latin typeface="Cambria Math" panose="02040503050406030204" pitchFamily="18" charset="0"/>
-                            </a:rPr>
-                            <m:t>𝑃𝑜𝑠𝑖𝑡𝑖𝑣𝑒</m:t>
-                          </m:r>
-                          <m:r>
-                            <a:rPr lang="en-US" sz="2400" b="0" i="1" smtClean="0">
-                              <a:latin typeface="Cambria Math" panose="02040503050406030204" pitchFamily="18" charset="0"/>
-                            </a:rPr>
-                            <m:t>+#</m:t>
-                          </m:r>
-                          <m:r>
-                            <a:rPr lang="en-US" sz="2400" b="0" i="1" smtClean="0">
-                              <a:latin typeface="Cambria Math" panose="02040503050406030204" pitchFamily="18" charset="0"/>
-                            </a:rPr>
-                            <m:t>𝑁𝑒𝑔𝑎𝑡𝑖𝑣𝑒</m:t>
-                          </m:r>
-                        </m:den>
-                      </m:f>
-                    </m:oMath>
-                  </m:oMathPara>
-                </a14:m>
-                <a:endParaRPr lang="en-US" sz="2400" dirty="0"/>
-              </a:p>
-            </p:txBody>
-          </p:sp>
-        </mc:Choice>
-        <mc:Fallback>
-          <p:sp>
-            <p:nvSpPr>
-              <p:cNvPr id="5" name="Rectangle 4"/>
-              <p:cNvSpPr>
-                <a:spLocks noRot="1" noChangeAspect="1" noMove="1" noResize="1" noEditPoints="1" noAdjustHandles="1" noChangeArrowheads="1" noChangeShapeType="1" noTextEdit="1"/>
-              </p:cNvSpPr>
-              <p:nvPr/>
-            </p:nvSpPr>
-            <p:spPr>
-              <a:xfrm>
-                <a:off x="2951350" y="5392920"/>
-                <a:ext cx="5975482" cy="848758"/>
-              </a:xfrm>
-              <a:prstGeom prst="rect">
-                <a:avLst/>
-              </a:prstGeom>
-              <a:blipFill>
-                <a:blip r:embed="rId3"/>
-                <a:stretch>
-                  <a:fillRect/>
-                </a:stretch>
-              </a:blipFill>
-            </p:spPr>
-            <p:txBody>
-              <a:bodyPr/>
-              <a:lstStyle/>
-              <a:p>
-                <a:r>
-                  <a:rPr lang="en-US">
-                    <a:noFill/>
-                  </a:rPr>
-                  <a:t> </a:t>
-                </a:r>
-              </a:p>
-            </p:txBody>
-          </p:sp>
-        </mc:Fallback>
-      </mc:AlternateContent>
-    </p:spTree>
-    <p:extLst>
-      <p:ext uri="{BB962C8B-B14F-4D97-AF65-F5344CB8AC3E}">
-        <p14:creationId xmlns:p14="http://schemas.microsoft.com/office/powerpoint/2010/main" val="3436840309"/>
-      </p:ext>
-    </p:extLst>
-  </p:cSld>
-  <p:clrMapOvr>
-    <a:masterClrMapping/>
-  </p:clrMapOvr>
-  <p:timing>
-    <p:tnLst>
-      <p:par>
-        <p:cTn id="1" dur="indefinite" restart="never" nodeType="tmRoot"/>
-      </p:par>
-    </p:tnLst>
-  </p:timing>
-</p:sld>
-</file>
-
-<file path=ppt/slides/slide19.xml><?xml version="1.0" encoding="utf-8"?>
-<p:sld xmlns:a="http://schemas.openxmlformats.org/drawingml/2006/main" xmlns:r="http://schemas.openxmlformats.org/officeDocument/2006/relationships" xmlns:p="http://schemas.openxmlformats.org/presentationml/2006/main">
-  <p:cSld>
-    <p:spTree>
-      <p:nvGrpSpPr>
-        <p:cNvPr id="1" name=""/>
-        <p:cNvGrpSpPr/>
-        <p:nvPr/>
-      </p:nvGrpSpPr>
-      <p:grpSpPr>
-        <a:xfrm>
-          <a:off x="0" y="0"/>
-          <a:ext cx="0" cy="0"/>
-          <a:chOff x="0" y="0"/>
-          <a:chExt cx="0" cy="0"/>
-        </a:xfrm>
-      </p:grpSpPr>
-      <p:sp>
-        <p:nvSpPr>
-          <p:cNvPr id="2" name="Title 1"/>
-          <p:cNvSpPr>
-            <a:spLocks noGrp="1"/>
-          </p:cNvSpPr>
-          <p:nvPr>
-            <p:ph type="title"/>
-          </p:nvPr>
-        </p:nvSpPr>
-        <p:spPr/>
-        <p:txBody>
-          <a:bodyPr/>
-          <a:lstStyle/>
-          <a:p>
-            <a:r>
-              <a:rPr lang="en-US" dirty="0"/>
-              <a:t>Performance </a:t>
-            </a:r>
-            <a:r>
-              <a:rPr lang="en-US" dirty="0" smtClean="0"/>
-              <a:t>measures (precision)</a:t>
-            </a:r>
-            <a:endParaRPr lang="en-US" dirty="0"/>
-          </a:p>
-        </p:txBody>
-      </p:sp>
-      <p:pic>
-        <p:nvPicPr>
-          <p:cNvPr id="4098" name="Picture 2" descr="https://encrypted-tbn0.gstatic.com/images?q=tbn:ANd9GcSQfPbmJv8_pgPlOHZfYft_flnv6SHqaeENOA1nEaEGL6MhJASR&amp;s"/>
-          <p:cNvPicPr>
-            <a:picLocks noChangeAspect="1" noChangeArrowheads="1"/>
-          </p:cNvPicPr>
-          <p:nvPr/>
-        </p:nvPicPr>
-        <p:blipFill>
-          <a:blip r:embed="rId2">
-            <a:extLst>
-              <a:ext uri="{28A0092B-C50C-407E-A947-70E740481C1C}">
-                <a14:useLocalDpi xmlns:a14="http://schemas.microsoft.com/office/drawing/2010/main" val="0"/>
-              </a:ext>
-            </a:extLst>
-          </a:blip>
-          <a:srcRect/>
-          <a:stretch>
-            <a:fillRect/>
-          </a:stretch>
-        </p:blipFill>
-        <p:spPr bwMode="auto">
-          <a:xfrm>
-            <a:off x="1700911" y="2033080"/>
-            <a:ext cx="8476361" cy="3067854"/>
-          </a:xfrm>
-          <a:prstGeom prst="rect">
-            <a:avLst/>
-          </a:prstGeom>
-          <a:noFill/>
-          <a:extLst>
-            <a:ext uri="{909E8E84-426E-40DD-AFC4-6F175D3DCCD1}">
-              <a14:hiddenFill xmlns:a14="http://schemas.microsoft.com/office/drawing/2010/main">
-                <a:solidFill>
-                  <a:srgbClr val="FFFFFF"/>
-                </a:solidFill>
-              </a14:hiddenFill>
-            </a:ext>
-          </a:extLst>
-        </p:spPr>
-      </p:pic>
-      <mc:AlternateContent xmlns:mc="http://schemas.openxmlformats.org/markup-compatibility/2006">
-        <mc:Choice xmlns:a14="http://schemas.microsoft.com/office/drawing/2010/main" Requires="a14">
-          <p:sp>
-            <p:nvSpPr>
-              <p:cNvPr id="5" name="Rectangle 4"/>
-              <p:cNvSpPr/>
-              <p:nvPr/>
-            </p:nvSpPr>
-            <p:spPr>
-              <a:xfrm>
-                <a:off x="4321619" y="5374632"/>
-                <a:ext cx="3545586" cy="790153"/>
-              </a:xfrm>
-              <a:prstGeom prst="rect">
-                <a:avLst/>
-              </a:prstGeom>
-            </p:spPr>
-            <p:txBody>
-              <a:bodyPr wrap="none">
-                <a:spAutoFit/>
-              </a:bodyPr>
-              <a:lstStyle/>
-              <a:p>
-                <a14:m>
-                  <m:oMathPara xmlns:m="http://schemas.openxmlformats.org/officeDocument/2006/math">
-                    <m:oMathParaPr>
-                      <m:jc m:val="centerGroup"/>
-                    </m:oMathParaPr>
-                    <m:oMath xmlns:m="http://schemas.openxmlformats.org/officeDocument/2006/math">
-                      <m:r>
-                        <a:rPr lang="en-US" sz="2400" b="0" i="1" smtClean="0">
-                          <a:latin typeface="Cambria Math" panose="02040503050406030204" pitchFamily="18" charset="0"/>
-                        </a:rPr>
-                        <m:t>𝑃𝑟𝑒𝑐𝑖𝑠𝑖𝑜𝑛</m:t>
-                      </m:r>
-                      <m:r>
-                        <a:rPr lang="en-US" sz="2400" b="0" i="1" smtClean="0">
-                          <a:latin typeface="Cambria Math" panose="02040503050406030204" pitchFamily="18" charset="0"/>
-                        </a:rPr>
-                        <m:t>=</m:t>
-                      </m:r>
-                      <m:f>
-                        <m:fPr>
-                          <m:ctrlPr>
-                            <a:rPr lang="en-US" sz="2400" b="0" i="1" smtClean="0">
-                              <a:latin typeface="Cambria Math" panose="02040503050406030204" pitchFamily="18" charset="0"/>
-                            </a:rPr>
-                          </m:ctrlPr>
-                        </m:fPr>
-                        <m:num>
-                          <m:r>
-                            <a:rPr lang="en-US" sz="2400" b="0" i="1" smtClean="0">
-                              <a:latin typeface="Cambria Math" panose="02040503050406030204" pitchFamily="18" charset="0"/>
-                            </a:rPr>
-                            <m:t>#</m:t>
-                          </m:r>
-                          <m:r>
-                            <a:rPr lang="en-US" sz="2400" b="0" i="1" smtClean="0">
-                              <a:latin typeface="Cambria Math" panose="02040503050406030204" pitchFamily="18" charset="0"/>
-                            </a:rPr>
-                            <m:t>𝑇𝑃</m:t>
-                          </m:r>
-                        </m:num>
-                        <m:den>
-                          <m:r>
-                            <a:rPr lang="en-US" sz="2400" b="0" i="1" smtClean="0">
-                              <a:latin typeface="Cambria Math" panose="02040503050406030204" pitchFamily="18" charset="0"/>
-                            </a:rPr>
-                            <m:t>#</m:t>
-                          </m:r>
-                          <m:r>
-                            <a:rPr lang="en-US" sz="2400" b="0" i="1" smtClean="0">
-                              <a:latin typeface="Cambria Math" panose="02040503050406030204" pitchFamily="18" charset="0"/>
-                            </a:rPr>
-                            <m:t>𝑇𝑃</m:t>
-                          </m:r>
-                          <m:r>
-                            <a:rPr lang="en-US" sz="2400" b="0" i="1" smtClean="0">
-                              <a:latin typeface="Cambria Math" panose="02040503050406030204" pitchFamily="18" charset="0"/>
-                            </a:rPr>
-                            <m:t>+#</m:t>
-                          </m:r>
-                          <m:r>
-                            <a:rPr lang="en-US" sz="2400" b="0" i="1" smtClean="0">
-                              <a:latin typeface="Cambria Math" panose="02040503050406030204" pitchFamily="18" charset="0"/>
-                            </a:rPr>
-                            <m:t>𝐹𝑃</m:t>
-                          </m:r>
-                        </m:den>
-                      </m:f>
-                    </m:oMath>
-                  </m:oMathPara>
-                </a14:m>
-                <a:endParaRPr lang="en-US" sz="2400" dirty="0"/>
-              </a:p>
-            </p:txBody>
-          </p:sp>
-        </mc:Choice>
-        <mc:Fallback>
-          <p:sp>
-            <p:nvSpPr>
-              <p:cNvPr id="5" name="Rectangle 4"/>
-              <p:cNvSpPr>
-                <a:spLocks noRot="1" noChangeAspect="1" noMove="1" noResize="1" noEditPoints="1" noAdjustHandles="1" noChangeArrowheads="1" noChangeShapeType="1" noTextEdit="1"/>
-              </p:cNvSpPr>
-              <p:nvPr/>
-            </p:nvSpPr>
-            <p:spPr>
-              <a:xfrm>
-                <a:off x="4321619" y="5374632"/>
-                <a:ext cx="3545586" cy="790153"/>
-              </a:xfrm>
-              <a:prstGeom prst="rect">
-                <a:avLst/>
-              </a:prstGeom>
-              <a:blipFill>
-                <a:blip r:embed="rId3"/>
-                <a:stretch>
-                  <a:fillRect/>
-                </a:stretch>
-              </a:blipFill>
-            </p:spPr>
-            <p:txBody>
-              <a:bodyPr/>
-              <a:lstStyle/>
-              <a:p>
-                <a:r>
-                  <a:rPr lang="en-US">
-                    <a:noFill/>
-                  </a:rPr>
-                  <a:t> </a:t>
-                </a:r>
-              </a:p>
-            </p:txBody>
-          </p:sp>
-        </mc:Fallback>
-      </mc:AlternateContent>
-    </p:spTree>
-    <p:extLst>
-      <p:ext uri="{BB962C8B-B14F-4D97-AF65-F5344CB8AC3E}">
-        <p14:creationId xmlns:p14="http://schemas.microsoft.com/office/powerpoint/2010/main" val="86179561"/>
-      </p:ext>
-    </p:extLst>
-  </p:cSld>
-  <p:clrMapOvr>
-    <a:masterClrMapping/>
-  </p:clrMapOvr>
-  <p:timing>
-    <p:tnLst>
-      <p:par>
-        <p:cTn id="1" dur="indefinite" restart="never" nodeType="tmRoot"/>
-      </p:par>
-    </p:tnLst>
-  </p:timing>
-</p:sld>
-</file>
-
-<file path=ppt/slides/slide2.xml><?xml version="1.0" encoding="utf-8"?>
-<p:sld xmlns:a="http://schemas.openxmlformats.org/drawingml/2006/main" xmlns:r="http://schemas.openxmlformats.org/officeDocument/2006/relationships" xmlns:p="http://schemas.openxmlformats.org/presentationml/2006/main">
-  <p:cSld>
-    <p:spTree>
-      <p:nvGrpSpPr>
-        <p:cNvPr id="1" name=""/>
-        <p:cNvGrpSpPr/>
-        <p:nvPr/>
-      </p:nvGrpSpPr>
-      <p:grpSpPr>
-        <a:xfrm>
-          <a:off x="0" y="0"/>
-          <a:ext cx="0" cy="0"/>
-          <a:chOff x="0" y="0"/>
-          <a:chExt cx="0" cy="0"/>
-        </a:xfrm>
-      </p:grpSpPr>
-      <p:sp>
-        <p:nvSpPr>
-          <p:cNvPr id="2" name="Title 1"/>
-          <p:cNvSpPr>
-            <a:spLocks noGrp="1"/>
-          </p:cNvSpPr>
-          <p:nvPr>
-            <p:ph type="title"/>
-          </p:nvPr>
-        </p:nvSpPr>
-        <p:spPr/>
-        <p:txBody>
-          <a:bodyPr/>
-          <a:lstStyle/>
-          <a:p>
-            <a:r>
-              <a:rPr lang="en-US" dirty="0" smtClean="0"/>
-              <a:t>Bias and variance</a:t>
-            </a:r>
-            <a:endParaRPr lang="en-US" dirty="0"/>
-          </a:p>
-        </p:txBody>
-      </p:sp>
-      <p:pic>
-        <p:nvPicPr>
-          <p:cNvPr id="6" name="Picture 5"/>
-          <p:cNvPicPr>
-            <a:picLocks noChangeAspect="1"/>
-          </p:cNvPicPr>
-          <p:nvPr/>
-        </p:nvPicPr>
-        <p:blipFill rotWithShape="1">
-          <a:blip r:embed="rId2">
-            <a:extLst>
-              <a:ext uri="{28A0092B-C50C-407E-A947-70E740481C1C}">
-                <a14:useLocalDpi xmlns:a14="http://schemas.microsoft.com/office/drawing/2010/main" val="0"/>
-              </a:ext>
-            </a:extLst>
-          </a:blip>
-          <a:srcRect b="13068"/>
-          <a:stretch/>
-        </p:blipFill>
-        <p:spPr>
-          <a:xfrm>
-            <a:off x="3354461" y="1868532"/>
-            <a:ext cx="4731855" cy="4449972"/>
-          </a:xfrm>
-          <a:prstGeom prst="rect">
-            <a:avLst/>
-          </a:prstGeom>
-        </p:spPr>
-      </p:pic>
-    </p:spTree>
-    <p:extLst>
-      <p:ext uri="{BB962C8B-B14F-4D97-AF65-F5344CB8AC3E}">
-        <p14:creationId xmlns:p14="http://schemas.microsoft.com/office/powerpoint/2010/main" val="2647028369"/>
-      </p:ext>
-    </p:extLst>
-  </p:cSld>
-  <p:clrMapOvr>
-    <a:masterClrMapping/>
-  </p:clrMapOvr>
-  <p:timing>
-    <p:tnLst>
-      <p:par>
-        <p:cTn id="1" dur="indefinite" restart="never" nodeType="tmRoot"/>
-      </p:par>
-    </p:tnLst>
-  </p:timing>
-</p:sld>
-</file>
-
-<file path=ppt/slides/slide20.xml><?xml version="1.0" encoding="utf-8"?>
-<p:sld xmlns:a="http://schemas.openxmlformats.org/drawingml/2006/main" xmlns:r="http://schemas.openxmlformats.org/officeDocument/2006/relationships" xmlns:p="http://schemas.openxmlformats.org/presentationml/2006/main">
-  <p:cSld>
-    <p:spTree>
-      <p:nvGrpSpPr>
-        <p:cNvPr id="1" name=""/>
-        <p:cNvGrpSpPr/>
-        <p:nvPr/>
-      </p:nvGrpSpPr>
-      <p:grpSpPr>
-        <a:xfrm>
-          <a:off x="0" y="0"/>
-          <a:ext cx="0" cy="0"/>
-          <a:chOff x="0" y="0"/>
-          <a:chExt cx="0" cy="0"/>
-        </a:xfrm>
-      </p:grpSpPr>
-      <p:sp>
-        <p:nvSpPr>
-          <p:cNvPr id="2" name="Title 1"/>
-          <p:cNvSpPr>
-            <a:spLocks noGrp="1"/>
-          </p:cNvSpPr>
-          <p:nvPr>
-            <p:ph type="title"/>
-          </p:nvPr>
-        </p:nvSpPr>
-        <p:spPr/>
-        <p:txBody>
-          <a:bodyPr/>
-          <a:lstStyle/>
-          <a:p>
-            <a:r>
-              <a:rPr lang="en-US" dirty="0"/>
-              <a:t>Performance </a:t>
-            </a:r>
-            <a:r>
-              <a:rPr lang="en-US" dirty="0" smtClean="0"/>
-              <a:t>measures (recall)</a:t>
-            </a:r>
-            <a:endParaRPr lang="en-US" dirty="0"/>
-          </a:p>
-        </p:txBody>
-      </p:sp>
-      <p:pic>
-        <p:nvPicPr>
-          <p:cNvPr id="4098" name="Picture 2" descr="https://encrypted-tbn0.gstatic.com/images?q=tbn:ANd9GcSQfPbmJv8_pgPlOHZfYft_flnv6SHqaeENOA1nEaEGL6MhJASR&amp;s"/>
-          <p:cNvPicPr>
-            <a:picLocks noChangeAspect="1" noChangeArrowheads="1"/>
-          </p:cNvPicPr>
-          <p:nvPr/>
-        </p:nvPicPr>
-        <p:blipFill>
-          <a:blip r:embed="rId2">
-            <a:extLst>
-              <a:ext uri="{28A0092B-C50C-407E-A947-70E740481C1C}">
-                <a14:useLocalDpi xmlns:a14="http://schemas.microsoft.com/office/drawing/2010/main" val="0"/>
-              </a:ext>
-            </a:extLst>
-          </a:blip>
-          <a:srcRect/>
-          <a:stretch>
-            <a:fillRect/>
-          </a:stretch>
-        </p:blipFill>
-        <p:spPr bwMode="auto">
-          <a:xfrm>
-            <a:off x="1700911" y="2033080"/>
-            <a:ext cx="8476361" cy="3067854"/>
-          </a:xfrm>
-          <a:prstGeom prst="rect">
-            <a:avLst/>
-          </a:prstGeom>
-          <a:noFill/>
-          <a:extLst>
-            <a:ext uri="{909E8E84-426E-40DD-AFC4-6F175D3DCCD1}">
-              <a14:hiddenFill xmlns:a14="http://schemas.microsoft.com/office/drawing/2010/main">
-                <a:solidFill>
-                  <a:srgbClr val="FFFFFF"/>
-                </a:solidFill>
-              </a14:hiddenFill>
-            </a:ext>
-          </a:extLst>
-        </p:spPr>
-      </p:pic>
-      <mc:AlternateContent xmlns:mc="http://schemas.openxmlformats.org/markup-compatibility/2006">
-        <mc:Choice xmlns:a14="http://schemas.microsoft.com/office/drawing/2010/main" Requires="a14">
-          <p:sp>
-            <p:nvSpPr>
-              <p:cNvPr id="5" name="Rectangle 4"/>
-              <p:cNvSpPr/>
-              <p:nvPr/>
-            </p:nvSpPr>
-            <p:spPr>
-              <a:xfrm>
-                <a:off x="3997630" y="5328912"/>
-                <a:ext cx="3882922" cy="790153"/>
-              </a:xfrm>
-              <a:prstGeom prst="rect">
-                <a:avLst/>
-              </a:prstGeom>
-            </p:spPr>
-            <p:txBody>
-              <a:bodyPr wrap="none">
-                <a:spAutoFit/>
-              </a:bodyPr>
-              <a:lstStyle/>
-              <a:p>
-                <a:pPr/>
-                <a14:m>
-                  <m:oMathPara xmlns:m="http://schemas.openxmlformats.org/officeDocument/2006/math">
-                    <m:oMathParaPr>
-                      <m:jc m:val="centerGroup"/>
-                    </m:oMathParaPr>
-                    <m:oMath xmlns:m="http://schemas.openxmlformats.org/officeDocument/2006/math">
-                      <m:r>
-                        <a:rPr lang="en-US" sz="2400" b="0" i="1" smtClean="0">
-                          <a:latin typeface="Cambria Math" panose="02040503050406030204" pitchFamily="18" charset="0"/>
-                        </a:rPr>
-                        <m:t>𝑟𝑒𝑐𝑎𝑙𝑙</m:t>
-                      </m:r>
-                      <m:r>
-                        <a:rPr lang="en-US" sz="2400" b="0" i="1" smtClean="0">
-                          <a:latin typeface="Cambria Math" panose="02040503050406030204" pitchFamily="18" charset="0"/>
-                        </a:rPr>
-                        <m:t>(</m:t>
-                      </m:r>
-                      <m:r>
-                        <a:rPr lang="en-US" sz="2400" b="0" i="1" smtClean="0">
-                          <a:latin typeface="Cambria Math" panose="02040503050406030204" pitchFamily="18" charset="0"/>
-                        </a:rPr>
-                        <m:t>𝑇𝑃𝑅</m:t>
-                      </m:r>
-                      <m:r>
-                        <a:rPr lang="en-US" sz="2400" b="0" i="1" smtClean="0">
-                          <a:latin typeface="Cambria Math" panose="02040503050406030204" pitchFamily="18" charset="0"/>
-                        </a:rPr>
-                        <m:t>)=</m:t>
-                      </m:r>
-                      <m:f>
-                        <m:fPr>
-                          <m:ctrlPr>
-                            <a:rPr lang="en-US" sz="2400" i="1">
-                              <a:latin typeface="Cambria Math" panose="02040503050406030204" pitchFamily="18" charset="0"/>
-                            </a:rPr>
-                          </m:ctrlPr>
-                        </m:fPr>
-                        <m:num>
-                          <m:r>
-                            <a:rPr lang="en-US" sz="2400" i="1">
-                              <a:latin typeface="Cambria Math" panose="02040503050406030204" pitchFamily="18" charset="0"/>
-                            </a:rPr>
-                            <m:t>#</m:t>
-                          </m:r>
-                          <m:r>
-                            <a:rPr lang="en-US" sz="2400" i="1">
-                              <a:latin typeface="Cambria Math" panose="02040503050406030204" pitchFamily="18" charset="0"/>
-                            </a:rPr>
-                            <m:t>𝑇𝑃</m:t>
-                          </m:r>
-                        </m:num>
-                        <m:den>
-                          <m:r>
-                            <a:rPr lang="en-US" sz="2400" i="1">
-                              <a:latin typeface="Cambria Math" panose="02040503050406030204" pitchFamily="18" charset="0"/>
-                            </a:rPr>
-                            <m:t>#</m:t>
-                          </m:r>
-                          <m:r>
-                            <a:rPr lang="en-US" sz="2400" i="1">
-                              <a:latin typeface="Cambria Math" panose="02040503050406030204" pitchFamily="18" charset="0"/>
-                            </a:rPr>
-                            <m:t>𝑇𝑃</m:t>
-                          </m:r>
-                          <m:r>
-                            <a:rPr lang="en-US" sz="2400" i="1">
-                              <a:latin typeface="Cambria Math" panose="02040503050406030204" pitchFamily="18" charset="0"/>
-                            </a:rPr>
-                            <m:t>+#</m:t>
-                          </m:r>
-                          <m:r>
-                            <a:rPr lang="en-US" sz="2400" i="1">
-                              <a:latin typeface="Cambria Math" panose="02040503050406030204" pitchFamily="18" charset="0"/>
-                            </a:rPr>
-                            <m:t>𝐹𝑁</m:t>
-                          </m:r>
-                        </m:den>
-                      </m:f>
-                    </m:oMath>
-                  </m:oMathPara>
-                </a14:m>
-                <a:endParaRPr lang="en-US" sz="2400" dirty="0"/>
-              </a:p>
-            </p:txBody>
-          </p:sp>
-        </mc:Choice>
-        <mc:Fallback>
-          <p:sp>
-            <p:nvSpPr>
-              <p:cNvPr id="5" name="Rectangle 4"/>
-              <p:cNvSpPr>
-                <a:spLocks noRot="1" noChangeAspect="1" noMove="1" noResize="1" noEditPoints="1" noAdjustHandles="1" noChangeArrowheads="1" noChangeShapeType="1" noTextEdit="1"/>
-              </p:cNvSpPr>
-              <p:nvPr/>
-            </p:nvSpPr>
-            <p:spPr>
-              <a:xfrm>
-                <a:off x="3997630" y="5328912"/>
-                <a:ext cx="3882922" cy="790153"/>
-              </a:xfrm>
-              <a:prstGeom prst="rect">
-                <a:avLst/>
-              </a:prstGeom>
-              <a:blipFill>
-                <a:blip r:embed="rId3"/>
-                <a:stretch>
-                  <a:fillRect/>
-                </a:stretch>
-              </a:blipFill>
-            </p:spPr>
-            <p:txBody>
-              <a:bodyPr/>
-              <a:lstStyle/>
-              <a:p>
-                <a:r>
-                  <a:rPr lang="en-US">
-                    <a:noFill/>
-                  </a:rPr>
-                  <a:t> </a:t>
-                </a:r>
-              </a:p>
-            </p:txBody>
-          </p:sp>
-        </mc:Fallback>
-      </mc:AlternateContent>
-    </p:spTree>
-    <p:extLst>
-      <p:ext uri="{BB962C8B-B14F-4D97-AF65-F5344CB8AC3E}">
-        <p14:creationId xmlns:p14="http://schemas.microsoft.com/office/powerpoint/2010/main" val="3069107534"/>
-      </p:ext>
-    </p:extLst>
-  </p:cSld>
-  <p:clrMapOvr>
-    <a:masterClrMapping/>
-  </p:clrMapOvr>
-  <p:timing>
-    <p:tnLst>
-      <p:par>
-        <p:cTn id="1" dur="indefinite" restart="never" nodeType="tmRoot"/>
-      </p:par>
-    </p:tnLst>
-  </p:timing>
-</p:sld>
-</file>
-
-<file path=ppt/slides/slide21.xml><?xml version="1.0" encoding="utf-8"?>
-<p:sld xmlns:a="http://schemas.openxmlformats.org/drawingml/2006/main" xmlns:r="http://schemas.openxmlformats.org/officeDocument/2006/relationships" xmlns:p="http://schemas.openxmlformats.org/presentationml/2006/main">
-  <p:cSld>
-    <p:spTree>
-      <p:nvGrpSpPr>
-        <p:cNvPr id="1" name=""/>
-        <p:cNvGrpSpPr/>
-        <p:nvPr/>
-      </p:nvGrpSpPr>
-      <p:grpSpPr>
-        <a:xfrm>
-          <a:off x="0" y="0"/>
-          <a:ext cx="0" cy="0"/>
-          <a:chOff x="0" y="0"/>
-          <a:chExt cx="0" cy="0"/>
-        </a:xfrm>
-      </p:grpSpPr>
-      <p:sp>
-        <p:nvSpPr>
-          <p:cNvPr id="2" name="Title 1"/>
-          <p:cNvSpPr>
-            <a:spLocks noGrp="1"/>
-          </p:cNvSpPr>
-          <p:nvPr>
-            <p:ph type="title"/>
-          </p:nvPr>
-        </p:nvSpPr>
-        <p:spPr/>
-        <p:txBody>
-          <a:bodyPr/>
-          <a:lstStyle/>
-          <a:p>
-            <a:r>
-              <a:rPr lang="en-US" dirty="0"/>
-              <a:t>Performance </a:t>
-            </a:r>
-            <a:r>
-              <a:rPr lang="en-US" dirty="0" smtClean="0"/>
-              <a:t>measures (F1-score)</a:t>
-            </a:r>
-            <a:endParaRPr lang="en-US" dirty="0"/>
-          </a:p>
-        </p:txBody>
-      </p:sp>
-      <p:pic>
-        <p:nvPicPr>
-          <p:cNvPr id="4098" name="Picture 2" descr="https://encrypted-tbn0.gstatic.com/images?q=tbn:ANd9GcSQfPbmJv8_pgPlOHZfYft_flnv6SHqaeENOA1nEaEGL6MhJASR&amp;s"/>
-          <p:cNvPicPr>
-            <a:picLocks noChangeAspect="1" noChangeArrowheads="1"/>
-          </p:cNvPicPr>
-          <p:nvPr/>
-        </p:nvPicPr>
-        <p:blipFill>
-          <a:blip r:embed="rId2">
-            <a:extLst>
-              <a:ext uri="{28A0092B-C50C-407E-A947-70E740481C1C}">
-                <a14:useLocalDpi xmlns:a14="http://schemas.microsoft.com/office/drawing/2010/main" val="0"/>
-              </a:ext>
-            </a:extLst>
-          </a:blip>
-          <a:srcRect/>
-          <a:stretch>
-            <a:fillRect/>
-          </a:stretch>
-        </p:blipFill>
-        <p:spPr bwMode="auto">
-          <a:xfrm>
-            <a:off x="1700911" y="2033080"/>
-            <a:ext cx="8476361" cy="3067854"/>
-          </a:xfrm>
-          <a:prstGeom prst="rect">
-            <a:avLst/>
-          </a:prstGeom>
-          <a:noFill/>
-          <a:extLst>
-            <a:ext uri="{909E8E84-426E-40DD-AFC4-6F175D3DCCD1}">
-              <a14:hiddenFill xmlns:a14="http://schemas.microsoft.com/office/drawing/2010/main">
-                <a:solidFill>
-                  <a:srgbClr val="FFFFFF"/>
-                </a:solidFill>
-              </a14:hiddenFill>
-            </a:ext>
-          </a:extLst>
-        </p:spPr>
-      </p:pic>
-      <mc:AlternateContent xmlns:mc="http://schemas.openxmlformats.org/markup-compatibility/2006">
-        <mc:Choice xmlns:a14="http://schemas.microsoft.com/office/drawing/2010/main" Requires="a14">
-          <p:sp>
-            <p:nvSpPr>
-              <p:cNvPr id="5" name="Rectangle 4"/>
-              <p:cNvSpPr/>
-              <p:nvPr/>
-            </p:nvSpPr>
-            <p:spPr>
-              <a:xfrm>
-                <a:off x="3997630" y="5328912"/>
-                <a:ext cx="4779578" cy="799771"/>
-              </a:xfrm>
-              <a:prstGeom prst="rect">
-                <a:avLst/>
-              </a:prstGeom>
-            </p:spPr>
-            <p:txBody>
-              <a:bodyPr wrap="none">
-                <a:spAutoFit/>
-              </a:bodyPr>
-              <a:lstStyle/>
-              <a:p>
-                <a:pPr/>
-                <a14:m>
-                  <m:oMathPara xmlns:m="http://schemas.openxmlformats.org/officeDocument/2006/math">
-                    <m:oMathParaPr>
-                      <m:jc m:val="centerGroup"/>
-                    </m:oMathParaPr>
-                    <m:oMath xmlns:m="http://schemas.openxmlformats.org/officeDocument/2006/math">
-                      <m:sSub>
-                        <m:sSubPr>
-                          <m:ctrlPr>
-                            <a:rPr lang="en-US" sz="2400" b="0" i="1" smtClean="0">
-                              <a:latin typeface="Cambria Math" panose="02040503050406030204" pitchFamily="18" charset="0"/>
-                            </a:rPr>
-                          </m:ctrlPr>
-                        </m:sSubPr>
-                        <m:e>
-                          <m:r>
-                            <a:rPr lang="en-US" sz="2400" b="0" i="1" smtClean="0">
-                              <a:latin typeface="Cambria Math" panose="02040503050406030204" pitchFamily="18" charset="0"/>
-                            </a:rPr>
-                            <m:t>𝐹</m:t>
-                          </m:r>
-                        </m:e>
-                        <m:sub>
-                          <m:r>
-                            <a:rPr lang="en-US" sz="2400" b="0" i="1" smtClean="0">
-                              <a:latin typeface="Cambria Math" panose="02040503050406030204" pitchFamily="18" charset="0"/>
-                            </a:rPr>
-                            <m:t>1</m:t>
-                          </m:r>
-                        </m:sub>
-                      </m:sSub>
-                      <m:r>
-                        <a:rPr lang="en-US" sz="2400" b="0" i="1" smtClean="0">
-                          <a:latin typeface="Cambria Math" panose="02040503050406030204" pitchFamily="18" charset="0"/>
-                        </a:rPr>
-                        <m:t> </m:t>
-                      </m:r>
-                      <m:r>
-                        <a:rPr lang="en-US" sz="2400" b="0" i="1" smtClean="0">
-                          <a:latin typeface="Cambria Math" panose="02040503050406030204" pitchFamily="18" charset="0"/>
-                        </a:rPr>
-                        <m:t>𝑠𝑐𝑜𝑟𝑒</m:t>
-                      </m:r>
-                      <m:r>
-                        <a:rPr lang="en-US" sz="2400" i="1">
-                          <a:latin typeface="Cambria Math" panose="02040503050406030204" pitchFamily="18" charset="0"/>
-                        </a:rPr>
-                        <m:t>=</m:t>
-                      </m:r>
-                      <m:r>
-                        <a:rPr lang="en-US" sz="2400" b="0" i="1" smtClean="0">
-                          <a:latin typeface="Cambria Math" panose="02040503050406030204" pitchFamily="18" charset="0"/>
-                        </a:rPr>
-                        <m:t>2∗</m:t>
-                      </m:r>
-                      <m:f>
-                        <m:fPr>
-                          <m:ctrlPr>
-                            <a:rPr lang="en-US" sz="2400" i="1">
-                              <a:latin typeface="Cambria Math" panose="02040503050406030204" pitchFamily="18" charset="0"/>
-                            </a:rPr>
-                          </m:ctrlPr>
-                        </m:fPr>
-                        <m:num>
-                          <m:r>
-                            <a:rPr lang="en-US" sz="2400" b="0" i="1" smtClean="0">
-                              <a:latin typeface="Cambria Math" panose="02040503050406030204" pitchFamily="18" charset="0"/>
-                            </a:rPr>
-                            <m:t>𝑃𝑟𝑒𝑐𝑖𝑠𝑖𝑜𝑛</m:t>
-                          </m:r>
-                          <m:r>
-                            <a:rPr lang="en-US" sz="2400" b="0" i="1" smtClean="0">
-                              <a:latin typeface="Cambria Math" panose="02040503050406030204" pitchFamily="18" charset="0"/>
-                            </a:rPr>
-                            <m:t> ∗</m:t>
-                          </m:r>
-                          <m:r>
-                            <a:rPr lang="en-US" sz="2400" b="0" i="1" smtClean="0">
-                              <a:latin typeface="Cambria Math" panose="02040503050406030204" pitchFamily="18" charset="0"/>
-                            </a:rPr>
-                            <m:t>𝑅𝑒𝑐𝑎𝑙𝑙</m:t>
-                          </m:r>
-                        </m:num>
-                        <m:den>
-                          <m:r>
-                            <a:rPr lang="en-US" sz="2400" i="1">
-                              <a:latin typeface="Cambria Math" panose="02040503050406030204" pitchFamily="18" charset="0"/>
-                            </a:rPr>
-                            <m:t>𝑃𝑟𝑒𝑐𝑖𝑠𝑖𝑜𝑛</m:t>
-                          </m:r>
-                          <m:r>
-                            <a:rPr lang="en-US" sz="2400" b="0" i="1" smtClean="0">
-                              <a:latin typeface="Cambria Math" panose="02040503050406030204" pitchFamily="18" charset="0"/>
-                            </a:rPr>
-                            <m:t>+</m:t>
-                          </m:r>
-                          <m:r>
-                            <a:rPr lang="en-US" sz="2400" i="1">
-                              <a:latin typeface="Cambria Math" panose="02040503050406030204" pitchFamily="18" charset="0"/>
-                            </a:rPr>
-                            <m:t>𝑅𝑒𝑐𝑎𝑙𝑙</m:t>
-                          </m:r>
-                        </m:den>
-                      </m:f>
-                    </m:oMath>
-                  </m:oMathPara>
-                </a14:m>
-                <a:endParaRPr lang="en-US" sz="2400" dirty="0"/>
-              </a:p>
-            </p:txBody>
-          </p:sp>
-        </mc:Choice>
-        <mc:Fallback>
-          <p:sp>
-            <p:nvSpPr>
-              <p:cNvPr id="5" name="Rectangle 4"/>
-              <p:cNvSpPr>
-                <a:spLocks noRot="1" noChangeAspect="1" noMove="1" noResize="1" noEditPoints="1" noAdjustHandles="1" noChangeArrowheads="1" noChangeShapeType="1" noTextEdit="1"/>
-              </p:cNvSpPr>
-              <p:nvPr/>
-            </p:nvSpPr>
-            <p:spPr>
-              <a:xfrm>
-                <a:off x="3997630" y="5328912"/>
-                <a:ext cx="4779578" cy="799771"/>
-              </a:xfrm>
-              <a:prstGeom prst="rect">
-                <a:avLst/>
-              </a:prstGeom>
-              <a:blipFill>
-                <a:blip r:embed="rId3"/>
-                <a:stretch>
-                  <a:fillRect/>
-                </a:stretch>
-              </a:blipFill>
-            </p:spPr>
-            <p:txBody>
-              <a:bodyPr/>
-              <a:lstStyle/>
-              <a:p>
-                <a:r>
-                  <a:rPr lang="en-US">
-                    <a:noFill/>
-                  </a:rPr>
-                  <a:t> </a:t>
-                </a:r>
-              </a:p>
-            </p:txBody>
-          </p:sp>
-        </mc:Fallback>
-      </mc:AlternateContent>
-    </p:spTree>
-    <p:extLst>
-      <p:ext uri="{BB962C8B-B14F-4D97-AF65-F5344CB8AC3E}">
-        <p14:creationId xmlns:p14="http://schemas.microsoft.com/office/powerpoint/2010/main" val="577677785"/>
-      </p:ext>
-    </p:extLst>
-  </p:cSld>
-  <p:clrMapOvr>
-    <a:masterClrMapping/>
-  </p:clrMapOvr>
-  <p:timing>
-    <p:tnLst>
-      <p:par>
-        <p:cTn id="1" dur="indefinite" restart="never" nodeType="tmRoot"/>
-      </p:par>
-    </p:tnLst>
-  </p:timing>
-</p:sld>
-</file>
-
-<file path=ppt/slides/slide22.xml><?xml version="1.0" encoding="utf-8"?>
-<p:sld xmlns:a="http://schemas.openxmlformats.org/drawingml/2006/main" xmlns:r="http://schemas.openxmlformats.org/officeDocument/2006/relationships" xmlns:p="http://schemas.openxmlformats.org/presentationml/2006/main">
-  <p:cSld>
-    <p:spTree>
-      <p:nvGrpSpPr>
-        <p:cNvPr id="1" name=""/>
-        <p:cNvGrpSpPr/>
-        <p:nvPr/>
-      </p:nvGrpSpPr>
-      <p:grpSpPr>
-        <a:xfrm>
-          <a:off x="0" y="0"/>
-          <a:ext cx="0" cy="0"/>
-          <a:chOff x="0" y="0"/>
-          <a:chExt cx="0" cy="0"/>
-        </a:xfrm>
-      </p:grpSpPr>
-      <p:sp>
-        <p:nvSpPr>
-          <p:cNvPr id="2" name="Title 1"/>
-          <p:cNvSpPr>
-            <a:spLocks noGrp="1"/>
-          </p:cNvSpPr>
-          <p:nvPr>
-            <p:ph type="title"/>
-          </p:nvPr>
-        </p:nvSpPr>
-        <p:spPr/>
-        <p:txBody>
-          <a:bodyPr/>
-          <a:lstStyle/>
-          <a:p>
-            <a:r>
-              <a:rPr lang="en-US" dirty="0"/>
-              <a:t>Receiver operating characteristic</a:t>
-            </a:r>
-            <a:br>
-              <a:rPr lang="en-US" dirty="0"/>
-            </a:br>
-            <a:r>
-              <a:rPr lang="en-US" dirty="0" smtClean="0"/>
-              <a:t>(Roc) curve</a:t>
-            </a:r>
-            <a:endParaRPr lang="en-US" dirty="0"/>
-          </a:p>
-        </p:txBody>
-      </p:sp>
-      <mc:AlternateContent xmlns:mc="http://schemas.openxmlformats.org/markup-compatibility/2006">
-        <mc:Choice xmlns:a14="http://schemas.microsoft.com/office/drawing/2010/main" Requires="a14">
-          <p:sp>
-            <p:nvSpPr>
-              <p:cNvPr id="4" name="Rectangle 3"/>
-              <p:cNvSpPr/>
-              <p:nvPr/>
-            </p:nvSpPr>
-            <p:spPr>
-              <a:xfrm>
-                <a:off x="1141413" y="2366256"/>
-                <a:ext cx="2810385" cy="790153"/>
-              </a:xfrm>
-              <a:prstGeom prst="rect">
-                <a:avLst/>
-              </a:prstGeom>
-            </p:spPr>
-            <p:txBody>
-              <a:bodyPr wrap="none">
-                <a:spAutoFit/>
-              </a:bodyPr>
-              <a:lstStyle/>
-              <a:p>
-                <a:pPr/>
-                <a14:m>
-                  <m:oMathPara xmlns:m="http://schemas.openxmlformats.org/officeDocument/2006/math">
-                    <m:oMathParaPr>
-                      <m:jc m:val="centerGroup"/>
-                    </m:oMathParaPr>
-                    <m:oMath xmlns:m="http://schemas.openxmlformats.org/officeDocument/2006/math">
-                      <m:r>
-                        <a:rPr lang="en-US" sz="2400" b="0" i="1" smtClean="0">
-                          <a:latin typeface="Cambria Math" panose="02040503050406030204" pitchFamily="18" charset="0"/>
-                        </a:rPr>
-                        <m:t>𝑇𝑃𝑅</m:t>
-                      </m:r>
-                      <m:r>
-                        <a:rPr lang="en-US" sz="2400" i="1">
-                          <a:latin typeface="Cambria Math" panose="02040503050406030204" pitchFamily="18" charset="0"/>
-                        </a:rPr>
-                        <m:t>=</m:t>
-                      </m:r>
-                      <m:f>
-                        <m:fPr>
-                          <m:ctrlPr>
-                            <a:rPr lang="en-US" sz="2400" i="1">
-                              <a:latin typeface="Cambria Math" panose="02040503050406030204" pitchFamily="18" charset="0"/>
-                            </a:rPr>
-                          </m:ctrlPr>
-                        </m:fPr>
-                        <m:num>
-                          <m:r>
-                            <a:rPr lang="en-US" sz="2400" i="1">
-                              <a:latin typeface="Cambria Math" panose="02040503050406030204" pitchFamily="18" charset="0"/>
-                            </a:rPr>
-                            <m:t>#</m:t>
-                          </m:r>
-                          <m:r>
-                            <a:rPr lang="en-US" sz="2400" i="1">
-                              <a:latin typeface="Cambria Math" panose="02040503050406030204" pitchFamily="18" charset="0"/>
-                            </a:rPr>
-                            <m:t>𝑇𝑃</m:t>
-                          </m:r>
-                        </m:num>
-                        <m:den>
-                          <m:r>
-                            <a:rPr lang="en-US" sz="2400" i="1">
-                              <a:latin typeface="Cambria Math" panose="02040503050406030204" pitchFamily="18" charset="0"/>
-                            </a:rPr>
-                            <m:t>#</m:t>
-                          </m:r>
-                          <m:r>
-                            <a:rPr lang="en-US" sz="2400" i="1">
-                              <a:latin typeface="Cambria Math" panose="02040503050406030204" pitchFamily="18" charset="0"/>
-                            </a:rPr>
-                            <m:t>𝑇𝑃</m:t>
-                          </m:r>
-                          <m:r>
-                            <a:rPr lang="en-US" sz="2400" i="1">
-                              <a:latin typeface="Cambria Math" panose="02040503050406030204" pitchFamily="18" charset="0"/>
-                            </a:rPr>
-                            <m:t>+#</m:t>
-                          </m:r>
-                          <m:r>
-                            <a:rPr lang="en-US" sz="2400" i="1">
-                              <a:latin typeface="Cambria Math" panose="02040503050406030204" pitchFamily="18" charset="0"/>
-                            </a:rPr>
-                            <m:t>𝐹𝑁</m:t>
-                          </m:r>
-                        </m:den>
-                      </m:f>
-                    </m:oMath>
-                  </m:oMathPara>
-                </a14:m>
-                <a:endParaRPr lang="en-US" sz="2400" dirty="0"/>
-              </a:p>
-            </p:txBody>
-          </p:sp>
-        </mc:Choice>
-        <mc:Fallback>
-          <p:sp>
-            <p:nvSpPr>
-              <p:cNvPr id="4" name="Rectangle 3"/>
-              <p:cNvSpPr>
-                <a:spLocks noRot="1" noChangeAspect="1" noMove="1" noResize="1" noEditPoints="1" noAdjustHandles="1" noChangeArrowheads="1" noChangeShapeType="1" noTextEdit="1"/>
-              </p:cNvSpPr>
-              <p:nvPr/>
-            </p:nvSpPr>
-            <p:spPr>
-              <a:xfrm>
-                <a:off x="1141413" y="2366256"/>
-                <a:ext cx="2810385" cy="790153"/>
-              </a:xfrm>
-              <a:prstGeom prst="rect">
-                <a:avLst/>
-              </a:prstGeom>
-              <a:blipFill>
-                <a:blip r:embed="rId2"/>
-                <a:stretch>
-                  <a:fillRect/>
-                </a:stretch>
-              </a:blipFill>
-            </p:spPr>
-            <p:txBody>
-              <a:bodyPr/>
-              <a:lstStyle/>
-              <a:p>
-                <a:r>
-                  <a:rPr lang="en-US">
-                    <a:noFill/>
-                  </a:rPr>
-                  <a:t> </a:t>
-                </a:r>
-              </a:p>
-            </p:txBody>
-          </p:sp>
-        </mc:Fallback>
-      </mc:AlternateContent>
-      <mc:AlternateContent xmlns:mc="http://schemas.openxmlformats.org/markup-compatibility/2006">
-        <mc:Choice xmlns:a14="http://schemas.microsoft.com/office/drawing/2010/main" Requires="a14">
-          <p:sp>
-            <p:nvSpPr>
-              <p:cNvPr id="5" name="Rectangle 4"/>
-              <p:cNvSpPr/>
-              <p:nvPr/>
-            </p:nvSpPr>
-            <p:spPr>
-              <a:xfrm>
-                <a:off x="1141413" y="3425577"/>
-                <a:ext cx="2815193" cy="790153"/>
-              </a:xfrm>
-              <a:prstGeom prst="rect">
-                <a:avLst/>
-              </a:prstGeom>
-            </p:spPr>
-            <p:txBody>
-              <a:bodyPr wrap="none">
-                <a:spAutoFit/>
-              </a:bodyPr>
-              <a:lstStyle/>
-              <a:p>
-                <a:pPr/>
-                <a14:m>
-                  <m:oMathPara xmlns:m="http://schemas.openxmlformats.org/officeDocument/2006/math">
-                    <m:oMathParaPr>
-                      <m:jc m:val="centerGroup"/>
-                    </m:oMathParaPr>
-                    <m:oMath xmlns:m="http://schemas.openxmlformats.org/officeDocument/2006/math">
-                      <m:r>
-                        <a:rPr lang="en-US" sz="2400" b="0" i="1" smtClean="0">
-                          <a:latin typeface="Cambria Math" panose="02040503050406030204" pitchFamily="18" charset="0"/>
-                        </a:rPr>
-                        <m:t>𝐹𝑃𝑅</m:t>
-                      </m:r>
-                      <m:r>
-                        <a:rPr lang="en-US" sz="2400" i="1">
-                          <a:latin typeface="Cambria Math" panose="02040503050406030204" pitchFamily="18" charset="0"/>
-                        </a:rPr>
-                        <m:t>=</m:t>
-                      </m:r>
-                      <m:f>
-                        <m:fPr>
-                          <m:ctrlPr>
-                            <a:rPr lang="en-US" sz="2400" i="1">
-                              <a:latin typeface="Cambria Math" panose="02040503050406030204" pitchFamily="18" charset="0"/>
-                            </a:rPr>
-                          </m:ctrlPr>
-                        </m:fPr>
-                        <m:num>
-                          <m:r>
-                            <a:rPr lang="en-US" sz="2400" i="1">
-                              <a:latin typeface="Cambria Math" panose="02040503050406030204" pitchFamily="18" charset="0"/>
-                            </a:rPr>
-                            <m:t>#</m:t>
-                          </m:r>
-                          <m:r>
-                            <a:rPr lang="en-US" sz="2400" b="0" i="1" smtClean="0">
-                              <a:latin typeface="Cambria Math" panose="02040503050406030204" pitchFamily="18" charset="0"/>
-                            </a:rPr>
-                            <m:t>𝐹</m:t>
-                          </m:r>
-                          <m:r>
-                            <a:rPr lang="en-US" sz="2400" i="1">
-                              <a:latin typeface="Cambria Math" panose="02040503050406030204" pitchFamily="18" charset="0"/>
-                            </a:rPr>
-                            <m:t>𝑃</m:t>
-                          </m:r>
-                        </m:num>
-                        <m:den>
-                          <m:r>
-                            <a:rPr lang="en-US" sz="2400" i="1">
-                              <a:latin typeface="Cambria Math" panose="02040503050406030204" pitchFamily="18" charset="0"/>
-                            </a:rPr>
-                            <m:t>#</m:t>
-                          </m:r>
-                          <m:r>
-                            <a:rPr lang="en-US" sz="2400" b="0" i="1" smtClean="0">
-                              <a:latin typeface="Cambria Math" panose="02040503050406030204" pitchFamily="18" charset="0"/>
-                            </a:rPr>
-                            <m:t>𝐹</m:t>
-                          </m:r>
-                          <m:r>
-                            <a:rPr lang="en-US" sz="2400" i="1">
-                              <a:latin typeface="Cambria Math" panose="02040503050406030204" pitchFamily="18" charset="0"/>
-                            </a:rPr>
-                            <m:t>𝑃</m:t>
-                          </m:r>
-                          <m:r>
-                            <a:rPr lang="en-US" sz="2400" i="1">
-                              <a:latin typeface="Cambria Math" panose="02040503050406030204" pitchFamily="18" charset="0"/>
-                            </a:rPr>
-                            <m:t>+#</m:t>
-                          </m:r>
-                          <m:r>
-                            <a:rPr lang="en-US" sz="2400" b="0" i="1" smtClean="0">
-                              <a:latin typeface="Cambria Math" panose="02040503050406030204" pitchFamily="18" charset="0"/>
-                            </a:rPr>
-                            <m:t>𝑇𝑁</m:t>
-                          </m:r>
-                        </m:den>
-                      </m:f>
-                    </m:oMath>
-                  </m:oMathPara>
-                </a14:m>
-                <a:endParaRPr lang="en-US" sz="2400" dirty="0"/>
-              </a:p>
-            </p:txBody>
-          </p:sp>
-        </mc:Choice>
-        <mc:Fallback>
-          <p:sp>
-            <p:nvSpPr>
-              <p:cNvPr id="5" name="Rectangle 4"/>
-              <p:cNvSpPr>
-                <a:spLocks noRot="1" noChangeAspect="1" noMove="1" noResize="1" noEditPoints="1" noAdjustHandles="1" noChangeArrowheads="1" noChangeShapeType="1" noTextEdit="1"/>
-              </p:cNvSpPr>
-              <p:nvPr/>
-            </p:nvSpPr>
-            <p:spPr>
-              <a:xfrm>
-                <a:off x="1141413" y="3425577"/>
-                <a:ext cx="2815193" cy="790153"/>
-              </a:xfrm>
-              <a:prstGeom prst="rect">
-                <a:avLst/>
-              </a:prstGeom>
-              <a:blipFill>
-                <a:blip r:embed="rId3"/>
-                <a:stretch>
-                  <a:fillRect/>
-                </a:stretch>
-              </a:blipFill>
-            </p:spPr>
-            <p:txBody>
-              <a:bodyPr/>
-              <a:lstStyle/>
-              <a:p>
-                <a:r>
-                  <a:rPr lang="en-US">
-                    <a:noFill/>
-                  </a:rPr>
-                  <a:t> </a:t>
-                </a:r>
-              </a:p>
-            </p:txBody>
-          </p:sp>
-        </mc:Fallback>
-      </mc:AlternateContent>
-      <p:pic>
-        <p:nvPicPr>
-          <p:cNvPr id="6146" name="Picture 2" descr="https://www.statisticshowto.com/wp-content/uploads/2016/08/ROC-curve.png"/>
-          <p:cNvPicPr>
-            <a:picLocks noChangeAspect="1" noChangeArrowheads="1"/>
-          </p:cNvPicPr>
-          <p:nvPr/>
-        </p:nvPicPr>
-        <p:blipFill>
-          <a:blip r:embed="rId4">
-            <a:extLst>
-              <a:ext uri="{28A0092B-C50C-407E-A947-70E740481C1C}">
-                <a14:useLocalDpi xmlns:a14="http://schemas.microsoft.com/office/drawing/2010/main" val="0"/>
-              </a:ext>
-            </a:extLst>
-          </a:blip>
-          <a:srcRect/>
-          <a:stretch>
-            <a:fillRect/>
-          </a:stretch>
-        </p:blipFill>
-        <p:spPr bwMode="auto">
-          <a:xfrm>
-            <a:off x="4480687" y="1866657"/>
-            <a:ext cx="6566724" cy="4698145"/>
-          </a:xfrm>
-          <a:prstGeom prst="rect">
-            <a:avLst/>
-          </a:prstGeom>
-          <a:noFill/>
-          <a:extLst>
-            <a:ext uri="{909E8E84-426E-40DD-AFC4-6F175D3DCCD1}">
-              <a14:hiddenFill xmlns:a14="http://schemas.microsoft.com/office/drawing/2010/main">
-                <a:solidFill>
-                  <a:srgbClr val="FFFFFF"/>
-                </a:solidFill>
-              </a14:hiddenFill>
-            </a:ext>
-          </a:extLst>
-        </p:spPr>
-      </p:pic>
-    </p:spTree>
-    <p:extLst>
-      <p:ext uri="{BB962C8B-B14F-4D97-AF65-F5344CB8AC3E}">
-        <p14:creationId xmlns:p14="http://schemas.microsoft.com/office/powerpoint/2010/main" val="2899321124"/>
-      </p:ext>
-    </p:extLst>
-  </p:cSld>
-  <p:clrMapOvr>
-    <a:masterClrMapping/>
-  </p:clrMapOvr>
-  <p:timing>
-    <p:tnLst>
-      <p:par>
-        <p:cTn id="1" dur="indefinite" restart="never" nodeType="tmRoot"/>
-      </p:par>
-    </p:tnLst>
-  </p:timing>
-</p:sld>
-</file>
-
-<file path=ppt/slides/slide23.xml><?xml version="1.0" encoding="utf-8"?>
-<p:sld xmlns:a="http://schemas.openxmlformats.org/drawingml/2006/main" xmlns:r="http://schemas.openxmlformats.org/officeDocument/2006/relationships" xmlns:p="http://schemas.openxmlformats.org/presentationml/2006/main">
-  <p:cSld>
-    <p:spTree>
-      <p:nvGrpSpPr>
-        <p:cNvPr id="1" name=""/>
-        <p:cNvGrpSpPr/>
-        <p:nvPr/>
-      </p:nvGrpSpPr>
-      <p:grpSpPr>
-        <a:xfrm>
-          <a:off x="0" y="0"/>
-          <a:ext cx="0" cy="0"/>
-          <a:chOff x="0" y="0"/>
-          <a:chExt cx="0" cy="0"/>
-        </a:xfrm>
-      </p:grpSpPr>
-      <p:sp>
-        <p:nvSpPr>
-          <p:cNvPr id="2" name="Title 1"/>
-          <p:cNvSpPr>
-            <a:spLocks noGrp="1"/>
-          </p:cNvSpPr>
-          <p:nvPr>
-            <p:ph type="title"/>
-          </p:nvPr>
-        </p:nvSpPr>
-        <p:spPr/>
-        <p:txBody>
-          <a:bodyPr/>
-          <a:lstStyle/>
-          <a:p>
-            <a:r>
-              <a:rPr lang="en-US" dirty="0" smtClean="0"/>
-              <a:t>Confusion matrix</a:t>
-            </a:r>
-            <a:endParaRPr lang="en-US" dirty="0"/>
-          </a:p>
-        </p:txBody>
-      </p:sp>
-      <p:pic>
-        <p:nvPicPr>
-          <p:cNvPr id="10242" name="Picture 2" descr="https://i.imgur.com/Ump2g7a.png"/>
-          <p:cNvPicPr>
-            <a:picLocks noChangeAspect="1" noChangeArrowheads="1"/>
-          </p:cNvPicPr>
-          <p:nvPr/>
-        </p:nvPicPr>
-        <p:blipFill>
-          <a:blip r:embed="rId2">
-            <a:extLst>
-              <a:ext uri="{28A0092B-C50C-407E-A947-70E740481C1C}">
-                <a14:useLocalDpi xmlns:a14="http://schemas.microsoft.com/office/drawing/2010/main" val="0"/>
-              </a:ext>
-            </a:extLst>
-          </a:blip>
-          <a:srcRect/>
-          <a:stretch>
-            <a:fillRect/>
-          </a:stretch>
-        </p:blipFill>
-        <p:spPr bwMode="auto">
-          <a:xfrm>
-            <a:off x="2560446" y="1902586"/>
-            <a:ext cx="6229265" cy="4671949"/>
-          </a:xfrm>
-          <a:prstGeom prst="rect">
-            <a:avLst/>
-          </a:prstGeom>
-          <a:noFill/>
-          <a:extLst>
-            <a:ext uri="{909E8E84-426E-40DD-AFC4-6F175D3DCCD1}">
-              <a14:hiddenFill xmlns:a14="http://schemas.microsoft.com/office/drawing/2010/main">
-                <a:solidFill>
-                  <a:srgbClr val="FFFFFF"/>
-                </a:solidFill>
-              </a14:hiddenFill>
-            </a:ext>
-          </a:extLst>
-        </p:spPr>
-      </p:pic>
-    </p:spTree>
-    <p:extLst>
-      <p:ext uri="{BB962C8B-B14F-4D97-AF65-F5344CB8AC3E}">
-        <p14:creationId xmlns:p14="http://schemas.microsoft.com/office/powerpoint/2010/main" val="1622719328"/>
-      </p:ext>
-    </p:extLst>
-  </p:cSld>
-  <p:clrMapOvr>
-    <a:masterClrMapping/>
-  </p:clrMapOvr>
-  <p:timing>
-    <p:tnLst>
-      <p:par>
-        <p:cTn id="1" dur="indefinite" restart="never" nodeType="tmRoot"/>
-      </p:par>
-    </p:tnLst>
-  </p:timing>
-</p:sld>
-</file>
-
-<file path=ppt/slides/slide24.xml><?xml version="1.0" encoding="utf-8"?>
-<p:sld xmlns:a="http://schemas.openxmlformats.org/drawingml/2006/main" xmlns:r="http://schemas.openxmlformats.org/officeDocument/2006/relationships" xmlns:p="http://schemas.openxmlformats.org/presentationml/2006/main">
-  <p:cSld>
-    <p:spTree>
-      <p:nvGrpSpPr>
-        <p:cNvPr id="1" name=""/>
-        <p:cNvGrpSpPr/>
-        <p:nvPr/>
-      </p:nvGrpSpPr>
-      <p:grpSpPr>
-        <a:xfrm>
-          <a:off x="0" y="0"/>
-          <a:ext cx="0" cy="0"/>
-          <a:chOff x="0" y="0"/>
-          <a:chExt cx="0" cy="0"/>
-        </a:xfrm>
-      </p:grpSpPr>
-      <p:sp>
-        <p:nvSpPr>
-          <p:cNvPr id="2" name="Title 1"/>
-          <p:cNvSpPr>
-            <a:spLocks noGrp="1"/>
-          </p:cNvSpPr>
-          <p:nvPr>
-            <p:ph type="title"/>
-          </p:nvPr>
-        </p:nvSpPr>
-        <p:spPr/>
-        <p:txBody>
-          <a:bodyPr/>
-          <a:lstStyle/>
-          <a:p>
-            <a:r>
-              <a:rPr lang="en-US" dirty="0"/>
-              <a:t>Performance measures</a:t>
-            </a:r>
-          </a:p>
-        </p:txBody>
-      </p:sp>
-      <p:pic>
-        <p:nvPicPr>
-          <p:cNvPr id="4" name="Picture 3"/>
-          <p:cNvPicPr>
-            <a:picLocks noChangeAspect="1"/>
-          </p:cNvPicPr>
-          <p:nvPr/>
-        </p:nvPicPr>
-        <p:blipFill>
-          <a:blip r:embed="rId2"/>
-          <a:stretch>
-            <a:fillRect/>
-          </a:stretch>
-        </p:blipFill>
-        <p:spPr>
-          <a:xfrm>
-            <a:off x="1886712" y="2097088"/>
-            <a:ext cx="8205348" cy="4511643"/>
-          </a:xfrm>
-          <a:prstGeom prst="rect">
-            <a:avLst/>
-          </a:prstGeom>
-        </p:spPr>
-      </p:pic>
-    </p:spTree>
-    <p:extLst>
-      <p:ext uri="{BB962C8B-B14F-4D97-AF65-F5344CB8AC3E}">
-        <p14:creationId xmlns:p14="http://schemas.microsoft.com/office/powerpoint/2010/main" val="1540258414"/>
-      </p:ext>
-    </p:extLst>
-  </p:cSld>
-  <p:clrMapOvr>
-    <a:masterClrMapping/>
-  </p:clrMapOvr>
-  <p:timing>
-    <p:tnLst>
-      <p:par>
-        <p:cTn id="1" dur="indefinite" restart="never" nodeType="tmRoot"/>
-      </p:par>
-    </p:tnLst>
-  </p:timing>
-</p:sld>
-</file>
-
-<file path=ppt/slides/slide3.xml><?xml version="1.0" encoding="utf-8"?>
-<p:sld xmlns:a="http://schemas.openxmlformats.org/drawingml/2006/main" xmlns:r="http://schemas.openxmlformats.org/officeDocument/2006/relationships" xmlns:p="http://schemas.openxmlformats.org/presentationml/2006/main">
-  <p:cSld>
-    <p:spTree>
-      <p:nvGrpSpPr>
-        <p:cNvPr id="1" name=""/>
-        <p:cNvGrpSpPr/>
-        <p:nvPr/>
-      </p:nvGrpSpPr>
-      <p:grpSpPr>
-        <a:xfrm>
-          <a:off x="0" y="0"/>
-          <a:ext cx="0" cy="0"/>
-          <a:chOff x="0" y="0"/>
-          <a:chExt cx="0" cy="0"/>
-        </a:xfrm>
-      </p:grpSpPr>
-      <p:sp>
-        <p:nvSpPr>
-          <p:cNvPr id="2" name="Title 1"/>
-          <p:cNvSpPr>
-            <a:spLocks noGrp="1"/>
-          </p:cNvSpPr>
-          <p:nvPr>
-            <p:ph type="title"/>
-          </p:nvPr>
-        </p:nvSpPr>
-        <p:spPr/>
-        <p:txBody>
-          <a:bodyPr/>
-          <a:lstStyle/>
-          <a:p>
-            <a:r>
-              <a:rPr lang="en-US" dirty="0" smtClean="0"/>
-              <a:t>Overfitting and underfitting</a:t>
-            </a:r>
-            <a:endParaRPr lang="en-US" dirty="0"/>
-          </a:p>
-        </p:txBody>
-      </p:sp>
-      <p:pic>
-        <p:nvPicPr>
-          <p:cNvPr id="6" name="Picture 5"/>
-          <p:cNvPicPr>
-            <a:picLocks noChangeAspect="1"/>
-          </p:cNvPicPr>
-          <p:nvPr/>
-        </p:nvPicPr>
-        <p:blipFill rotWithShape="1">
-          <a:blip r:embed="rId2">
-            <a:extLst>
-              <a:ext uri="{28A0092B-C50C-407E-A947-70E740481C1C}">
-                <a14:useLocalDpi xmlns:a14="http://schemas.microsoft.com/office/drawing/2010/main" val="0"/>
-              </a:ext>
-            </a:extLst>
-          </a:blip>
-          <a:srcRect l="207" t="6940" r="-207" b="25088"/>
-          <a:stretch/>
-        </p:blipFill>
-        <p:spPr>
-          <a:xfrm>
-            <a:off x="2143217" y="1740407"/>
-            <a:ext cx="7348255" cy="2328673"/>
-          </a:xfrm>
-          <a:prstGeom prst="rect">
-            <a:avLst/>
-          </a:prstGeom>
-        </p:spPr>
-      </p:pic>
-      <p:pic>
-        <p:nvPicPr>
-          <p:cNvPr id="9" name="Picture 8"/>
-          <p:cNvPicPr>
-            <a:picLocks noChangeAspect="1"/>
-          </p:cNvPicPr>
-          <p:nvPr/>
-        </p:nvPicPr>
-        <p:blipFill>
-          <a:blip r:embed="rId3">
-            <a:extLst>
-              <a:ext uri="{28A0092B-C50C-407E-A947-70E740481C1C}">
-                <a14:useLocalDpi xmlns:a14="http://schemas.microsoft.com/office/drawing/2010/main" val="0"/>
-              </a:ext>
-            </a:extLst>
-          </a:blip>
-          <a:stretch>
-            <a:fillRect/>
-          </a:stretch>
-        </p:blipFill>
-        <p:spPr>
-          <a:xfrm>
-            <a:off x="2143217" y="4183045"/>
-            <a:ext cx="7348256" cy="2400635"/>
-          </a:xfrm>
-          <a:prstGeom prst="rect">
-            <a:avLst/>
-          </a:prstGeom>
-        </p:spPr>
-      </p:pic>
-    </p:spTree>
-    <p:extLst>
-      <p:ext uri="{BB962C8B-B14F-4D97-AF65-F5344CB8AC3E}">
-        <p14:creationId xmlns:p14="http://schemas.microsoft.com/office/powerpoint/2010/main" val="2879568760"/>
-      </p:ext>
-    </p:extLst>
-  </p:cSld>
-  <p:clrMapOvr>
-    <a:masterClrMapping/>
-  </p:clrMapOvr>
-  <p:timing>
-    <p:tnLst>
-      <p:par>
-        <p:cTn id="1" dur="indefinite" restart="never" nodeType="tmRoot"/>
-      </p:par>
-    </p:tnLst>
-  </p:timing>
 </p:sld>
 </file>
 
